--- a/OR/efficient_mamba.pptx
+++ b/OR/efficient_mamba.pptx
@@ -5,7 +5,7 @@
     <p:sldMasterId id="2147483648" r:id="rId1"/>
   </p:sldMasterIdLst>
   <p:notesMasterIdLst>
-    <p:notesMasterId r:id="rId21"/>
+    <p:notesMasterId r:id="rId22"/>
   </p:notesMasterIdLst>
   <p:sldIdLst>
     <p:sldId id="256" r:id="rId2"/>
@@ -23,10 +23,11 @@
     <p:sldId id="277" r:id="rId14"/>
     <p:sldId id="278" r:id="rId15"/>
     <p:sldId id="264" r:id="rId16"/>
-    <p:sldId id="265" r:id="rId17"/>
-    <p:sldId id="267" r:id="rId18"/>
-    <p:sldId id="268" r:id="rId19"/>
-    <p:sldId id="279" r:id="rId20"/>
+    <p:sldId id="284" r:id="rId17"/>
+    <p:sldId id="281" r:id="rId18"/>
+    <p:sldId id="265" r:id="rId19"/>
+    <p:sldId id="267" r:id="rId20"/>
+    <p:sldId id="279" r:id="rId21"/>
   </p:sldIdLst>
   <p:sldSz cx="12192000" cy="6858000"/>
   <p:notesSz cx="6858000" cy="9144000"/>
@@ -215,7 +216,7 @@
           <a:p>
             <a:fld id="{AF11983C-7BCD-45A6-AF19-AE294B84DCD4}" type="datetimeFigureOut">
               <a:rPr lang="es-ES" smtClean="0"/>
-              <a:t>08/04/2024</a:t>
+              <a:t>06/05/2024</a:t>
             </a:fld>
             <a:endParaRPr lang="es-ES"/>
           </a:p>
@@ -526,130 +527,281 @@
           <a:bodyPr/>
           <a:lstStyle/>
           <a:p>
-            <a:r>
-              <a:rPr lang="es-ES" dirty="0"/>
-              <a:t>* </a:t>
-            </a:r>
-            <a:r>
-              <a:rPr lang="es-ES" dirty="0" err="1"/>
-              <a:t>The</a:t>
-            </a:r>
-            <a:r>
-              <a:rPr lang="es-ES" dirty="0"/>
-              <a:t> </a:t>
-            </a:r>
-            <a:r>
-              <a:rPr lang="es-ES" dirty="0" err="1"/>
-              <a:t>key</a:t>
-            </a:r>
-            <a:r>
-              <a:rPr lang="es-ES" dirty="0"/>
+            <a:pPr algn="l"/>
+            <a:r>
+              <a:rPr lang="en-US" dirty="0"/>
+              <a:t>In this paper, the authors address the limitations in SSMs when applied to visual data. They propose a new vision backbone, Vim, which utilizes</a:t>
+            </a:r>
+          </a:p>
+          <a:p>
+            <a:pPr algn="l"/>
+            <a:r>
+              <a:rPr lang="en-US" dirty="0"/>
+              <a:t>Bidirectional Mamba blocks and SSMs to process image sequences.</a:t>
+            </a:r>
+          </a:p>
+          <a:p>
+            <a:pPr algn="l"/>
+            <a:endParaRPr lang="en-US" dirty="0"/>
+          </a:p>
+          <a:p>
+            <a:pPr algn="l"/>
+            <a:r>
+              <a:rPr lang="es-ES" sz="1800" b="0" i="0" u="none" strike="noStrike" baseline="0" dirty="0">
+                <a:latin typeface="NimbusRomNo9L-Regu"/>
+              </a:rPr>
+              <a:t>Mamba, </a:t>
+            </a:r>
+            <a:r>
+              <a:rPr lang="es-ES" sz="1800" b="0" i="0" u="none" strike="noStrike" baseline="0" dirty="0" err="1">
+                <a:latin typeface="NimbusRomNo9L-Regu"/>
+              </a:rPr>
+              <a:t>is</a:t>
+            </a:r>
+            <a:r>
+              <a:rPr lang="es-ES" sz="1800" b="0" i="0" u="none" strike="noStrike" baseline="0" dirty="0">
+                <a:latin typeface="NimbusRomNo9L-Regu"/>
+              </a:rPr>
+              <a:t> </a:t>
+            </a:r>
+            <a:r>
+              <a:rPr lang="es-ES" sz="1800" b="0" i="0" u="none" strike="noStrike" baseline="0" dirty="0" err="1">
+                <a:latin typeface="NimbusRomNo9L-Regu"/>
+              </a:rPr>
+              <a:t>an</a:t>
+            </a:r>
+            <a:r>
+              <a:rPr lang="es-ES" sz="1800" b="0" i="0" u="none" strike="noStrike" baseline="0" dirty="0">
+                <a:latin typeface="NimbusRomNo9L-Regu"/>
+              </a:rPr>
+              <a:t> SSM </a:t>
+            </a:r>
+            <a:r>
+              <a:rPr lang="es-ES" sz="1800" b="0" i="0" u="none" strike="noStrike" baseline="0" dirty="0" err="1">
+                <a:latin typeface="NimbusRomNo9L-Regu"/>
+              </a:rPr>
+              <a:t>based</a:t>
+            </a:r>
+            <a:r>
+              <a:rPr lang="es-ES" sz="1800" b="0" i="0" u="none" strike="noStrike" baseline="0" dirty="0">
+                <a:latin typeface="NimbusRomNo9L-Regu"/>
+              </a:rPr>
+              <a:t> </a:t>
+            </a:r>
+            <a:r>
+              <a:rPr lang="es-ES" sz="1800" b="0" i="0" u="none" strike="noStrike" baseline="0" dirty="0" err="1">
+                <a:latin typeface="NimbusRomNo9L-Regu"/>
+              </a:rPr>
+              <a:t>model</a:t>
+            </a:r>
+            <a:r>
+              <a:rPr lang="es-ES" sz="1800" b="0" i="0" u="none" strike="noStrike" baseline="0" dirty="0">
+                <a:latin typeface="NimbusRomNo9L-Regu"/>
+              </a:rPr>
+              <a:t>, </a:t>
+            </a:r>
+            <a:r>
+              <a:rPr lang="es-ES" sz="1800" b="0" i="0" u="none" strike="noStrike" baseline="0" dirty="0" err="1">
+                <a:latin typeface="NimbusRomNo9L-Regu"/>
+              </a:rPr>
+              <a:t>originally</a:t>
+            </a:r>
+            <a:r>
+              <a:rPr lang="es-ES" sz="1800" b="0" i="0" u="none" strike="noStrike" baseline="0" dirty="0">
+                <a:latin typeface="NimbusRomNo9L-Regu"/>
+              </a:rPr>
+              <a:t> </a:t>
+            </a:r>
+            <a:r>
+              <a:rPr lang="es-ES" sz="1800" b="0" i="0" u="none" strike="noStrike" baseline="0" dirty="0" err="1">
+                <a:latin typeface="NimbusRomNo9L-Regu"/>
+              </a:rPr>
+              <a:t>developed</a:t>
+            </a:r>
+            <a:r>
+              <a:rPr lang="es-ES" sz="1800" b="0" i="0" u="none" strike="noStrike" baseline="0" dirty="0">
+                <a:latin typeface="NimbusRomNo9L-Regu"/>
+              </a:rPr>
+              <a:t> </a:t>
+            </a:r>
+            <a:r>
+              <a:rPr lang="es-ES" sz="1800" b="0" i="0" u="none" strike="noStrike" baseline="0" dirty="0" err="1">
+                <a:latin typeface="NimbusRomNo9L-Regu"/>
+              </a:rPr>
+              <a:t>for</a:t>
+            </a:r>
+            <a:r>
+              <a:rPr lang="es-ES" sz="1800" b="0" i="0" u="none" strike="noStrike" baseline="0" dirty="0">
+                <a:latin typeface="NimbusRomNo9L-Regu"/>
+              </a:rPr>
+              <a:t> </a:t>
+            </a:r>
+            <a:r>
+              <a:rPr lang="es-ES" sz="1800" b="0" i="0" u="none" strike="noStrike" baseline="0" dirty="0" err="1">
+                <a:latin typeface="NimbusRomNo9L-Regu"/>
+              </a:rPr>
+              <a:t>language.The</a:t>
+            </a:r>
+            <a:r>
+              <a:rPr lang="es-ES" sz="1800" b="0" i="0" u="none" strike="noStrike" baseline="0" dirty="0">
+                <a:latin typeface="NimbusRomNo9L-Regu"/>
+              </a:rPr>
+              <a:t> superior </a:t>
+            </a:r>
+            <a:r>
+              <a:rPr lang="en-US" sz="1800" b="0" i="0" u="none" strike="noStrike" baseline="0" dirty="0">
+                <a:latin typeface="NimbusRomNo9L-Regu"/>
+              </a:rPr>
+              <a:t>scaling performance of Mamba indicates that this is a promising </a:t>
+            </a:r>
+            <a:r>
+              <a:rPr lang="es-ES" sz="1800" b="0" i="0" u="none" strike="noStrike" baseline="0" dirty="0">
+                <a:latin typeface="NimbusRomNo9L-Regu"/>
+              </a:rPr>
+              <a:t>alternative </a:t>
+            </a:r>
+            <a:r>
+              <a:rPr lang="es-ES" sz="1800" b="0" i="0" u="none" strike="noStrike" baseline="0" dirty="0" err="1">
+                <a:latin typeface="NimbusRomNo9L-Regu"/>
+              </a:rPr>
+              <a:t>to</a:t>
+            </a:r>
+            <a:r>
+              <a:rPr lang="es-ES" sz="1800" b="0" i="0" u="none" strike="noStrike" baseline="0" dirty="0">
+                <a:latin typeface="NimbusRomNo9L-Regu"/>
+              </a:rPr>
+              <a:t> </a:t>
+            </a:r>
+            <a:r>
+              <a:rPr lang="es-ES" sz="1800" b="0" i="0" u="none" strike="noStrike" baseline="0" dirty="0" err="1">
+                <a:latin typeface="NimbusRomNo9L-Regu"/>
+              </a:rPr>
+              <a:t>Transformer</a:t>
+            </a:r>
+            <a:r>
+              <a:rPr lang="es-ES" sz="1800" b="0" i="0" u="none" strike="noStrike" baseline="0" dirty="0">
+                <a:latin typeface="NimbusRomNo9L-Regu"/>
+              </a:rPr>
               <a:t> in </a:t>
             </a:r>
             <a:r>
-              <a:rPr lang="es-ES" dirty="0" err="1"/>
-              <a:t>efficiency</a:t>
-            </a:r>
-            <a:r>
-              <a:rPr lang="es-ES" dirty="0"/>
-              <a:t> </a:t>
-            </a:r>
-            <a:r>
-              <a:rPr lang="es-ES" dirty="0" err="1"/>
-              <a:t>here</a:t>
-            </a:r>
-            <a:r>
-              <a:rPr lang="es-ES" dirty="0"/>
-              <a:t> </a:t>
-            </a:r>
-            <a:r>
-              <a:rPr lang="es-ES" dirty="0" err="1"/>
-              <a:t>is</a:t>
-            </a:r>
-            <a:r>
-              <a:rPr lang="es-ES" dirty="0"/>
-              <a:t> </a:t>
-            </a:r>
-            <a:r>
-              <a:rPr lang="es-ES" dirty="0" err="1"/>
-              <a:t>that</a:t>
-            </a:r>
-            <a:r>
-              <a:rPr lang="es-ES" dirty="0"/>
-              <a:t> </a:t>
-            </a:r>
-            <a:r>
-              <a:rPr lang="es-ES" dirty="0" err="1"/>
-              <a:t>our</a:t>
-            </a:r>
-            <a:r>
-              <a:rPr lang="es-ES" dirty="0"/>
-              <a:t> </a:t>
-            </a:r>
-            <a:r>
-              <a:rPr lang="es-ES" dirty="0" err="1"/>
-              <a:t>convolution</a:t>
-            </a:r>
-            <a:r>
-              <a:rPr lang="es-ES" dirty="0"/>
-              <a:t> </a:t>
-            </a:r>
-            <a:r>
-              <a:rPr lang="es-ES" dirty="0" err="1"/>
-              <a:t>kernel</a:t>
-            </a:r>
-            <a:r>
-              <a:rPr lang="es-ES" dirty="0"/>
-              <a:t> K can be </a:t>
-            </a:r>
-            <a:r>
-              <a:rPr lang="es-ES" dirty="0" err="1"/>
-              <a:t>precomputed</a:t>
-            </a:r>
-            <a:r>
-              <a:rPr lang="es-ES" dirty="0"/>
+              <a:rPr lang="es-ES" sz="1800" b="0" i="0" u="none" strike="noStrike" baseline="0" dirty="0" err="1">
+                <a:latin typeface="NimbusRomNo9L-Regu"/>
+              </a:rPr>
+              <a:t>language</a:t>
+            </a:r>
+            <a:r>
+              <a:rPr lang="es-ES" sz="1800" b="0" i="0" u="none" strike="noStrike" baseline="0" dirty="0">
+                <a:latin typeface="NimbusRomNo9L-Regu"/>
+              </a:rPr>
+              <a:t> </a:t>
+            </a:r>
+            <a:r>
+              <a:rPr lang="es-ES" sz="1800" b="0" i="0" u="none" strike="noStrike" baseline="0" dirty="0" err="1">
+                <a:latin typeface="NimbusRomNo9L-Regu"/>
+              </a:rPr>
+              <a:t>modeling</a:t>
+            </a:r>
+            <a:r>
+              <a:rPr lang="es-ES" sz="1800" b="0" i="0" u="none" strike="noStrike" baseline="0" dirty="0">
+                <a:latin typeface="NimbusRomNo9L-Regu"/>
+              </a:rPr>
               <a:t> and </a:t>
             </a:r>
             <a:r>
-              <a:rPr lang="es-ES" dirty="0" err="1"/>
-              <a:t>convolutions</a:t>
-            </a:r>
-            <a:r>
-              <a:rPr lang="es-ES" dirty="0"/>
-              <a:t> are </a:t>
-            </a:r>
-            <a:r>
-              <a:rPr lang="es-ES" dirty="0" err="1"/>
-              <a:t>known</a:t>
-            </a:r>
-            <a:r>
-              <a:rPr lang="es-ES" dirty="0"/>
-              <a:t> </a:t>
-            </a:r>
-            <a:r>
-              <a:rPr lang="es-ES" dirty="0" err="1"/>
-              <a:t>to</a:t>
-            </a:r>
-            <a:r>
-              <a:rPr lang="es-ES" dirty="0"/>
+              <a:rPr lang="es-ES" sz="1800" b="0" i="0" u="none" strike="noStrike" baseline="0" dirty="0" err="1">
+                <a:latin typeface="NimbusRomNo9L-Regu"/>
+              </a:rPr>
+              <a:t>it</a:t>
+            </a:r>
+            <a:r>
+              <a:rPr lang="es-ES" sz="1800" b="0" i="0" u="none" strike="noStrike" baseline="0" dirty="0">
+                <a:latin typeface="NimbusRomNo9L-Regu"/>
+              </a:rPr>
+              <a:t> </a:t>
+            </a:r>
+            <a:r>
+              <a:rPr lang="es-ES" sz="1800" b="0" i="0" u="none" strike="noStrike" baseline="0" dirty="0" err="1">
+                <a:latin typeface="NimbusRomNo9L-Regu"/>
+              </a:rPr>
+              <a:t>may</a:t>
+            </a:r>
+            <a:r>
+              <a:rPr lang="es-ES" sz="1800" b="0" i="0" u="none" strike="noStrike" baseline="0" dirty="0">
+                <a:latin typeface="NimbusRomNo9L-Regu"/>
+              </a:rPr>
               <a:t> be </a:t>
             </a:r>
             <a:r>
-              <a:rPr lang="es-ES" dirty="0" err="1"/>
-              <a:t>pretty</a:t>
-            </a:r>
-            <a:r>
-              <a:rPr lang="es-ES" dirty="0"/>
-              <a:t> </a:t>
-            </a:r>
-            <a:r>
-              <a:rPr lang="es-ES" dirty="0" err="1"/>
-              <a:t>efficient</a:t>
-            </a:r>
-            <a:r>
-              <a:rPr lang="es-ES" dirty="0"/>
-              <a:t> in GPU</a:t>
-            </a:r>
+              <a:rPr lang="es-ES" sz="1800" b="0" i="0" u="none" strike="noStrike" baseline="0" dirty="0" err="1">
+                <a:latin typeface="NimbusRomNo9L-Regu"/>
+              </a:rPr>
+              <a:t>for</a:t>
+            </a:r>
+            <a:r>
+              <a:rPr lang="es-ES" sz="1800" b="0" i="0" u="none" strike="noStrike" baseline="0" dirty="0">
+                <a:latin typeface="NimbusRomNo9L-Regu"/>
+              </a:rPr>
+              <a:t> </a:t>
+            </a:r>
+            <a:r>
+              <a:rPr lang="es-ES" sz="1800" b="0" i="0" u="none" strike="noStrike" baseline="0" dirty="0" err="1">
+                <a:latin typeface="NimbusRomNo9L-Regu"/>
+              </a:rPr>
+              <a:t>vision</a:t>
+            </a:r>
+            <a:r>
+              <a:rPr lang="es-ES" sz="1800" b="0" i="0" u="none" strike="noStrike" baseline="0" dirty="0">
+                <a:latin typeface="NimbusRomNo9L-Regu"/>
+              </a:rPr>
+              <a:t>.</a:t>
+            </a:r>
+            <a:endParaRPr lang="en-US" dirty="0"/>
+          </a:p>
+          <a:p>
+            <a:endParaRPr lang="en-US" dirty="0"/>
+          </a:p>
+          <a:p>
+            <a:r>
+              <a:rPr lang="en-US" dirty="0"/>
+              <a:t>The key motivations are:</a:t>
+            </a:r>
+          </a:p>
+          <a:p>
+            <a:r>
+              <a:rPr lang="en-US" dirty="0"/>
+              <a:t>- Overcoming the dependency on self-attention in traditional vision transformers.</a:t>
+            </a:r>
+          </a:p>
+          <a:p>
+            <a:r>
+              <a:rPr lang="en-US" dirty="0"/>
+              <a:t>- Providing a more efficient, hardware-friendly model for visual tasks.</a:t>
+            </a:r>
+          </a:p>
+          <a:p>
+            <a:r>
+              <a:rPr lang="en-US" dirty="0"/>
+              <a:t>- Achieving high performance while significantly reducing computation and memory overhead compared to established vision transformers like </a:t>
+            </a:r>
+            <a:r>
+              <a:rPr lang="en-US" dirty="0" err="1"/>
+              <a:t>DeiT</a:t>
+            </a:r>
+            <a:r>
+              <a:rPr lang="en-US" dirty="0"/>
+              <a:t>.</a:t>
+            </a:r>
+          </a:p>
+          <a:p>
+            <a:endParaRPr lang="en-US" dirty="0"/>
+          </a:p>
+          <a:p>
+            <a:r>
+              <a:rPr lang="en-US" dirty="0"/>
+              <a:t>The results demonstrate that Vim outperforms existing vision transformers in various benchmarks such as ImageNet classification, COCO object detection, and ADE20k semantic segmentation, while also being significantly faster and using much less memory. This indicates that Vim has the potential to become a strong candidate for the next-generation backbone for vision-based foundation models.</a:t>
+            </a:r>
+            <a:endParaRPr lang="es-ES" dirty="0"/>
           </a:p>
         </p:txBody>
       </p:sp>
@@ -670,7 +822,7 @@
           <a:p>
             <a:fld id="{B399169E-2DF4-4CD8-83A1-99C52104E009}" type="slidenum">
               <a:rPr lang="es-ES" smtClean="0"/>
-              <a:t>3</a:t>
+              <a:t>2</a:t>
             </a:fld>
             <a:endParaRPr lang="es-ES"/>
           </a:p>
@@ -679,7 +831,91 @@
     </p:spTree>
     <p:extLst>
       <p:ext uri="{BB962C8B-B14F-4D97-AF65-F5344CB8AC3E}">
-        <p14:creationId xmlns:p14="http://schemas.microsoft.com/office/powerpoint/2010/main" val="3060694686"/>
+        <p14:creationId xmlns:p14="http://schemas.microsoft.com/office/powerpoint/2010/main" val="1852295952"/>
+      </p:ext>
+    </p:extLst>
+  </p:cSld>
+  <p:clrMapOvr>
+    <a:masterClrMapping/>
+  </p:clrMapOvr>
+</p:notes>
+</file>
+
+<file path=ppt/notesSlides/notesSlide10.xml><?xml version="1.0" encoding="utf-8"?>
+<p:notes xmlns:a="http://schemas.openxmlformats.org/drawingml/2006/main" xmlns:r="http://schemas.openxmlformats.org/officeDocument/2006/relationships" xmlns:p="http://schemas.openxmlformats.org/presentationml/2006/main">
+  <p:cSld>
+    <p:spTree>
+      <p:nvGrpSpPr>
+        <p:cNvPr id="1" name=""/>
+        <p:cNvGrpSpPr/>
+        <p:nvPr/>
+      </p:nvGrpSpPr>
+      <p:grpSpPr>
+        <a:xfrm>
+          <a:off x="0" y="0"/>
+          <a:ext cx="0" cy="0"/>
+          <a:chOff x="0" y="0"/>
+          <a:chExt cx="0" cy="0"/>
+        </a:xfrm>
+      </p:grpSpPr>
+      <p:sp>
+        <p:nvSpPr>
+          <p:cNvPr id="2" name="Marcador de imagen de diapositiva 1"/>
+          <p:cNvSpPr>
+            <a:spLocks noGrp="1" noRot="1" noChangeAspect="1"/>
+          </p:cNvSpPr>
+          <p:nvPr>
+            <p:ph type="sldImg"/>
+          </p:nvPr>
+        </p:nvSpPr>
+        <p:spPr/>
+      </p:sp>
+      <p:sp>
+        <p:nvSpPr>
+          <p:cNvPr id="3" name="Marcador de notas 2"/>
+          <p:cNvSpPr>
+            <a:spLocks noGrp="1"/>
+          </p:cNvSpPr>
+          <p:nvPr>
+            <p:ph type="body" idx="1"/>
+          </p:nvPr>
+        </p:nvSpPr>
+        <p:spPr/>
+        <p:txBody>
+          <a:bodyPr/>
+          <a:lstStyle/>
+          <a:p>
+            <a:endParaRPr lang="es-ES" dirty="0"/>
+          </a:p>
+        </p:txBody>
+      </p:sp>
+      <p:sp>
+        <p:nvSpPr>
+          <p:cNvPr id="4" name="Marcador de número de diapositiva 3"/>
+          <p:cNvSpPr>
+            <a:spLocks noGrp="1"/>
+          </p:cNvSpPr>
+          <p:nvPr>
+            <p:ph type="sldNum" sz="quarter" idx="5"/>
+          </p:nvPr>
+        </p:nvSpPr>
+        <p:spPr/>
+        <p:txBody>
+          <a:bodyPr/>
+          <a:lstStyle/>
+          <a:p>
+            <a:fld id="{B399169E-2DF4-4CD8-83A1-99C52104E009}" type="slidenum">
+              <a:rPr lang="es-ES" smtClean="0"/>
+              <a:t>17</a:t>
+            </a:fld>
+            <a:endParaRPr lang="es-ES"/>
+          </a:p>
+        </p:txBody>
+      </p:sp>
+    </p:spTree>
+    <p:extLst>
+      <p:ext uri="{BB962C8B-B14F-4D97-AF65-F5344CB8AC3E}">
+        <p14:creationId xmlns:p14="http://schemas.microsoft.com/office/powerpoint/2010/main" val="613333646"/>
       </p:ext>
     </p:extLst>
   </p:cSld>
@@ -735,11 +971,280 @@
           <a:p>
             <a:r>
               <a:rPr lang="es-ES" dirty="0" err="1"/>
-              <a:t>When</a:t>
-            </a:r>
-            <a:r>
-              <a:rPr lang="es-ES" dirty="0"/>
-              <a:t> a new token </a:t>
+              <a:t>Historically</a:t>
+            </a:r>
+            <a:r>
+              <a:rPr lang="es-ES" dirty="0"/>
+              <a:t>, </a:t>
+            </a:r>
+            <a:r>
+              <a:rPr lang="es-ES" dirty="0" err="1"/>
+              <a:t>they</a:t>
+            </a:r>
+            <a:r>
+              <a:rPr lang="es-ES" dirty="0"/>
+              <a:t> </a:t>
+            </a:r>
+            <a:r>
+              <a:rPr lang="es-ES" dirty="0" err="1"/>
+              <a:t>have</a:t>
+            </a:r>
+            <a:r>
+              <a:rPr lang="es-ES" dirty="0"/>
+              <a:t> </a:t>
+            </a:r>
+            <a:r>
+              <a:rPr lang="es-ES" dirty="0" err="1"/>
+              <a:t>their</a:t>
+            </a:r>
+            <a:r>
+              <a:rPr lang="es-ES" dirty="0"/>
+              <a:t> </a:t>
+            </a:r>
+            <a:r>
+              <a:rPr lang="es-ES" dirty="0" err="1"/>
+              <a:t>origins</a:t>
+            </a:r>
+            <a:r>
+              <a:rPr lang="es-ES" dirty="0"/>
+              <a:t> in </a:t>
+            </a:r>
+            <a:r>
+              <a:rPr lang="es-ES" dirty="0" err="1"/>
+              <a:t>the</a:t>
+            </a:r>
+            <a:r>
+              <a:rPr lang="es-ES" dirty="0"/>
+              <a:t> matricial </a:t>
+            </a:r>
+            <a:r>
+              <a:rPr lang="es-ES" dirty="0" err="1"/>
+              <a:t>solution</a:t>
+            </a:r>
+            <a:r>
+              <a:rPr lang="es-ES" dirty="0"/>
+              <a:t> </a:t>
+            </a:r>
+            <a:r>
+              <a:rPr lang="es-ES" dirty="0" err="1"/>
+              <a:t>of</a:t>
+            </a:r>
+            <a:r>
+              <a:rPr lang="es-ES" dirty="0"/>
+              <a:t> linear </a:t>
+            </a:r>
+            <a:r>
+              <a:rPr lang="es-ES" dirty="0" err="1"/>
+              <a:t>differential</a:t>
+            </a:r>
+            <a:r>
+              <a:rPr lang="es-ES" dirty="0"/>
+              <a:t> </a:t>
+            </a:r>
+            <a:r>
+              <a:rPr lang="es-ES" dirty="0" err="1"/>
+              <a:t>equations</a:t>
+            </a:r>
+            <a:r>
+              <a:rPr lang="es-ES" dirty="0"/>
+              <a:t>. </a:t>
+            </a:r>
+            <a:r>
+              <a:rPr lang="es-ES" dirty="0" err="1"/>
+              <a:t>It</a:t>
+            </a:r>
+            <a:r>
+              <a:rPr lang="es-ES" dirty="0"/>
+              <a:t> can be </a:t>
+            </a:r>
+            <a:r>
+              <a:rPr lang="es-ES" dirty="0" err="1"/>
+              <a:t>considered</a:t>
+            </a:r>
+            <a:r>
+              <a:rPr lang="es-ES" dirty="0"/>
+              <a:t>  </a:t>
+            </a:r>
+            <a:r>
+              <a:rPr lang="es-ES" dirty="0" err="1"/>
+              <a:t>that</a:t>
+            </a:r>
+            <a:r>
+              <a:rPr lang="es-ES" dirty="0"/>
+              <a:t> </a:t>
+            </a:r>
+            <a:r>
+              <a:rPr lang="es-ES" dirty="0" err="1"/>
+              <a:t>the</a:t>
+            </a:r>
+            <a:r>
+              <a:rPr lang="es-ES" dirty="0"/>
+              <a:t> </a:t>
+            </a:r>
+            <a:r>
+              <a:rPr lang="es-ES" dirty="0" err="1"/>
+              <a:t>state</a:t>
+            </a:r>
+            <a:r>
+              <a:rPr lang="es-ES" dirty="0"/>
+              <a:t> h </a:t>
+            </a:r>
+            <a:r>
+              <a:rPr lang="es-ES" dirty="0" err="1"/>
+              <a:t>depends</a:t>
+            </a:r>
+            <a:r>
+              <a:rPr lang="es-ES" dirty="0"/>
+              <a:t> </a:t>
+            </a:r>
+            <a:r>
+              <a:rPr lang="es-ES" dirty="0" err="1"/>
+              <a:t>on</a:t>
+            </a:r>
+            <a:r>
+              <a:rPr lang="es-ES" dirty="0"/>
+              <a:t> </a:t>
+            </a:r>
+            <a:r>
+              <a:rPr lang="es-ES" dirty="0" err="1"/>
+              <a:t>its</a:t>
+            </a:r>
+            <a:r>
+              <a:rPr lang="es-ES" dirty="0"/>
+              <a:t> </a:t>
+            </a:r>
+            <a:r>
+              <a:rPr lang="es-ES" dirty="0" err="1"/>
+              <a:t>current</a:t>
+            </a:r>
+            <a:r>
+              <a:rPr lang="es-ES" dirty="0"/>
+              <a:t> </a:t>
+            </a:r>
+            <a:r>
+              <a:rPr lang="es-ES" dirty="0" err="1"/>
+              <a:t>state</a:t>
+            </a:r>
+            <a:r>
+              <a:rPr lang="es-ES" dirty="0"/>
+              <a:t> plus </a:t>
+            </a:r>
+            <a:r>
+              <a:rPr lang="es-ES" dirty="0" err="1"/>
+              <a:t>the</a:t>
+            </a:r>
+            <a:r>
+              <a:rPr lang="es-ES" dirty="0"/>
+              <a:t> </a:t>
+            </a:r>
+            <a:r>
+              <a:rPr lang="es-ES" dirty="0" err="1"/>
+              <a:t>action</a:t>
+            </a:r>
+            <a:r>
+              <a:rPr lang="es-ES" dirty="0"/>
+              <a:t> </a:t>
+            </a:r>
+            <a:r>
+              <a:rPr lang="es-ES" dirty="0" err="1"/>
+              <a:t>of</a:t>
+            </a:r>
+            <a:r>
+              <a:rPr lang="es-ES" dirty="0"/>
+              <a:t> </a:t>
+            </a:r>
+            <a:r>
+              <a:rPr lang="es-ES" dirty="0" err="1"/>
+              <a:t>external</a:t>
+            </a:r>
+            <a:r>
+              <a:rPr lang="es-ES" dirty="0"/>
+              <a:t> </a:t>
+            </a:r>
+            <a:r>
+              <a:rPr lang="es-ES" dirty="0" err="1"/>
+              <a:t>agent</a:t>
+            </a:r>
+            <a:r>
+              <a:rPr lang="es-ES" dirty="0"/>
+              <a:t>. </a:t>
+            </a:r>
+            <a:r>
+              <a:rPr lang="es-ES" dirty="0" err="1"/>
+              <a:t>Discretization</a:t>
+            </a:r>
+            <a:r>
+              <a:rPr lang="es-ES" dirty="0"/>
+              <a:t> step comes </a:t>
+            </a:r>
+            <a:r>
+              <a:rPr lang="es-ES" dirty="0" err="1"/>
+              <a:t>from</a:t>
+            </a:r>
+            <a:r>
+              <a:rPr lang="es-ES" dirty="0"/>
+              <a:t> </a:t>
+            </a:r>
+            <a:r>
+              <a:rPr lang="es-ES" dirty="0" err="1"/>
+              <a:t>the</a:t>
+            </a:r>
+            <a:r>
+              <a:rPr lang="es-ES" dirty="0"/>
+              <a:t> discrete, computable, </a:t>
+            </a:r>
+            <a:r>
+              <a:rPr lang="es-ES" dirty="0" err="1"/>
+              <a:t>definition</a:t>
+            </a:r>
+            <a:r>
+              <a:rPr lang="es-ES" dirty="0"/>
+              <a:t> </a:t>
+            </a:r>
+            <a:r>
+              <a:rPr lang="es-ES" dirty="0" err="1"/>
+              <a:t>of</a:t>
+            </a:r>
+            <a:r>
+              <a:rPr lang="es-ES" dirty="0"/>
+              <a:t> derivative.</a:t>
+            </a:r>
+          </a:p>
+          <a:p>
+            <a:endParaRPr lang="es-ES" dirty="0"/>
+          </a:p>
+          <a:p>
+            <a:r>
+              <a:rPr lang="es-ES" dirty="0" err="1"/>
+              <a:t>The</a:t>
+            </a:r>
+            <a:r>
+              <a:rPr lang="es-ES" dirty="0"/>
+              <a:t> </a:t>
+            </a:r>
+            <a:r>
+              <a:rPr lang="es-ES" dirty="0" err="1"/>
+              <a:t>key</a:t>
+            </a:r>
+            <a:r>
+              <a:rPr lang="es-ES" dirty="0"/>
+              <a:t> in </a:t>
+            </a:r>
+            <a:r>
+              <a:rPr lang="es-ES" dirty="0" err="1"/>
+              <a:t>efficiency</a:t>
+            </a:r>
+            <a:r>
+              <a:rPr lang="es-ES" dirty="0"/>
+              <a:t> </a:t>
+            </a:r>
+            <a:r>
+              <a:rPr lang="es-ES" dirty="0" err="1"/>
+              <a:t>here</a:t>
+            </a:r>
+            <a:r>
+              <a:rPr lang="es-ES" dirty="0"/>
+              <a:t> </a:t>
             </a:r>
             <a:r>
               <a:rPr lang="es-ES" dirty="0" err="1"/>
@@ -751,7 +1256,55 @@
             </a:r>
             <a:r>
               <a:rPr lang="es-ES" dirty="0" err="1"/>
-              <a:t>added</a:t>
+              <a:t>that</a:t>
+            </a:r>
+            <a:r>
+              <a:rPr lang="es-ES" dirty="0"/>
+              <a:t> </a:t>
+            </a:r>
+            <a:r>
+              <a:rPr lang="es-ES" dirty="0" err="1"/>
+              <a:t>our</a:t>
+            </a:r>
+            <a:r>
+              <a:rPr lang="es-ES" dirty="0"/>
+              <a:t> </a:t>
+            </a:r>
+            <a:r>
+              <a:rPr lang="es-ES" dirty="0" err="1"/>
+              <a:t>convolution</a:t>
+            </a:r>
+            <a:r>
+              <a:rPr lang="es-ES" dirty="0"/>
+              <a:t> </a:t>
+            </a:r>
+            <a:r>
+              <a:rPr lang="es-ES" dirty="0" err="1"/>
+              <a:t>kernel</a:t>
+            </a:r>
+            <a:r>
+              <a:rPr lang="es-ES" dirty="0"/>
+              <a:t> K can be </a:t>
+            </a:r>
+            <a:r>
+              <a:rPr lang="es-ES" dirty="0" err="1"/>
+              <a:t>precomputed</a:t>
+            </a:r>
+            <a:r>
+              <a:rPr lang="es-ES" dirty="0"/>
+              <a:t> and </a:t>
+            </a:r>
+            <a:r>
+              <a:rPr lang="es-ES" dirty="0" err="1"/>
+              <a:t>convolutions</a:t>
+            </a:r>
+            <a:r>
+              <a:rPr lang="es-ES" dirty="0"/>
+              <a:t> are </a:t>
+            </a:r>
+            <a:r>
+              <a:rPr lang="es-ES" dirty="0" err="1"/>
+              <a:t>known</a:t>
             </a:r>
             <a:r>
               <a:rPr lang="es-ES" dirty="0"/>
@@ -763,377 +1316,23 @@
             </a:r>
             <a:r>
               <a:rPr lang="es-ES" dirty="0"/>
-              <a:t> a </a:t>
-            </a:r>
-            <a:r>
-              <a:rPr lang="es-ES" dirty="0" err="1"/>
-              <a:t>sequence</a:t>
-            </a:r>
-            <a:r>
-              <a:rPr lang="es-ES" dirty="0"/>
-              <a:t> (</a:t>
-            </a:r>
-            <a:r>
-              <a:rPr lang="es-ES" dirty="0" err="1"/>
-              <a:t>increase</a:t>
-            </a:r>
-            <a:r>
-              <a:rPr lang="es-ES" dirty="0"/>
-              <a:t> </a:t>
-            </a:r>
-            <a:r>
-              <a:rPr lang="es-ES" dirty="0" err="1"/>
-              <a:t>of</a:t>
-            </a:r>
-            <a:r>
-              <a:rPr lang="es-ES" dirty="0"/>
-              <a:t> </a:t>
-            </a:r>
-            <a:r>
-              <a:rPr lang="es-ES" dirty="0" err="1"/>
-              <a:t>sequence</a:t>
-            </a:r>
-            <a:r>
-              <a:rPr lang="es-ES" dirty="0"/>
-              <a:t> </a:t>
-            </a:r>
-            <a:r>
-              <a:rPr lang="es-ES" dirty="0" err="1"/>
-              <a:t>length</a:t>
-            </a:r>
-            <a:r>
-              <a:rPr lang="es-ES" dirty="0"/>
-              <a:t>) </a:t>
-            </a:r>
-            <a:r>
-              <a:rPr lang="es-ES" dirty="0" err="1"/>
-              <a:t>computational</a:t>
-            </a:r>
-            <a:r>
-              <a:rPr lang="es-ES" dirty="0"/>
-              <a:t> </a:t>
-            </a:r>
-            <a:r>
-              <a:rPr lang="es-ES" dirty="0" err="1"/>
-              <a:t>complexity</a:t>
-            </a:r>
-            <a:r>
-              <a:rPr lang="es-ES" dirty="0"/>
-              <a:t> </a:t>
-            </a:r>
-            <a:r>
-              <a:rPr lang="es-ES" dirty="0" err="1"/>
-              <a:t>increases</a:t>
-            </a:r>
-            <a:r>
-              <a:rPr lang="es-ES" dirty="0"/>
-              <a:t> </a:t>
-            </a:r>
-            <a:r>
-              <a:rPr lang="es-ES" dirty="0" err="1"/>
-              <a:t>quadratically</a:t>
-            </a:r>
-            <a:r>
-              <a:rPr lang="es-ES" dirty="0"/>
-              <a:t> in </a:t>
-            </a:r>
-            <a:r>
-              <a:rPr lang="es-ES" dirty="0" err="1"/>
-              <a:t>space</a:t>
-            </a:r>
-            <a:r>
-              <a:rPr lang="es-ES" dirty="0"/>
-              <a:t> as </a:t>
-            </a:r>
-            <a:r>
-              <a:rPr lang="es-ES" dirty="0" err="1"/>
-              <a:t>it</a:t>
-            </a:r>
-            <a:r>
-              <a:rPr lang="es-ES" dirty="0"/>
-              <a:t> </a:t>
-            </a:r>
-            <a:r>
-              <a:rPr lang="es-ES" dirty="0" err="1"/>
-              <a:t>needs</a:t>
-            </a:r>
-            <a:r>
-              <a:rPr lang="es-ES" dirty="0"/>
-              <a:t> </a:t>
-            </a:r>
-            <a:r>
-              <a:rPr lang="es-ES" dirty="0" err="1"/>
-              <a:t>to</a:t>
-            </a:r>
-            <a:r>
-              <a:rPr lang="es-ES" dirty="0"/>
-              <a:t> compute scores </a:t>
-            </a:r>
-            <a:r>
-              <a:rPr lang="es-ES" dirty="0" err="1"/>
-              <a:t>for</a:t>
-            </a:r>
-            <a:r>
-              <a:rPr lang="es-ES" dirty="0"/>
-              <a:t> </a:t>
-            </a:r>
-            <a:r>
-              <a:rPr lang="es-ES" dirty="0" err="1"/>
-              <a:t>each</a:t>
-            </a:r>
-            <a:r>
-              <a:rPr lang="es-ES" dirty="0"/>
-              <a:t> </a:t>
-            </a:r>
-            <a:r>
-              <a:rPr lang="es-ES" dirty="0" err="1"/>
-              <a:t>pair</a:t>
-            </a:r>
-            <a:r>
-              <a:rPr lang="es-ES" dirty="0"/>
-              <a:t>.</a:t>
-            </a:r>
-          </a:p>
-          <a:p>
-            <a:endParaRPr lang="es-ES" dirty="0"/>
-          </a:p>
-          <a:p>
-            <a:r>
-              <a:rPr lang="es-ES" dirty="0" err="1"/>
-              <a:t>However</a:t>
-            </a:r>
-            <a:r>
-              <a:rPr lang="es-ES" dirty="0"/>
-              <a:t>, in </a:t>
-            </a:r>
-            <a:r>
-              <a:rPr lang="es-ES" dirty="0" err="1"/>
-              <a:t>SSMs</a:t>
-            </a:r>
-            <a:r>
-              <a:rPr lang="es-ES" dirty="0"/>
-              <a:t> </a:t>
-            </a:r>
-            <a:r>
-              <a:rPr lang="es-ES" dirty="0" err="1"/>
-              <a:t>adding</a:t>
-            </a:r>
-            <a:r>
-              <a:rPr lang="es-ES" dirty="0"/>
-              <a:t> </a:t>
-            </a:r>
-            <a:r>
-              <a:rPr lang="es-ES" dirty="0" err="1"/>
-              <a:t>one</a:t>
-            </a:r>
-            <a:r>
-              <a:rPr lang="es-ES" dirty="0"/>
-              <a:t> more token </a:t>
-            </a:r>
-            <a:r>
-              <a:rPr lang="es-ES" dirty="0" err="1"/>
-              <a:t>just</a:t>
-            </a:r>
-            <a:r>
-              <a:rPr lang="es-ES" dirty="0"/>
-              <a:t> </a:t>
-            </a:r>
-            <a:r>
-              <a:rPr lang="es-ES" dirty="0" err="1"/>
-              <a:t>means</a:t>
-            </a:r>
-            <a:r>
-              <a:rPr lang="es-ES" dirty="0"/>
-              <a:t>  </a:t>
-            </a:r>
-            <a:r>
-              <a:rPr lang="es-ES" dirty="0" err="1"/>
-              <a:t>doing</a:t>
-            </a:r>
-            <a:r>
-              <a:rPr lang="es-ES" dirty="0"/>
-              <a:t> </a:t>
-            </a:r>
-            <a:r>
-              <a:rPr lang="es-ES" dirty="0" err="1"/>
-              <a:t>one</a:t>
-            </a:r>
-            <a:r>
-              <a:rPr lang="es-ES" dirty="0"/>
-              <a:t> more time </a:t>
-            </a:r>
-            <a:r>
-              <a:rPr lang="es-ES" dirty="0" err="1"/>
-              <a:t>the</a:t>
-            </a:r>
-            <a:r>
-              <a:rPr lang="es-ES" dirty="0"/>
-              <a:t> SSM and </a:t>
-            </a:r>
-            <a:r>
-              <a:rPr lang="es-ES" dirty="0" err="1"/>
-              <a:t>computation</a:t>
-            </a:r>
-            <a:r>
-              <a:rPr lang="es-ES" dirty="0"/>
-              <a:t> </a:t>
-            </a:r>
-            <a:r>
-              <a:rPr lang="es-ES" dirty="0" err="1"/>
-              <a:t>only</a:t>
-            </a:r>
-            <a:r>
-              <a:rPr lang="es-ES" dirty="0"/>
-              <a:t> </a:t>
-            </a:r>
-            <a:r>
-              <a:rPr lang="es-ES" dirty="0" err="1"/>
-              <a:t>doubles</a:t>
-            </a:r>
-            <a:r>
-              <a:rPr lang="es-ES" dirty="0"/>
-              <a:t>.</a:t>
-            </a:r>
-          </a:p>
-          <a:p>
-            <a:endParaRPr lang="es-ES" dirty="0"/>
-          </a:p>
-          <a:p>
-            <a:r>
-              <a:rPr lang="es-ES" dirty="0" err="1"/>
-              <a:t>The</a:t>
-            </a:r>
-            <a:r>
-              <a:rPr lang="es-ES" dirty="0"/>
-              <a:t> </a:t>
-            </a:r>
-            <a:r>
-              <a:rPr lang="es-ES" dirty="0" err="1"/>
-              <a:t>main</a:t>
-            </a:r>
-            <a:r>
-              <a:rPr lang="es-ES" dirty="0"/>
-              <a:t> </a:t>
-            </a:r>
-            <a:r>
-              <a:rPr lang="es-ES" dirty="0" err="1"/>
-              <a:t>problem</a:t>
-            </a:r>
-            <a:r>
-              <a:rPr lang="es-ES" dirty="0"/>
-              <a:t> </a:t>
-            </a:r>
-            <a:r>
-              <a:rPr lang="es-ES" dirty="0" err="1"/>
-              <a:t>is</a:t>
-            </a:r>
-            <a:r>
-              <a:rPr lang="es-ES" dirty="0"/>
-              <a:t> </a:t>
-            </a:r>
-            <a:r>
-              <a:rPr lang="es-ES" dirty="0" err="1"/>
-              <a:t>that</a:t>
-            </a:r>
-            <a:r>
-              <a:rPr lang="es-ES" dirty="0"/>
-              <a:t> </a:t>
-            </a:r>
-            <a:r>
-              <a:rPr lang="es-ES" dirty="0" err="1"/>
-              <a:t>they</a:t>
-            </a:r>
-            <a:r>
-              <a:rPr lang="es-ES" dirty="0"/>
-              <a:t> use </a:t>
-            </a:r>
-            <a:r>
-              <a:rPr lang="es-ES" dirty="0" err="1"/>
-              <a:t>the</a:t>
-            </a:r>
-            <a:r>
-              <a:rPr lang="es-ES" dirty="0"/>
-              <a:t> </a:t>
-            </a:r>
-            <a:r>
-              <a:rPr lang="es-ES" dirty="0" err="1"/>
-              <a:t>same</a:t>
-            </a:r>
-            <a:r>
-              <a:rPr lang="es-ES" dirty="0"/>
-              <a:t> A, B and C </a:t>
-            </a:r>
-            <a:r>
-              <a:rPr lang="es-ES" dirty="0" err="1"/>
-              <a:t>for</a:t>
-            </a:r>
-            <a:r>
-              <a:rPr lang="es-ES" dirty="0"/>
-              <a:t> </a:t>
-            </a:r>
-            <a:r>
-              <a:rPr lang="es-ES" dirty="0" err="1"/>
-              <a:t>predicting</a:t>
-            </a:r>
-            <a:r>
-              <a:rPr lang="es-ES" dirty="0"/>
-              <a:t> </a:t>
-            </a:r>
-            <a:r>
-              <a:rPr lang="es-ES" dirty="0" err="1"/>
-              <a:t>every</a:t>
-            </a:r>
-            <a:r>
-              <a:rPr lang="es-ES" dirty="0"/>
-              <a:t> token. </a:t>
-            </a:r>
-            <a:r>
-              <a:rPr lang="es-ES" dirty="0" err="1"/>
-              <a:t>This</a:t>
-            </a:r>
-            <a:r>
-              <a:rPr lang="es-ES" dirty="0"/>
-              <a:t> </a:t>
-            </a:r>
-            <a:r>
-              <a:rPr lang="es-ES" dirty="0" err="1"/>
-              <a:t>is</a:t>
-            </a:r>
-            <a:r>
-              <a:rPr lang="es-ES" dirty="0"/>
-              <a:t> </a:t>
-            </a:r>
-            <a:r>
-              <a:rPr lang="es-ES" dirty="0" err="1"/>
-              <a:t>solved</a:t>
-            </a:r>
-            <a:r>
-              <a:rPr lang="es-ES" dirty="0"/>
-              <a:t> </a:t>
-            </a:r>
-            <a:r>
-              <a:rPr lang="es-ES" dirty="0" err="1"/>
-              <a:t>by</a:t>
-            </a:r>
-            <a:r>
-              <a:rPr lang="es-ES" dirty="0"/>
-              <a:t> </a:t>
-            </a:r>
-            <a:r>
-              <a:rPr lang="es-ES" dirty="0" err="1"/>
-              <a:t>introducing</a:t>
-            </a:r>
-            <a:r>
-              <a:rPr lang="es-ES" dirty="0"/>
-              <a:t> selective </a:t>
-            </a:r>
-            <a:r>
-              <a:rPr lang="es-ES" dirty="0" err="1"/>
-              <a:t>SSMs</a:t>
-            </a:r>
-            <a:r>
-              <a:rPr lang="es-ES" dirty="0"/>
-              <a:t>.</a:t>
+              <a:t> be </a:t>
+            </a:r>
+            <a:r>
+              <a:rPr lang="es-ES" dirty="0" err="1"/>
+              <a:t>pretty</a:t>
+            </a:r>
+            <a:r>
+              <a:rPr lang="es-ES" dirty="0"/>
+              <a:t> </a:t>
+            </a:r>
+            <a:r>
+              <a:rPr lang="es-ES" dirty="0" err="1"/>
+              <a:t>efficient</a:t>
+            </a:r>
+            <a:r>
+              <a:rPr lang="es-ES" dirty="0"/>
+              <a:t> in GPU.</a:t>
             </a:r>
           </a:p>
         </p:txBody>
@@ -1155,7 +1354,7 @@
           <a:p>
             <a:fld id="{B399169E-2DF4-4CD8-83A1-99C52104E009}" type="slidenum">
               <a:rPr lang="es-ES" smtClean="0"/>
-              <a:t>4</a:t>
+              <a:t>3</a:t>
             </a:fld>
             <a:endParaRPr lang="es-ES"/>
           </a:p>
@@ -1164,7 +1363,7 @@
     </p:spTree>
     <p:extLst>
       <p:ext uri="{BB962C8B-B14F-4D97-AF65-F5344CB8AC3E}">
-        <p14:creationId xmlns:p14="http://schemas.microsoft.com/office/powerpoint/2010/main" val="1886391003"/>
+        <p14:creationId xmlns:p14="http://schemas.microsoft.com/office/powerpoint/2010/main" val="3060694686"/>
       </p:ext>
     </p:extLst>
   </p:cSld>
@@ -1218,7 +1417,472 @@
           <a:bodyPr/>
           <a:lstStyle/>
           <a:p>
+            <a:r>
+              <a:rPr lang="es-ES" dirty="0" err="1"/>
+              <a:t>When</a:t>
+            </a:r>
+            <a:r>
+              <a:rPr lang="es-ES" dirty="0"/>
+              <a:t> a new token </a:t>
+            </a:r>
+            <a:r>
+              <a:rPr lang="es-ES" dirty="0" err="1"/>
+              <a:t>is</a:t>
+            </a:r>
+            <a:r>
+              <a:rPr lang="es-ES" dirty="0"/>
+              <a:t> </a:t>
+            </a:r>
+            <a:r>
+              <a:rPr lang="es-ES" dirty="0" err="1"/>
+              <a:t>added</a:t>
+            </a:r>
+            <a:r>
+              <a:rPr lang="es-ES" dirty="0"/>
+              <a:t> </a:t>
+            </a:r>
+            <a:r>
+              <a:rPr lang="es-ES" dirty="0" err="1"/>
+              <a:t>to</a:t>
+            </a:r>
+            <a:r>
+              <a:rPr lang="es-ES" dirty="0"/>
+              <a:t> a </a:t>
+            </a:r>
+            <a:r>
+              <a:rPr lang="es-ES" dirty="0" err="1"/>
+              <a:t>sequence</a:t>
+            </a:r>
+            <a:r>
+              <a:rPr lang="es-ES" dirty="0"/>
+              <a:t> (</a:t>
+            </a:r>
+            <a:r>
+              <a:rPr lang="es-ES" dirty="0" err="1"/>
+              <a:t>increase</a:t>
+            </a:r>
+            <a:r>
+              <a:rPr lang="es-ES" dirty="0"/>
+              <a:t> </a:t>
+            </a:r>
+            <a:r>
+              <a:rPr lang="es-ES" dirty="0" err="1"/>
+              <a:t>of</a:t>
+            </a:r>
+            <a:r>
+              <a:rPr lang="es-ES" dirty="0"/>
+              <a:t> </a:t>
+            </a:r>
+            <a:r>
+              <a:rPr lang="es-ES" dirty="0" err="1"/>
+              <a:t>sequence</a:t>
+            </a:r>
+            <a:r>
+              <a:rPr lang="es-ES" dirty="0"/>
+              <a:t> </a:t>
+            </a:r>
+            <a:r>
+              <a:rPr lang="es-ES" dirty="0" err="1"/>
+              <a:t>length</a:t>
+            </a:r>
+            <a:r>
+              <a:rPr lang="es-ES" dirty="0"/>
+              <a:t>) </a:t>
+            </a:r>
+            <a:r>
+              <a:rPr lang="es-ES" dirty="0" err="1"/>
+              <a:t>computational</a:t>
+            </a:r>
+            <a:r>
+              <a:rPr lang="es-ES" dirty="0"/>
+              <a:t> </a:t>
+            </a:r>
+            <a:r>
+              <a:rPr lang="es-ES" dirty="0" err="1"/>
+              <a:t>complexity</a:t>
+            </a:r>
+            <a:r>
+              <a:rPr lang="es-ES" dirty="0"/>
+              <a:t> </a:t>
+            </a:r>
+            <a:r>
+              <a:rPr lang="es-ES" dirty="0" err="1"/>
+              <a:t>increases</a:t>
+            </a:r>
+            <a:r>
+              <a:rPr lang="es-ES" dirty="0"/>
+              <a:t> </a:t>
+            </a:r>
+            <a:r>
+              <a:rPr lang="es-ES" dirty="0" err="1"/>
+              <a:t>quadratically</a:t>
+            </a:r>
+            <a:r>
+              <a:rPr lang="es-ES" dirty="0"/>
+              <a:t> in </a:t>
+            </a:r>
+            <a:r>
+              <a:rPr lang="es-ES" dirty="0" err="1"/>
+              <a:t>space</a:t>
+            </a:r>
+            <a:r>
+              <a:rPr lang="es-ES" dirty="0"/>
+              <a:t> as </a:t>
+            </a:r>
+            <a:r>
+              <a:rPr lang="es-ES" dirty="0" err="1"/>
+              <a:t>it</a:t>
+            </a:r>
+            <a:r>
+              <a:rPr lang="es-ES" dirty="0"/>
+              <a:t> </a:t>
+            </a:r>
+            <a:r>
+              <a:rPr lang="es-ES" dirty="0" err="1"/>
+              <a:t>needs</a:t>
+            </a:r>
+            <a:r>
+              <a:rPr lang="es-ES" dirty="0"/>
+              <a:t> </a:t>
+            </a:r>
+            <a:r>
+              <a:rPr lang="es-ES" dirty="0" err="1"/>
+              <a:t>to</a:t>
+            </a:r>
+            <a:r>
+              <a:rPr lang="es-ES" dirty="0"/>
+              <a:t> compute scores </a:t>
+            </a:r>
+            <a:r>
+              <a:rPr lang="es-ES" dirty="0" err="1"/>
+              <a:t>for</a:t>
+            </a:r>
+            <a:r>
+              <a:rPr lang="es-ES" dirty="0"/>
+              <a:t> </a:t>
+            </a:r>
+            <a:r>
+              <a:rPr lang="es-ES" dirty="0" err="1"/>
+              <a:t>each</a:t>
+            </a:r>
+            <a:r>
+              <a:rPr lang="es-ES" dirty="0"/>
+              <a:t> </a:t>
+            </a:r>
+            <a:r>
+              <a:rPr lang="es-ES" dirty="0" err="1"/>
+              <a:t>pair</a:t>
+            </a:r>
+            <a:r>
+              <a:rPr lang="es-ES" dirty="0"/>
+              <a:t>.</a:t>
+            </a:r>
+          </a:p>
+          <a:p>
             <a:endParaRPr lang="es-ES" dirty="0"/>
+          </a:p>
+          <a:p>
+            <a:r>
+              <a:rPr lang="es-ES" dirty="0" err="1"/>
+              <a:t>However</a:t>
+            </a:r>
+            <a:r>
+              <a:rPr lang="es-ES" dirty="0"/>
+              <a:t>, in </a:t>
+            </a:r>
+            <a:r>
+              <a:rPr lang="es-ES" dirty="0" err="1"/>
+              <a:t>SSMs</a:t>
+            </a:r>
+            <a:r>
+              <a:rPr lang="es-ES" dirty="0"/>
+              <a:t> </a:t>
+            </a:r>
+            <a:r>
+              <a:rPr lang="es-ES" dirty="0" err="1"/>
+              <a:t>adding</a:t>
+            </a:r>
+            <a:r>
+              <a:rPr lang="es-ES" dirty="0"/>
+              <a:t> </a:t>
+            </a:r>
+            <a:r>
+              <a:rPr lang="es-ES" dirty="0" err="1"/>
+              <a:t>one</a:t>
+            </a:r>
+            <a:r>
+              <a:rPr lang="es-ES" dirty="0"/>
+              <a:t> more token </a:t>
+            </a:r>
+            <a:r>
+              <a:rPr lang="es-ES" dirty="0" err="1"/>
+              <a:t>just</a:t>
+            </a:r>
+            <a:r>
+              <a:rPr lang="es-ES" dirty="0"/>
+              <a:t> </a:t>
+            </a:r>
+            <a:r>
+              <a:rPr lang="es-ES" dirty="0" err="1"/>
+              <a:t>means</a:t>
+            </a:r>
+            <a:r>
+              <a:rPr lang="es-ES" dirty="0"/>
+              <a:t>  </a:t>
+            </a:r>
+            <a:r>
+              <a:rPr lang="es-ES" dirty="0" err="1"/>
+              <a:t>doing</a:t>
+            </a:r>
+            <a:r>
+              <a:rPr lang="es-ES" dirty="0"/>
+              <a:t> </a:t>
+            </a:r>
+            <a:r>
+              <a:rPr lang="es-ES" dirty="0" err="1"/>
+              <a:t>one</a:t>
+            </a:r>
+            <a:r>
+              <a:rPr lang="es-ES" dirty="0"/>
+              <a:t> more time </a:t>
+            </a:r>
+            <a:r>
+              <a:rPr lang="es-ES" dirty="0" err="1"/>
+              <a:t>the</a:t>
+            </a:r>
+            <a:r>
+              <a:rPr lang="es-ES" dirty="0"/>
+              <a:t> SSM and </a:t>
+            </a:r>
+            <a:r>
+              <a:rPr lang="es-ES" dirty="0" err="1"/>
+              <a:t>computation</a:t>
+            </a:r>
+            <a:r>
+              <a:rPr lang="es-ES" dirty="0"/>
+              <a:t> </a:t>
+            </a:r>
+            <a:r>
+              <a:rPr lang="es-ES" dirty="0" err="1"/>
+              <a:t>only</a:t>
+            </a:r>
+            <a:r>
+              <a:rPr lang="es-ES" dirty="0"/>
+              <a:t> </a:t>
+            </a:r>
+            <a:r>
+              <a:rPr lang="es-ES" dirty="0" err="1"/>
+              <a:t>doubles</a:t>
+            </a:r>
+            <a:r>
+              <a:rPr lang="es-ES" dirty="0"/>
+              <a:t>.</a:t>
+            </a:r>
+          </a:p>
+          <a:p>
+            <a:endParaRPr lang="es-ES" dirty="0"/>
+          </a:p>
+          <a:p>
+            <a:r>
+              <a:rPr lang="es-ES" dirty="0" err="1"/>
+              <a:t>The</a:t>
+            </a:r>
+            <a:r>
+              <a:rPr lang="es-ES" dirty="0"/>
+              <a:t> </a:t>
+            </a:r>
+            <a:r>
+              <a:rPr lang="es-ES" dirty="0" err="1"/>
+              <a:t>main</a:t>
+            </a:r>
+            <a:r>
+              <a:rPr lang="es-ES" dirty="0"/>
+              <a:t> </a:t>
+            </a:r>
+            <a:r>
+              <a:rPr lang="es-ES" dirty="0" err="1"/>
+              <a:t>problem</a:t>
+            </a:r>
+            <a:r>
+              <a:rPr lang="es-ES" dirty="0"/>
+              <a:t> </a:t>
+            </a:r>
+            <a:r>
+              <a:rPr lang="es-ES" dirty="0" err="1"/>
+              <a:t>is</a:t>
+            </a:r>
+            <a:r>
+              <a:rPr lang="es-ES" dirty="0"/>
+              <a:t> </a:t>
+            </a:r>
+            <a:r>
+              <a:rPr lang="es-ES" dirty="0" err="1"/>
+              <a:t>that</a:t>
+            </a:r>
+            <a:r>
+              <a:rPr lang="es-ES" dirty="0"/>
+              <a:t> </a:t>
+            </a:r>
+            <a:r>
+              <a:rPr lang="es-ES" dirty="0" err="1"/>
+              <a:t>they</a:t>
+            </a:r>
+            <a:r>
+              <a:rPr lang="es-ES" dirty="0"/>
+              <a:t> use </a:t>
+            </a:r>
+            <a:r>
+              <a:rPr lang="es-ES" dirty="0" err="1"/>
+              <a:t>the</a:t>
+            </a:r>
+            <a:r>
+              <a:rPr lang="es-ES" dirty="0"/>
+              <a:t> </a:t>
+            </a:r>
+            <a:r>
+              <a:rPr lang="es-ES" dirty="0" err="1"/>
+              <a:t>same</a:t>
+            </a:r>
+            <a:r>
+              <a:rPr lang="es-ES" dirty="0"/>
+              <a:t> A, B and C </a:t>
+            </a:r>
+            <a:r>
+              <a:rPr lang="es-ES" dirty="0" err="1"/>
+              <a:t>for</a:t>
+            </a:r>
+            <a:r>
+              <a:rPr lang="es-ES" dirty="0"/>
+              <a:t> </a:t>
+            </a:r>
+            <a:r>
+              <a:rPr lang="es-ES" dirty="0" err="1"/>
+              <a:t>predicting</a:t>
+            </a:r>
+            <a:r>
+              <a:rPr lang="es-ES" dirty="0"/>
+              <a:t> </a:t>
+            </a:r>
+            <a:r>
+              <a:rPr lang="es-ES" dirty="0" err="1"/>
+              <a:t>every</a:t>
+            </a:r>
+            <a:r>
+              <a:rPr lang="es-ES" dirty="0"/>
+              <a:t> token. </a:t>
+            </a:r>
+            <a:r>
+              <a:rPr lang="es-ES" dirty="0" err="1"/>
+              <a:t>This</a:t>
+            </a:r>
+            <a:r>
+              <a:rPr lang="es-ES" dirty="0"/>
+              <a:t> </a:t>
+            </a:r>
+            <a:r>
+              <a:rPr lang="es-ES" dirty="0" err="1"/>
+              <a:t>is</a:t>
+            </a:r>
+            <a:r>
+              <a:rPr lang="es-ES" dirty="0"/>
+              <a:t> </a:t>
+            </a:r>
+            <a:r>
+              <a:rPr lang="es-ES" dirty="0" err="1"/>
+              <a:t>solved</a:t>
+            </a:r>
+            <a:r>
+              <a:rPr lang="es-ES" dirty="0"/>
+              <a:t> </a:t>
+            </a:r>
+            <a:r>
+              <a:rPr lang="es-ES" dirty="0" err="1"/>
+              <a:t>by</a:t>
+            </a:r>
+            <a:r>
+              <a:rPr lang="es-ES" dirty="0"/>
+              <a:t> </a:t>
+            </a:r>
+            <a:r>
+              <a:rPr lang="es-ES" dirty="0" err="1"/>
+              <a:t>introducing</a:t>
+            </a:r>
+            <a:r>
+              <a:rPr lang="es-ES" dirty="0"/>
+              <a:t> selective </a:t>
+            </a:r>
+            <a:r>
+              <a:rPr lang="es-ES" dirty="0" err="1"/>
+              <a:t>SSMs</a:t>
+            </a:r>
+            <a:r>
+              <a:rPr lang="es-ES" dirty="0"/>
+              <a:t> and </a:t>
+            </a:r>
+            <a:r>
+              <a:rPr lang="es-ES" dirty="0" err="1"/>
+              <a:t>Scan</a:t>
+            </a:r>
+            <a:r>
+              <a:rPr lang="es-ES" dirty="0"/>
+              <a:t>, </a:t>
+            </a:r>
+            <a:r>
+              <a:rPr lang="es-ES" dirty="0" err="1"/>
+              <a:t>an</a:t>
+            </a:r>
+            <a:r>
+              <a:rPr lang="es-ES" dirty="0"/>
+              <a:t> </a:t>
+            </a:r>
+            <a:r>
+              <a:rPr lang="es-ES" dirty="0" err="1"/>
+              <a:t>algorithm</a:t>
+            </a:r>
+            <a:r>
+              <a:rPr lang="es-ES" dirty="0"/>
+              <a:t> </a:t>
+            </a:r>
+            <a:r>
+              <a:rPr lang="es-ES" dirty="0" err="1"/>
+              <a:t>which</a:t>
+            </a:r>
+            <a:r>
+              <a:rPr lang="es-ES" dirty="0"/>
+              <a:t> preserves linear </a:t>
+            </a:r>
+            <a:r>
+              <a:rPr lang="es-ES" dirty="0" err="1"/>
+              <a:t>complexity</a:t>
+            </a:r>
+            <a:r>
+              <a:rPr lang="es-ES" dirty="0"/>
+              <a:t> </a:t>
+            </a:r>
+            <a:r>
+              <a:rPr lang="es-ES" dirty="0" err="1"/>
+              <a:t>with</a:t>
+            </a:r>
+            <a:r>
+              <a:rPr lang="es-ES" dirty="0"/>
+              <a:t> </a:t>
+            </a:r>
+            <a:r>
+              <a:rPr lang="es-ES" dirty="0" err="1"/>
+              <a:t>sequence</a:t>
+            </a:r>
+            <a:r>
+              <a:rPr lang="es-ES" dirty="0"/>
+              <a:t> </a:t>
+            </a:r>
+            <a:r>
+              <a:rPr lang="es-ES" dirty="0" err="1"/>
+              <a:t>length</a:t>
+            </a:r>
+            <a:r>
+              <a:rPr lang="es-ES" dirty="0"/>
+              <a:t>.</a:t>
+            </a:r>
           </a:p>
         </p:txBody>
       </p:sp>
@@ -1239,7 +1903,7 @@
           <a:p>
             <a:fld id="{B399169E-2DF4-4CD8-83A1-99C52104E009}" type="slidenum">
               <a:rPr lang="es-ES" smtClean="0"/>
-              <a:t>6</a:t>
+              <a:t>4</a:t>
             </a:fld>
             <a:endParaRPr lang="es-ES"/>
           </a:p>
@@ -1248,7 +1912,7 @@
     </p:spTree>
     <p:extLst>
       <p:ext uri="{BB962C8B-B14F-4D97-AF65-F5344CB8AC3E}">
-        <p14:creationId xmlns:p14="http://schemas.microsoft.com/office/powerpoint/2010/main" val="758179483"/>
+        <p14:creationId xmlns:p14="http://schemas.microsoft.com/office/powerpoint/2010/main" val="1886391003"/>
       </p:ext>
     </p:extLst>
   </p:cSld>
@@ -1302,6 +1966,508 @@
           <a:bodyPr/>
           <a:lstStyle/>
           <a:p>
+            <a:r>
+              <a:rPr lang="es-ES" dirty="0" err="1"/>
+              <a:t>There</a:t>
+            </a:r>
+            <a:r>
+              <a:rPr lang="es-ES" dirty="0"/>
+              <a:t> are </a:t>
+            </a:r>
+            <a:r>
+              <a:rPr lang="es-ES" dirty="0" err="1"/>
+              <a:t>two</a:t>
+            </a:r>
+            <a:r>
+              <a:rPr lang="es-ES" dirty="0"/>
+              <a:t> </a:t>
+            </a:r>
+            <a:r>
+              <a:rPr lang="es-ES" dirty="0" err="1"/>
+              <a:t>problems</a:t>
+            </a:r>
+            <a:r>
+              <a:rPr lang="es-ES" dirty="0"/>
+              <a:t> in </a:t>
+            </a:r>
+            <a:r>
+              <a:rPr lang="es-ES" dirty="0" err="1"/>
+              <a:t>the</a:t>
+            </a:r>
+            <a:r>
+              <a:rPr lang="es-ES" dirty="0"/>
+              <a:t> </a:t>
+            </a:r>
+            <a:r>
+              <a:rPr lang="es-ES" dirty="0" err="1"/>
+              <a:t>transition</a:t>
+            </a:r>
+            <a:r>
+              <a:rPr lang="es-ES" dirty="0"/>
+              <a:t> </a:t>
+            </a:r>
+            <a:r>
+              <a:rPr lang="es-ES" dirty="0" err="1"/>
+              <a:t>from</a:t>
+            </a:r>
+            <a:r>
+              <a:rPr lang="es-ES" dirty="0"/>
+              <a:t> Mamba </a:t>
+            </a:r>
+            <a:r>
+              <a:rPr lang="es-ES" dirty="0" err="1"/>
+              <a:t>to</a:t>
+            </a:r>
+            <a:r>
+              <a:rPr lang="es-ES" dirty="0"/>
+              <a:t> </a:t>
+            </a:r>
+            <a:r>
+              <a:rPr lang="es-ES" dirty="0" err="1"/>
+              <a:t>Vim</a:t>
+            </a:r>
+            <a:r>
+              <a:rPr lang="es-ES" dirty="0"/>
+              <a:t>:</a:t>
+            </a:r>
+          </a:p>
+          <a:p>
+            <a:endParaRPr lang="es-ES" dirty="0"/>
+          </a:p>
+          <a:p>
+            <a:r>
+              <a:rPr lang="es-ES" dirty="0"/>
+              <a:t>	- </a:t>
+            </a:r>
+            <a:r>
+              <a:rPr lang="es-ES" dirty="0" err="1"/>
+              <a:t>Unidirectional</a:t>
+            </a:r>
+            <a:r>
+              <a:rPr lang="es-ES" dirty="0"/>
+              <a:t> </a:t>
+            </a:r>
+            <a:r>
+              <a:rPr lang="es-ES" dirty="0" err="1"/>
+              <a:t>modeling</a:t>
+            </a:r>
+            <a:r>
+              <a:rPr lang="es-ES" dirty="0"/>
+              <a:t>. </a:t>
+            </a:r>
+            <a:r>
+              <a:rPr lang="es-ES" dirty="0" err="1"/>
+              <a:t>Images</a:t>
+            </a:r>
+            <a:r>
+              <a:rPr lang="es-ES" dirty="0"/>
+              <a:t> are </a:t>
+            </a:r>
+            <a:r>
+              <a:rPr lang="es-ES" dirty="0" err="1"/>
+              <a:t>not</a:t>
+            </a:r>
+            <a:r>
+              <a:rPr lang="es-ES" dirty="0"/>
+              <a:t> </a:t>
+            </a:r>
+            <a:r>
+              <a:rPr lang="es-ES" dirty="0" err="1"/>
+              <a:t>interpreted</a:t>
+            </a:r>
+            <a:r>
+              <a:rPr lang="es-ES" dirty="0"/>
+              <a:t> as </a:t>
+            </a:r>
+            <a:r>
+              <a:rPr lang="es-ES" dirty="0" err="1"/>
+              <a:t>an</a:t>
+            </a:r>
+            <a:r>
+              <a:rPr lang="es-ES" dirty="0"/>
+              <a:t> </a:t>
+            </a:r>
+            <a:r>
+              <a:rPr lang="es-ES" dirty="0" err="1"/>
+              <a:t>inherently</a:t>
+            </a:r>
+            <a:r>
+              <a:rPr lang="es-ES" dirty="0"/>
+              <a:t> </a:t>
+            </a:r>
+            <a:r>
+              <a:rPr lang="es-ES" dirty="0" err="1"/>
+              <a:t>oredered</a:t>
+            </a:r>
+            <a:r>
+              <a:rPr lang="es-ES" dirty="0"/>
+              <a:t> </a:t>
+            </a:r>
+            <a:r>
+              <a:rPr lang="es-ES" dirty="0" err="1"/>
+              <a:t>sequence</a:t>
+            </a:r>
+            <a:r>
+              <a:rPr lang="es-ES" dirty="0"/>
+              <a:t>.</a:t>
+            </a:r>
+          </a:p>
+          <a:p>
+            <a:r>
+              <a:rPr lang="es-ES" dirty="0"/>
+              <a:t>	- </a:t>
+            </a:r>
+            <a:r>
+              <a:rPr lang="es-ES" dirty="0" err="1"/>
+              <a:t>Lack</a:t>
+            </a:r>
+            <a:r>
+              <a:rPr lang="es-ES" dirty="0"/>
+              <a:t> </a:t>
+            </a:r>
+            <a:r>
+              <a:rPr lang="es-ES" dirty="0" err="1"/>
+              <a:t>of</a:t>
+            </a:r>
+            <a:r>
+              <a:rPr lang="es-ES" dirty="0"/>
+              <a:t> </a:t>
+            </a:r>
+            <a:r>
+              <a:rPr lang="es-ES" dirty="0" err="1"/>
+              <a:t>positional</a:t>
+            </a:r>
+            <a:r>
+              <a:rPr lang="es-ES" dirty="0"/>
+              <a:t> </a:t>
+            </a:r>
+            <a:r>
+              <a:rPr lang="es-ES" dirty="0" err="1"/>
+              <a:t>awareness</a:t>
+            </a:r>
+            <a:r>
+              <a:rPr lang="es-ES" dirty="0"/>
+              <a:t>, </a:t>
+            </a:r>
+            <a:r>
+              <a:rPr lang="es-ES" dirty="0" err="1"/>
+              <a:t>which</a:t>
+            </a:r>
+            <a:r>
+              <a:rPr lang="es-ES" dirty="0"/>
+              <a:t> </a:t>
+            </a:r>
+            <a:r>
+              <a:rPr lang="es-ES" dirty="0" err="1"/>
+              <a:t>is</a:t>
+            </a:r>
+            <a:r>
+              <a:rPr lang="es-ES" dirty="0"/>
+              <a:t> crucial </a:t>
+            </a:r>
+            <a:r>
+              <a:rPr lang="es-ES" dirty="0" err="1"/>
+              <a:t>to</a:t>
+            </a:r>
+            <a:r>
+              <a:rPr lang="es-ES" dirty="0"/>
+              <a:t> </a:t>
+            </a:r>
+            <a:r>
+              <a:rPr lang="es-ES" dirty="0" err="1"/>
+              <a:t>understand</a:t>
+            </a:r>
+            <a:r>
+              <a:rPr lang="es-ES" dirty="0"/>
+              <a:t> </a:t>
+            </a:r>
+            <a:r>
+              <a:rPr lang="es-ES" dirty="0" err="1"/>
+              <a:t>the</a:t>
+            </a:r>
+            <a:r>
+              <a:rPr lang="es-ES" dirty="0"/>
+              <a:t> </a:t>
+            </a:r>
+            <a:r>
+              <a:rPr lang="es-ES" dirty="0" err="1"/>
+              <a:t>spatial</a:t>
+            </a:r>
+            <a:r>
+              <a:rPr lang="es-ES" dirty="0"/>
+              <a:t> </a:t>
+            </a:r>
+            <a:r>
+              <a:rPr lang="es-ES" dirty="0" err="1"/>
+              <a:t>layout</a:t>
+            </a:r>
+            <a:r>
+              <a:rPr lang="es-ES" dirty="0"/>
+              <a:t> and </a:t>
+            </a:r>
+            <a:r>
+              <a:rPr lang="es-ES" dirty="0" err="1"/>
+              <a:t>semantic</a:t>
+            </a:r>
+            <a:r>
+              <a:rPr lang="es-ES" dirty="0"/>
+              <a:t> </a:t>
+            </a:r>
+            <a:r>
+              <a:rPr lang="es-ES" dirty="0" err="1"/>
+              <a:t>relationships</a:t>
+            </a:r>
+            <a:endParaRPr lang="es-ES" dirty="0"/>
+          </a:p>
+          <a:p>
+            <a:endParaRPr lang="es-ES" dirty="0"/>
+          </a:p>
+          <a:p>
+            <a:r>
+              <a:rPr lang="es-ES" dirty="0" err="1"/>
+              <a:t>This</a:t>
+            </a:r>
+            <a:r>
+              <a:rPr lang="es-ES" dirty="0"/>
+              <a:t> </a:t>
+            </a:r>
+            <a:r>
+              <a:rPr lang="es-ES" dirty="0" err="1"/>
+              <a:t>is</a:t>
+            </a:r>
+            <a:r>
+              <a:rPr lang="es-ES" dirty="0"/>
+              <a:t> </a:t>
+            </a:r>
+            <a:r>
+              <a:rPr lang="es-ES" dirty="0" err="1"/>
+              <a:t>solved</a:t>
+            </a:r>
+            <a:r>
+              <a:rPr lang="es-ES" dirty="0"/>
+              <a:t> </a:t>
+            </a:r>
+            <a:r>
+              <a:rPr lang="es-ES" dirty="0" err="1"/>
+              <a:t>by</a:t>
+            </a:r>
+            <a:r>
+              <a:rPr lang="es-ES" dirty="0"/>
+              <a:t> </a:t>
+            </a:r>
+            <a:r>
+              <a:rPr lang="es-ES" dirty="0" err="1"/>
+              <a:t>incorporating</a:t>
+            </a:r>
+            <a:r>
+              <a:rPr lang="es-ES" dirty="0"/>
+              <a:t> </a:t>
+            </a:r>
+            <a:r>
+              <a:rPr lang="es-ES" dirty="0" err="1"/>
+              <a:t>the</a:t>
+            </a:r>
+            <a:r>
+              <a:rPr lang="es-ES" dirty="0"/>
+              <a:t> </a:t>
+            </a:r>
+            <a:r>
+              <a:rPr lang="es-ES" dirty="0" err="1"/>
+              <a:t>bidirectional</a:t>
+            </a:r>
+            <a:r>
+              <a:rPr lang="es-ES" dirty="0"/>
+              <a:t> </a:t>
+            </a:r>
+            <a:r>
+              <a:rPr lang="es-ES" dirty="0" err="1"/>
+              <a:t>SSMs</a:t>
+            </a:r>
+            <a:r>
+              <a:rPr lang="es-ES" dirty="0"/>
+              <a:t> and position </a:t>
+            </a:r>
+            <a:r>
+              <a:rPr lang="es-ES" dirty="0" err="1"/>
+              <a:t>embeddings</a:t>
+            </a:r>
+            <a:r>
+              <a:rPr lang="es-ES" dirty="0"/>
+              <a:t> as in </a:t>
+            </a:r>
+            <a:r>
+              <a:rPr lang="es-ES" dirty="0" err="1"/>
+              <a:t>transformer</a:t>
+            </a:r>
+            <a:r>
+              <a:rPr lang="es-ES" dirty="0"/>
+              <a:t> </a:t>
+            </a:r>
+            <a:r>
+              <a:rPr lang="es-ES" dirty="0" err="1"/>
+              <a:t>encoding</a:t>
+            </a:r>
+            <a:r>
+              <a:rPr lang="es-ES" dirty="0"/>
+              <a:t>. </a:t>
+            </a:r>
+          </a:p>
+          <a:p>
+            <a:endParaRPr lang="es-ES" dirty="0"/>
+          </a:p>
+          <a:p>
+            <a:r>
+              <a:rPr lang="es-ES" dirty="0" err="1"/>
+              <a:t>This</a:t>
+            </a:r>
+            <a:r>
+              <a:rPr lang="es-ES" dirty="0"/>
+              <a:t> </a:t>
+            </a:r>
+            <a:r>
+              <a:rPr lang="es-ES" dirty="0" err="1"/>
+              <a:t>way</a:t>
+            </a:r>
+            <a:r>
+              <a:rPr lang="es-ES" dirty="0"/>
+              <a:t>, </a:t>
+            </a:r>
+            <a:r>
+              <a:rPr lang="es-ES" dirty="0" err="1"/>
+              <a:t>patches</a:t>
+            </a:r>
+            <a:r>
+              <a:rPr lang="es-ES" dirty="0"/>
+              <a:t> are </a:t>
+            </a:r>
+            <a:r>
+              <a:rPr lang="es-ES" dirty="0" err="1"/>
+              <a:t>linearly</a:t>
+            </a:r>
+            <a:r>
+              <a:rPr lang="es-ES" dirty="0"/>
+              <a:t> </a:t>
+            </a:r>
+            <a:r>
+              <a:rPr lang="es-ES" dirty="0" err="1"/>
+              <a:t>projected</a:t>
+            </a:r>
+            <a:r>
+              <a:rPr lang="es-ES" dirty="0"/>
+              <a:t>, </a:t>
+            </a:r>
+            <a:r>
+              <a:rPr lang="es-ES" dirty="0" err="1"/>
+              <a:t>flattened</a:t>
+            </a:r>
+            <a:r>
+              <a:rPr lang="es-ES" dirty="0"/>
+              <a:t> and </a:t>
+            </a:r>
+            <a:r>
+              <a:rPr lang="es-ES" dirty="0" err="1"/>
+              <a:t>positionally</a:t>
+            </a:r>
+            <a:r>
+              <a:rPr lang="es-ES" dirty="0"/>
+              <a:t> </a:t>
+            </a:r>
+            <a:r>
+              <a:rPr lang="es-ES" dirty="0" err="1"/>
+              <a:t>encoded</a:t>
+            </a:r>
+            <a:r>
+              <a:rPr lang="es-ES" dirty="0"/>
+              <a:t>. After </a:t>
+            </a:r>
+            <a:r>
+              <a:rPr lang="es-ES" dirty="0" err="1"/>
+              <a:t>that</a:t>
+            </a:r>
+            <a:r>
+              <a:rPr lang="es-ES" dirty="0"/>
+              <a:t>, </a:t>
+            </a:r>
+            <a:r>
+              <a:rPr lang="es-ES" dirty="0" err="1"/>
+              <a:t>it</a:t>
+            </a:r>
+            <a:r>
+              <a:rPr lang="es-ES" dirty="0"/>
+              <a:t> </a:t>
+            </a:r>
+            <a:r>
+              <a:rPr lang="es-ES" dirty="0" err="1"/>
+              <a:t>goes</a:t>
+            </a:r>
+            <a:r>
+              <a:rPr lang="es-ES" dirty="0"/>
+              <a:t> </a:t>
+            </a:r>
+            <a:r>
+              <a:rPr lang="es-ES" dirty="0" err="1"/>
+              <a:t>into</a:t>
+            </a:r>
+            <a:r>
+              <a:rPr lang="es-ES" dirty="0"/>
+              <a:t> a </a:t>
+            </a:r>
+            <a:r>
+              <a:rPr lang="es-ES" dirty="0" err="1"/>
+              <a:t>Vision</a:t>
+            </a:r>
+            <a:r>
+              <a:rPr lang="es-ES" dirty="0"/>
+              <a:t> Mamba </a:t>
+            </a:r>
+            <a:r>
+              <a:rPr lang="es-ES" dirty="0" err="1"/>
+              <a:t>Encoder</a:t>
+            </a:r>
+            <a:r>
+              <a:rPr lang="es-ES" dirty="0"/>
+              <a:t> Block, </a:t>
+            </a:r>
+            <a:r>
+              <a:rPr lang="es-ES" dirty="0" err="1"/>
+              <a:t>where</a:t>
+            </a:r>
+            <a:r>
+              <a:rPr lang="es-ES" dirty="0"/>
+              <a:t> </a:t>
+            </a:r>
+            <a:r>
+              <a:rPr lang="es-ES" dirty="0" err="1"/>
+              <a:t>bidirectional</a:t>
+            </a:r>
+            <a:endParaRPr lang="es-ES" dirty="0"/>
+          </a:p>
+          <a:p>
+            <a:r>
+              <a:rPr lang="es-ES" dirty="0"/>
+              <a:t>SSM </a:t>
+            </a:r>
+            <a:r>
+              <a:rPr lang="es-ES" dirty="0" err="1"/>
+              <a:t>is</a:t>
+            </a:r>
+            <a:r>
+              <a:rPr lang="es-ES" dirty="0"/>
+              <a:t> </a:t>
+            </a:r>
+            <a:r>
+              <a:rPr lang="es-ES" dirty="0" err="1"/>
+              <a:t>applied</a:t>
+            </a:r>
+            <a:r>
+              <a:rPr lang="es-ES" dirty="0"/>
+              <a:t>.</a:t>
+            </a:r>
+          </a:p>
+          <a:p>
+            <a:endParaRPr lang="es-ES" dirty="0"/>
+          </a:p>
+          <a:p>
             <a:endParaRPr lang="es-ES" dirty="0"/>
           </a:p>
         </p:txBody>
@@ -1323,7 +2489,7 @@
           <a:p>
             <a:fld id="{B399169E-2DF4-4CD8-83A1-99C52104E009}" type="slidenum">
               <a:rPr lang="es-ES" smtClean="0"/>
-              <a:t>7</a:t>
+              <a:t>5</a:t>
             </a:fld>
             <a:endParaRPr lang="es-ES"/>
           </a:p>
@@ -1332,7 +2498,7 @@
     </p:spTree>
     <p:extLst>
       <p:ext uri="{BB962C8B-B14F-4D97-AF65-F5344CB8AC3E}">
-        <p14:creationId xmlns:p14="http://schemas.microsoft.com/office/powerpoint/2010/main" val="758179483"/>
+        <p14:creationId xmlns:p14="http://schemas.microsoft.com/office/powerpoint/2010/main" val="1575248186"/>
       </p:ext>
     </p:extLst>
   </p:cSld>
@@ -1386,6 +2552,103 @@
           <a:bodyPr/>
           <a:lstStyle/>
           <a:p>
+            <a:r>
+              <a:rPr lang="es-ES" dirty="0"/>
+              <a:t>In </a:t>
+            </a:r>
+            <a:r>
+              <a:rPr lang="es-ES" dirty="0" err="1"/>
+              <a:t>all</a:t>
+            </a:r>
+            <a:r>
+              <a:rPr lang="es-ES" dirty="0"/>
+              <a:t> </a:t>
+            </a:r>
+            <a:r>
+              <a:rPr lang="es-ES" dirty="0" err="1"/>
+              <a:t>the</a:t>
+            </a:r>
+            <a:r>
+              <a:rPr lang="es-ES" dirty="0"/>
+              <a:t> cases, </a:t>
+            </a:r>
+            <a:r>
+              <a:rPr lang="es-ES" dirty="0" err="1"/>
+              <a:t>Vim</a:t>
+            </a:r>
+            <a:r>
+              <a:rPr lang="es-ES" dirty="0"/>
+              <a:t> </a:t>
+            </a:r>
+            <a:r>
+              <a:rPr lang="es-ES" dirty="0" err="1"/>
+              <a:t>outperforms</a:t>
+            </a:r>
+            <a:r>
+              <a:rPr lang="es-ES" dirty="0"/>
+              <a:t> </a:t>
+            </a:r>
+            <a:r>
+              <a:rPr lang="es-ES" dirty="0" err="1"/>
+              <a:t>the</a:t>
+            </a:r>
+            <a:r>
+              <a:rPr lang="es-ES" dirty="0"/>
+              <a:t> </a:t>
+            </a:r>
+            <a:r>
+              <a:rPr lang="es-ES" dirty="0" err="1"/>
+              <a:t>convolutional</a:t>
+            </a:r>
+            <a:r>
+              <a:rPr lang="es-ES" dirty="0"/>
+              <a:t> </a:t>
+            </a:r>
+            <a:r>
+              <a:rPr lang="es-ES" dirty="0" err="1"/>
+              <a:t>ResNet</a:t>
+            </a:r>
+            <a:r>
+              <a:rPr lang="es-ES" dirty="0"/>
+              <a:t> </a:t>
+            </a:r>
+            <a:r>
+              <a:rPr lang="es-ES" dirty="0" err="1"/>
+              <a:t>backbones</a:t>
+            </a:r>
+            <a:r>
+              <a:rPr lang="es-ES" dirty="0"/>
+              <a:t>, </a:t>
+            </a:r>
+            <a:r>
+              <a:rPr lang="es-ES" dirty="0" err="1"/>
+              <a:t>having</a:t>
+            </a:r>
+            <a:r>
+              <a:rPr lang="es-ES" dirty="0"/>
+              <a:t> </a:t>
+            </a:r>
+            <a:r>
+              <a:rPr lang="es-ES" dirty="0" err="1"/>
+              <a:t>much</a:t>
+            </a:r>
+            <a:r>
+              <a:rPr lang="es-ES" dirty="0"/>
+              <a:t> </a:t>
+            </a:r>
+            <a:r>
+              <a:rPr lang="es-ES" dirty="0" err="1"/>
+              <a:t>less</a:t>
+            </a:r>
+            <a:r>
+              <a:rPr lang="en-US" noProof="0" dirty="0"/>
+              <a:t> params.</a:t>
+            </a:r>
+          </a:p>
+          <a:p>
+            <a:endParaRPr lang="en-US" noProof="0" dirty="0"/>
+          </a:p>
+          <a:p>
             <a:endParaRPr lang="es-ES" dirty="0"/>
           </a:p>
         </p:txBody>
@@ -1407,7 +2670,7 @@
           <a:p>
             <a:fld id="{B399169E-2DF4-4CD8-83A1-99C52104E009}" type="slidenum">
               <a:rPr lang="es-ES" smtClean="0"/>
-              <a:t>8</a:t>
+              <a:t>6</a:t>
             </a:fld>
             <a:endParaRPr lang="es-ES"/>
           </a:p>
@@ -1491,7 +2754,7 @@
           <a:p>
             <a:fld id="{B399169E-2DF4-4CD8-83A1-99C52104E009}" type="slidenum">
               <a:rPr lang="es-ES" smtClean="0"/>
-              <a:t>9</a:t>
+              <a:t>7</a:t>
             </a:fld>
             <a:endParaRPr lang="es-ES"/>
           </a:p>
@@ -1511,6 +2774,223 @@
 </file>
 
 <file path=ppt/notesSlides/notesSlide7.xml><?xml version="1.0" encoding="utf-8"?>
+<p:notes xmlns:a="http://schemas.openxmlformats.org/drawingml/2006/main" xmlns:r="http://schemas.openxmlformats.org/officeDocument/2006/relationships" xmlns:p="http://schemas.openxmlformats.org/presentationml/2006/main">
+  <p:cSld>
+    <p:spTree>
+      <p:nvGrpSpPr>
+        <p:cNvPr id="1" name=""/>
+        <p:cNvGrpSpPr/>
+        <p:nvPr/>
+      </p:nvGrpSpPr>
+      <p:grpSpPr>
+        <a:xfrm>
+          <a:off x="0" y="0"/>
+          <a:ext cx="0" cy="0"/>
+          <a:chOff x="0" y="0"/>
+          <a:chExt cx="0" cy="0"/>
+        </a:xfrm>
+      </p:grpSpPr>
+      <p:sp>
+        <p:nvSpPr>
+          <p:cNvPr id="2" name="Marcador de imagen de diapositiva 1"/>
+          <p:cNvSpPr>
+            <a:spLocks noGrp="1" noRot="1" noChangeAspect="1"/>
+          </p:cNvSpPr>
+          <p:nvPr>
+            <p:ph type="sldImg"/>
+          </p:nvPr>
+        </p:nvSpPr>
+        <p:spPr/>
+      </p:sp>
+      <p:sp>
+        <p:nvSpPr>
+          <p:cNvPr id="3" name="Marcador de notas 2"/>
+          <p:cNvSpPr>
+            <a:spLocks noGrp="1"/>
+          </p:cNvSpPr>
+          <p:nvPr>
+            <p:ph type="body" idx="1"/>
+          </p:nvPr>
+        </p:nvSpPr>
+        <p:spPr/>
+        <p:txBody>
+          <a:bodyPr/>
+          <a:lstStyle/>
+          <a:p>
+            <a:r>
+              <a:rPr lang="es-ES" dirty="0"/>
+              <a:t>300 </a:t>
+            </a:r>
+            <a:r>
+              <a:rPr lang="es-ES" dirty="0" err="1"/>
+              <a:t>epochs</a:t>
+            </a:r>
+            <a:r>
+              <a:rPr lang="es-ES" dirty="0"/>
+              <a:t> </a:t>
+            </a:r>
+            <a:r>
+              <a:rPr lang="es-ES" dirty="0" err="1"/>
+              <a:t>for</a:t>
+            </a:r>
+            <a:r>
+              <a:rPr lang="es-ES" dirty="0"/>
+              <a:t> normal training</a:t>
+            </a:r>
+          </a:p>
+          <a:p>
+            <a:r>
+              <a:rPr lang="es-ES" dirty="0"/>
+              <a:t>300 + 30 </a:t>
+            </a:r>
+            <a:r>
+              <a:rPr lang="es-ES" dirty="0" err="1"/>
+              <a:t>of</a:t>
+            </a:r>
+            <a:r>
+              <a:rPr lang="es-ES" dirty="0"/>
+              <a:t> fine </a:t>
+            </a:r>
+            <a:r>
+              <a:rPr lang="es-ES" dirty="0" err="1"/>
+              <a:t>tuning</a:t>
+            </a:r>
+            <a:r>
+              <a:rPr lang="es-ES" dirty="0"/>
+              <a:t> </a:t>
+            </a:r>
+            <a:r>
+              <a:rPr lang="es-ES" dirty="0" err="1"/>
+              <a:t>with</a:t>
+            </a:r>
+            <a:r>
+              <a:rPr lang="es-ES" dirty="0"/>
+              <a:t> LSFT</a:t>
+            </a:r>
+          </a:p>
+        </p:txBody>
+      </p:sp>
+      <p:sp>
+        <p:nvSpPr>
+          <p:cNvPr id="4" name="Marcador de número de diapositiva 3"/>
+          <p:cNvSpPr>
+            <a:spLocks noGrp="1"/>
+          </p:cNvSpPr>
+          <p:nvPr>
+            <p:ph type="sldNum" sz="quarter" idx="5"/>
+          </p:nvPr>
+        </p:nvSpPr>
+        <p:spPr/>
+        <p:txBody>
+          <a:bodyPr/>
+          <a:lstStyle/>
+          <a:p>
+            <a:fld id="{B399169E-2DF4-4CD8-83A1-99C52104E009}" type="slidenum">
+              <a:rPr lang="es-ES" smtClean="0"/>
+              <a:t>8</a:t>
+            </a:fld>
+            <a:endParaRPr lang="es-ES"/>
+          </a:p>
+        </p:txBody>
+      </p:sp>
+    </p:spTree>
+    <p:extLst>
+      <p:ext uri="{BB962C8B-B14F-4D97-AF65-F5344CB8AC3E}">
+        <p14:creationId xmlns:p14="http://schemas.microsoft.com/office/powerpoint/2010/main" val="758179483"/>
+      </p:ext>
+    </p:extLst>
+  </p:cSld>
+  <p:clrMapOvr>
+    <a:masterClrMapping/>
+  </p:clrMapOvr>
+</p:notes>
+</file>
+
+<file path=ppt/notesSlides/notesSlide8.xml><?xml version="1.0" encoding="utf-8"?>
+<p:notes xmlns:a="http://schemas.openxmlformats.org/drawingml/2006/main" xmlns:r="http://schemas.openxmlformats.org/officeDocument/2006/relationships" xmlns:p="http://schemas.openxmlformats.org/presentationml/2006/main">
+  <p:cSld>
+    <p:spTree>
+      <p:nvGrpSpPr>
+        <p:cNvPr id="1" name=""/>
+        <p:cNvGrpSpPr/>
+        <p:nvPr/>
+      </p:nvGrpSpPr>
+      <p:grpSpPr>
+        <a:xfrm>
+          <a:off x="0" y="0"/>
+          <a:ext cx="0" cy="0"/>
+          <a:chOff x="0" y="0"/>
+          <a:chExt cx="0" cy="0"/>
+        </a:xfrm>
+      </p:grpSpPr>
+      <p:sp>
+        <p:nvSpPr>
+          <p:cNvPr id="2" name="Marcador de imagen de diapositiva 1"/>
+          <p:cNvSpPr>
+            <a:spLocks noGrp="1" noRot="1" noChangeAspect="1"/>
+          </p:cNvSpPr>
+          <p:nvPr>
+            <p:ph type="sldImg"/>
+          </p:nvPr>
+        </p:nvSpPr>
+        <p:spPr/>
+      </p:sp>
+      <p:sp>
+        <p:nvSpPr>
+          <p:cNvPr id="3" name="Marcador de notas 2"/>
+          <p:cNvSpPr>
+            <a:spLocks noGrp="1"/>
+          </p:cNvSpPr>
+          <p:nvPr>
+            <p:ph type="body" idx="1"/>
+          </p:nvPr>
+        </p:nvSpPr>
+        <p:spPr/>
+        <p:txBody>
+          <a:bodyPr/>
+          <a:lstStyle/>
+          <a:p>
+            <a:endParaRPr lang="es-ES" dirty="0"/>
+          </a:p>
+        </p:txBody>
+      </p:sp>
+      <p:sp>
+        <p:nvSpPr>
+          <p:cNvPr id="4" name="Marcador de número de diapositiva 3"/>
+          <p:cNvSpPr>
+            <a:spLocks noGrp="1"/>
+          </p:cNvSpPr>
+          <p:nvPr>
+            <p:ph type="sldNum" sz="quarter" idx="5"/>
+          </p:nvPr>
+        </p:nvSpPr>
+        <p:spPr/>
+        <p:txBody>
+          <a:bodyPr/>
+          <a:lstStyle/>
+          <a:p>
+            <a:fld id="{B399169E-2DF4-4CD8-83A1-99C52104E009}" type="slidenum">
+              <a:rPr lang="es-ES" smtClean="0"/>
+              <a:t>9</a:t>
+            </a:fld>
+            <a:endParaRPr lang="es-ES"/>
+          </a:p>
+        </p:txBody>
+      </p:sp>
+    </p:spTree>
+    <p:extLst>
+      <p:ext uri="{BB962C8B-B14F-4D97-AF65-F5344CB8AC3E}">
+        <p14:creationId xmlns:p14="http://schemas.microsoft.com/office/powerpoint/2010/main" val="758179483"/>
+      </p:ext>
+    </p:extLst>
+  </p:cSld>
+  <p:clrMapOvr>
+    <a:masterClrMapping/>
+  </p:clrMapOvr>
+</p:notes>
+</file>
+
+<file path=ppt/notesSlides/notesSlide9.xml><?xml version="1.0" encoding="utf-8"?>
 <p:notes xmlns:a="http://schemas.openxmlformats.org/drawingml/2006/main" xmlns:r="http://schemas.openxmlformats.org/officeDocument/2006/relationships" xmlns:p="http://schemas.openxmlformats.org/presentationml/2006/main">
   <p:cSld>
     <p:spTree>
@@ -1741,7 +3221,7 @@
           <a:p>
             <a:fld id="{2079720B-1B79-4ABA-857B-10B95223AD56}" type="datetimeFigureOut">
               <a:rPr lang="es-ES" smtClean="0"/>
-              <a:t>08/04/2024</a:t>
+              <a:t>06/05/2024</a:t>
             </a:fld>
             <a:endParaRPr lang="es-ES"/>
           </a:p>
@@ -1939,7 +3419,7 @@
           <a:p>
             <a:fld id="{2079720B-1B79-4ABA-857B-10B95223AD56}" type="datetimeFigureOut">
               <a:rPr lang="es-ES" smtClean="0"/>
-              <a:t>08/04/2024</a:t>
+              <a:t>06/05/2024</a:t>
             </a:fld>
             <a:endParaRPr lang="es-ES"/>
           </a:p>
@@ -2147,7 +3627,7 @@
           <a:p>
             <a:fld id="{2079720B-1B79-4ABA-857B-10B95223AD56}" type="datetimeFigureOut">
               <a:rPr lang="es-ES" smtClean="0"/>
-              <a:t>08/04/2024</a:t>
+              <a:t>06/05/2024</a:t>
             </a:fld>
             <a:endParaRPr lang="es-ES"/>
           </a:p>
@@ -2345,7 +3825,7 @@
           <a:p>
             <a:fld id="{2079720B-1B79-4ABA-857B-10B95223AD56}" type="datetimeFigureOut">
               <a:rPr lang="es-ES" smtClean="0"/>
-              <a:t>08/04/2024</a:t>
+              <a:t>06/05/2024</a:t>
             </a:fld>
             <a:endParaRPr lang="es-ES"/>
           </a:p>
@@ -2620,7 +4100,7 @@
           <a:p>
             <a:fld id="{2079720B-1B79-4ABA-857B-10B95223AD56}" type="datetimeFigureOut">
               <a:rPr lang="es-ES" smtClean="0"/>
-              <a:t>08/04/2024</a:t>
+              <a:t>06/05/2024</a:t>
             </a:fld>
             <a:endParaRPr lang="es-ES"/>
           </a:p>
@@ -2885,7 +4365,7 @@
           <a:p>
             <a:fld id="{2079720B-1B79-4ABA-857B-10B95223AD56}" type="datetimeFigureOut">
               <a:rPr lang="es-ES" smtClean="0"/>
-              <a:t>08/04/2024</a:t>
+              <a:t>06/05/2024</a:t>
             </a:fld>
             <a:endParaRPr lang="es-ES"/>
           </a:p>
@@ -3297,7 +4777,7 @@
           <a:p>
             <a:fld id="{2079720B-1B79-4ABA-857B-10B95223AD56}" type="datetimeFigureOut">
               <a:rPr lang="es-ES" smtClean="0"/>
-              <a:t>08/04/2024</a:t>
+              <a:t>06/05/2024</a:t>
             </a:fld>
             <a:endParaRPr lang="es-ES"/>
           </a:p>
@@ -3438,7 +4918,7 @@
           <a:p>
             <a:fld id="{2079720B-1B79-4ABA-857B-10B95223AD56}" type="datetimeFigureOut">
               <a:rPr lang="es-ES" smtClean="0"/>
-              <a:t>08/04/2024</a:t>
+              <a:t>06/05/2024</a:t>
             </a:fld>
             <a:endParaRPr lang="es-ES"/>
           </a:p>
@@ -3551,7 +5031,7 @@
           <a:p>
             <a:fld id="{2079720B-1B79-4ABA-857B-10B95223AD56}" type="datetimeFigureOut">
               <a:rPr lang="es-ES" smtClean="0"/>
-              <a:t>08/04/2024</a:t>
+              <a:t>06/05/2024</a:t>
             </a:fld>
             <a:endParaRPr lang="es-ES"/>
           </a:p>
@@ -3862,7 +5342,7 @@
           <a:p>
             <a:fld id="{2079720B-1B79-4ABA-857B-10B95223AD56}" type="datetimeFigureOut">
               <a:rPr lang="es-ES" smtClean="0"/>
-              <a:t>08/04/2024</a:t>
+              <a:t>06/05/2024</a:t>
             </a:fld>
             <a:endParaRPr lang="es-ES"/>
           </a:p>
@@ -4150,7 +5630,7 @@
           <a:p>
             <a:fld id="{2079720B-1B79-4ABA-857B-10B95223AD56}" type="datetimeFigureOut">
               <a:rPr lang="es-ES" smtClean="0"/>
-              <a:t>08/04/2024</a:t>
+              <a:t>06/05/2024</a:t>
             </a:fld>
             <a:endParaRPr lang="es-ES"/>
           </a:p>
@@ -4391,7 +5871,7 @@
           <a:p>
             <a:fld id="{2079720B-1B79-4ABA-857B-10B95223AD56}" type="datetimeFigureOut">
               <a:rPr lang="es-ES" smtClean="0"/>
-              <a:t>08/04/2024</a:t>
+              <a:t>06/05/2024</a:t>
             </a:fld>
             <a:endParaRPr lang="es-ES"/>
           </a:p>
@@ -5125,8 +6605,8 @@
         </p:nvSpPr>
         <p:spPr>
           <a:xfrm>
-            <a:off x="4607859" y="1356315"/>
-            <a:ext cx="7395882" cy="3323987"/>
+            <a:off x="4612092" y="1356315"/>
+            <a:ext cx="7395882" cy="3570208"/>
           </a:xfrm>
           <a:prstGeom prst="rect">
             <a:avLst/>
@@ -5497,9 +6977,13 @@
             </a:r>
             <a:r>
               <a:rPr lang="en-US" sz="1600" b="1" dirty="0"/>
-              <a:t> saves 86.8% GPU memory</a:t>
-            </a:r>
-            <a:endParaRPr lang="es-ES" sz="1600" b="1" dirty="0"/>
+              <a:t> saves 86.8% GPU memory </a:t>
+            </a:r>
+            <a:r>
+              <a:rPr lang="en-US" sz="1600" dirty="0"/>
+              <a:t>in batch inference</a:t>
+            </a:r>
+            <a:endParaRPr lang="es-ES" sz="1600" dirty="0"/>
           </a:p>
           <a:p>
             <a:pPr marL="742950" lvl="1" indent="-285750">
@@ -5536,8 +7020,8 @@
         </p:blipFill>
         <p:spPr>
           <a:xfrm>
-            <a:off x="5100920" y="4405854"/>
-            <a:ext cx="6450104" cy="2269921"/>
+            <a:off x="5321053" y="4621203"/>
+            <a:ext cx="5537447" cy="1948739"/>
           </a:xfrm>
           <a:prstGeom prst="rect">
             <a:avLst/>
@@ -8394,7 +9878,7 @@
         <p:spPr>
           <a:xfrm>
             <a:off x="5397304" y="2540961"/>
-            <a:ext cx="7651376" cy="2800767"/>
+            <a:ext cx="7651376" cy="1815882"/>
           </a:xfrm>
           <a:prstGeom prst="rect">
             <a:avLst/>
@@ -8497,142 +9981,6 @@
               <a:rPr lang="es-ES" sz="1600" dirty="0"/>
               <a:t>:</a:t>
             </a:r>
-          </a:p>
-          <a:p>
-            <a:pPr marL="742950" lvl="1" indent="-285750">
-              <a:buFont typeface="Arial" panose="020B0604020202020204" pitchFamily="34" charset="0"/>
-              <a:buChar char="•"/>
-            </a:pPr>
-            <a:r>
-              <a:rPr lang="es-ES" sz="1600" dirty="0" err="1"/>
-              <a:t>Vim</a:t>
-            </a:r>
-            <a:r>
-              <a:rPr lang="es-ES" sz="1600" dirty="0"/>
-              <a:t>-Ti </a:t>
-            </a:r>
-            <a:r>
-              <a:rPr lang="es-ES" sz="1600" b="1" dirty="0" err="1"/>
-              <a:t>surpasses</a:t>
-            </a:r>
-            <a:r>
-              <a:rPr lang="es-ES" sz="1600" dirty="0"/>
-              <a:t> </a:t>
-            </a:r>
-            <a:r>
-              <a:rPr lang="es-ES" sz="1600" dirty="0" err="1"/>
-              <a:t>DeiT</a:t>
-            </a:r>
-            <a:r>
-              <a:rPr lang="es-ES" sz="1600" dirty="0"/>
-              <a:t>-Ti </a:t>
-            </a:r>
-            <a:r>
-              <a:rPr lang="es-ES" sz="1600" dirty="0" err="1"/>
-              <a:t>for</a:t>
-            </a:r>
-            <a:r>
-              <a:rPr lang="es-ES" sz="1600" dirty="0"/>
-              <a:t> </a:t>
-            </a:r>
-            <a:r>
-              <a:rPr lang="es-ES" sz="1600" b="1" dirty="0" err="1"/>
-              <a:t>medium-size</a:t>
-            </a:r>
-            <a:r>
-              <a:rPr lang="es-ES" sz="1600" dirty="0"/>
-              <a:t> and </a:t>
-            </a:r>
-            <a:r>
-              <a:rPr lang="es-ES" sz="1600" b="1" dirty="0" err="1"/>
-              <a:t>big</a:t>
-            </a:r>
-            <a:r>
-              <a:rPr lang="es-ES" sz="1600" dirty="0"/>
-              <a:t> </a:t>
-            </a:r>
-            <a:r>
-              <a:rPr lang="es-ES" sz="1600" dirty="0" err="1"/>
-              <a:t>objects</a:t>
-            </a:r>
-            <a:endParaRPr lang="es-ES" sz="1600" dirty="0"/>
-          </a:p>
-          <a:p>
-            <a:pPr marL="742950" lvl="1" indent="-285750">
-              <a:buFont typeface="Arial" panose="020B0604020202020204" pitchFamily="34" charset="0"/>
-              <a:buChar char="•"/>
-            </a:pPr>
-            <a:r>
-              <a:rPr lang="es-ES" sz="1600" b="1" dirty="0" err="1"/>
-              <a:t>Better</a:t>
-            </a:r>
-            <a:r>
-              <a:rPr lang="es-ES" sz="1600" b="1" dirty="0"/>
-              <a:t> </a:t>
-            </a:r>
-            <a:r>
-              <a:rPr lang="es-ES" sz="1600" b="1" dirty="0" err="1"/>
-              <a:t>long-range</a:t>
-            </a:r>
-            <a:r>
-              <a:rPr lang="es-ES" sz="1600" b="1" dirty="0"/>
-              <a:t> </a:t>
-            </a:r>
-            <a:r>
-              <a:rPr lang="es-ES" sz="1600" b="1" dirty="0" err="1"/>
-              <a:t>context</a:t>
-            </a:r>
-            <a:r>
-              <a:rPr lang="es-ES" sz="1600" b="1" dirty="0"/>
-              <a:t> </a:t>
-            </a:r>
-            <a:r>
-              <a:rPr lang="es-ES" sz="1600" b="1" dirty="0" err="1"/>
-              <a:t>learning</a:t>
-            </a:r>
-            <a:endParaRPr lang="es-ES" sz="1600" b="1" dirty="0"/>
-          </a:p>
-          <a:p>
-            <a:pPr marL="742950" lvl="1" indent="-285750">
-              <a:buFont typeface="Arial" panose="020B0604020202020204" pitchFamily="34" charset="0"/>
-              <a:buChar char="•"/>
-            </a:pPr>
-            <a:r>
-              <a:rPr lang="es-ES" sz="1600" dirty="0" err="1"/>
-              <a:t>Not</a:t>
-            </a:r>
-            <a:r>
-              <a:rPr lang="es-ES" sz="1600" dirty="0"/>
-              <a:t> </a:t>
-            </a:r>
-            <a:r>
-              <a:rPr lang="es-ES" sz="1600" dirty="0" err="1"/>
-              <a:t>necessary</a:t>
-            </a:r>
-            <a:r>
-              <a:rPr lang="es-ES" sz="1600" dirty="0"/>
-              <a:t> </a:t>
-            </a:r>
-            <a:r>
-              <a:rPr lang="es-ES" sz="1600" dirty="0" err="1"/>
-              <a:t>window</a:t>
-            </a:r>
-            <a:r>
-              <a:rPr lang="es-ES" sz="1600" dirty="0"/>
-              <a:t> </a:t>
-            </a:r>
-            <a:r>
-              <a:rPr lang="es-ES" sz="1600" dirty="0" err="1"/>
-              <a:t>attention</a:t>
-            </a:r>
-            <a:endParaRPr lang="es-ES" sz="1600" dirty="0"/>
-          </a:p>
-          <a:p>
-            <a:pPr marL="742950" lvl="1" indent="-285750">
-              <a:buFont typeface="Arial" panose="020B0604020202020204" pitchFamily="34" charset="0"/>
-              <a:buChar char="•"/>
-            </a:pPr>
-            <a:endParaRPr lang="es-ES" sz="1600" dirty="0"/>
           </a:p>
           <a:p>
             <a:pPr marL="742950" lvl="1" indent="-285750">
@@ -8803,6 +10151,914 @@
 
 <file path=ppt/slides/slide16.xml><?xml version="1.0" encoding="utf-8"?>
 <p:sld xmlns:a="http://schemas.openxmlformats.org/drawingml/2006/main" xmlns:r="http://schemas.openxmlformats.org/officeDocument/2006/relationships" xmlns:p="http://schemas.openxmlformats.org/presentationml/2006/main">
+  <p:cSld>
+    <p:spTree>
+      <p:nvGrpSpPr>
+        <p:cNvPr id="1" name=""/>
+        <p:cNvGrpSpPr/>
+        <p:nvPr/>
+      </p:nvGrpSpPr>
+      <p:grpSpPr>
+        <a:xfrm>
+          <a:off x="0" y="0"/>
+          <a:ext cx="0" cy="0"/>
+          <a:chOff x="0" y="0"/>
+          <a:chExt cx="0" cy="0"/>
+        </a:xfrm>
+      </p:grpSpPr>
+      <p:sp>
+        <p:nvSpPr>
+          <p:cNvPr id="2" name="Título 1">
+            <a:extLst>
+              <a:ext uri="{FF2B5EF4-FFF2-40B4-BE49-F238E27FC236}">
+                <a16:creationId xmlns:a16="http://schemas.microsoft.com/office/drawing/2014/main" id="{B9D5F321-955C-BEA9-FCA5-B4ADA991E959}"/>
+              </a:ext>
+            </a:extLst>
+          </p:cNvPr>
+          <p:cNvSpPr>
+            <a:spLocks noGrp="1"/>
+          </p:cNvSpPr>
+          <p:nvPr>
+            <p:ph type="title"/>
+          </p:nvPr>
+        </p:nvSpPr>
+        <p:spPr/>
+        <p:txBody>
+          <a:bodyPr/>
+          <a:lstStyle/>
+          <a:p>
+            <a:r>
+              <a:rPr lang="en-US" dirty="0"/>
+              <a:t>Experiments: Object Detection and Instance Segmentation</a:t>
+            </a:r>
+          </a:p>
+        </p:txBody>
+      </p:sp>
+      <p:sp>
+        <p:nvSpPr>
+          <p:cNvPr id="13" name="CuadroTexto 12">
+            <a:extLst>
+              <a:ext uri="{FF2B5EF4-FFF2-40B4-BE49-F238E27FC236}">
+                <a16:creationId xmlns:a16="http://schemas.microsoft.com/office/drawing/2014/main" id="{6953469F-0CD1-815A-551E-11A69F81311A}"/>
+              </a:ext>
+            </a:extLst>
+          </p:cNvPr>
+          <p:cNvSpPr txBox="1"/>
+          <p:nvPr/>
+        </p:nvSpPr>
+        <p:spPr>
+          <a:xfrm>
+            <a:off x="5397304" y="2540961"/>
+            <a:ext cx="7651376" cy="2308324"/>
+          </a:xfrm>
+          <a:prstGeom prst="rect">
+            <a:avLst/>
+          </a:prstGeom>
+          <a:noFill/>
+        </p:spPr>
+        <p:txBody>
+          <a:bodyPr wrap="square" rtlCol="0">
+            <a:spAutoFit/>
+          </a:bodyPr>
+          <a:lstStyle/>
+          <a:p>
+            <a:r>
+              <a:rPr lang="es-ES" sz="1600" b="1" dirty="0"/>
+              <a:t>COCO 2017</a:t>
+            </a:r>
+            <a:r>
+              <a:rPr lang="es-ES" sz="1600" dirty="0"/>
+              <a:t> </a:t>
+            </a:r>
+            <a:r>
+              <a:rPr lang="es-ES" sz="1600" dirty="0" err="1"/>
+              <a:t>Dataset</a:t>
+            </a:r>
+            <a:r>
+              <a:rPr lang="es-ES" sz="1600" dirty="0"/>
+              <a:t>:</a:t>
+            </a:r>
+          </a:p>
+          <a:p>
+            <a:r>
+              <a:rPr lang="es-ES" sz="1600" dirty="0"/>
+              <a:t>	- </a:t>
+            </a:r>
+            <a:r>
+              <a:rPr lang="es-ES" sz="1600" b="1" dirty="0"/>
+              <a:t>118K training</a:t>
+            </a:r>
+            <a:r>
+              <a:rPr lang="es-ES" sz="1600" dirty="0"/>
+              <a:t> </a:t>
+            </a:r>
+            <a:r>
+              <a:rPr lang="es-ES" sz="1600" dirty="0" err="1"/>
+              <a:t>images</a:t>
+            </a:r>
+            <a:endParaRPr lang="es-ES" sz="1600" dirty="0"/>
+          </a:p>
+          <a:p>
+            <a:r>
+              <a:rPr lang="es-ES" sz="1600" dirty="0"/>
+              <a:t>	- </a:t>
+            </a:r>
+            <a:r>
+              <a:rPr lang="es-ES" sz="1600" b="1" dirty="0"/>
+              <a:t>5K </a:t>
+            </a:r>
+            <a:r>
+              <a:rPr lang="es-ES" sz="1600" b="1" dirty="0" err="1"/>
+              <a:t>validation</a:t>
+            </a:r>
+            <a:r>
+              <a:rPr lang="es-ES" sz="1600" b="1" dirty="0"/>
+              <a:t> </a:t>
+            </a:r>
+            <a:r>
+              <a:rPr lang="es-ES" sz="1600" dirty="0" err="1"/>
+              <a:t>images</a:t>
+            </a:r>
+            <a:endParaRPr lang="es-ES" sz="1600" dirty="0"/>
+          </a:p>
+          <a:p>
+            <a:r>
+              <a:rPr lang="es-ES" sz="1600" dirty="0"/>
+              <a:t>	- Cascade </a:t>
+            </a:r>
+            <a:r>
+              <a:rPr lang="es-ES" sz="1600" dirty="0" err="1"/>
+              <a:t>Mask</a:t>
+            </a:r>
+            <a:r>
+              <a:rPr lang="es-ES" sz="1600" dirty="0"/>
+              <a:t> R-CNN base </a:t>
+            </a:r>
+            <a:r>
+              <a:rPr lang="es-ES" sz="1600" dirty="0" err="1"/>
+              <a:t>framework</a:t>
+            </a:r>
+            <a:endParaRPr lang="es-ES" sz="1600" dirty="0"/>
+          </a:p>
+          <a:p>
+            <a:endParaRPr lang="es-ES" sz="1600" dirty="0"/>
+          </a:p>
+          <a:p>
+            <a:r>
+              <a:rPr lang="es-ES" sz="1600" b="1" dirty="0" err="1"/>
+              <a:t>Results</a:t>
+            </a:r>
+            <a:r>
+              <a:rPr lang="es-ES" sz="1600" dirty="0"/>
+              <a:t>:</a:t>
+            </a:r>
+          </a:p>
+          <a:p>
+            <a:pPr marL="742950" lvl="1" indent="-285750">
+              <a:buFont typeface="Arial" panose="020B0604020202020204" pitchFamily="34" charset="0"/>
+              <a:buChar char="•"/>
+            </a:pPr>
+            <a:r>
+              <a:rPr lang="es-ES" sz="1600" dirty="0" err="1"/>
+              <a:t>Vim</a:t>
+            </a:r>
+            <a:r>
+              <a:rPr lang="es-ES" sz="1600" dirty="0"/>
+              <a:t>-Ti </a:t>
+            </a:r>
+            <a:r>
+              <a:rPr lang="es-ES" sz="1600" b="1" dirty="0" err="1"/>
+              <a:t>surpasses</a:t>
+            </a:r>
+            <a:r>
+              <a:rPr lang="es-ES" sz="1600" dirty="0"/>
+              <a:t> </a:t>
+            </a:r>
+            <a:r>
+              <a:rPr lang="es-ES" sz="1600" dirty="0" err="1"/>
+              <a:t>DeiT</a:t>
+            </a:r>
+            <a:r>
+              <a:rPr lang="es-ES" sz="1600" dirty="0"/>
+              <a:t>-Ti </a:t>
+            </a:r>
+            <a:r>
+              <a:rPr lang="es-ES" sz="1600" dirty="0" err="1"/>
+              <a:t>for</a:t>
+            </a:r>
+            <a:r>
+              <a:rPr lang="es-ES" sz="1600" dirty="0"/>
+              <a:t> </a:t>
+            </a:r>
+            <a:r>
+              <a:rPr lang="es-ES" sz="1600" b="1" dirty="0" err="1"/>
+              <a:t>medium-size</a:t>
+            </a:r>
+            <a:r>
+              <a:rPr lang="es-ES" sz="1600" dirty="0"/>
+              <a:t> and </a:t>
+            </a:r>
+            <a:r>
+              <a:rPr lang="es-ES" sz="1600" b="1" dirty="0" err="1"/>
+              <a:t>big</a:t>
+            </a:r>
+            <a:r>
+              <a:rPr lang="es-ES" sz="1600" dirty="0"/>
+              <a:t> </a:t>
+            </a:r>
+            <a:r>
+              <a:rPr lang="es-ES" sz="1600" dirty="0" err="1"/>
+              <a:t>objects</a:t>
+            </a:r>
+            <a:r>
+              <a:rPr lang="es-ES" sz="1600" dirty="0"/>
+              <a:t>, </a:t>
+            </a:r>
+          </a:p>
+          <a:p>
+            <a:pPr lvl="1"/>
+            <a:r>
+              <a:rPr lang="es-ES" sz="1600" dirty="0" err="1"/>
+              <a:t>demonstrating</a:t>
+            </a:r>
+            <a:r>
+              <a:rPr lang="es-ES" sz="1600" dirty="0"/>
+              <a:t> </a:t>
+            </a:r>
+            <a:r>
+              <a:rPr lang="es-ES" sz="1600" b="1" dirty="0" err="1"/>
+              <a:t>better</a:t>
+            </a:r>
+            <a:r>
+              <a:rPr lang="es-ES" sz="1600" b="1" dirty="0"/>
+              <a:t> </a:t>
+            </a:r>
+            <a:r>
+              <a:rPr lang="es-ES" sz="1600" b="1" dirty="0" err="1"/>
+              <a:t>long-range</a:t>
+            </a:r>
+            <a:r>
+              <a:rPr lang="es-ES" sz="1600" b="1" dirty="0"/>
+              <a:t> </a:t>
+            </a:r>
+            <a:r>
+              <a:rPr lang="es-ES" sz="1600" b="1" dirty="0" err="1"/>
+              <a:t>context</a:t>
+            </a:r>
+            <a:r>
+              <a:rPr lang="es-ES" sz="1600" b="1" dirty="0"/>
+              <a:t> </a:t>
+            </a:r>
+            <a:r>
+              <a:rPr lang="es-ES" sz="1600" b="1" dirty="0" err="1"/>
+              <a:t>learning</a:t>
+            </a:r>
+            <a:endParaRPr lang="es-ES" sz="1600" dirty="0"/>
+          </a:p>
+          <a:p>
+            <a:pPr marL="742950" lvl="1" indent="-285750">
+              <a:buFont typeface="Arial" panose="020B0604020202020204" pitchFamily="34" charset="0"/>
+              <a:buChar char="•"/>
+            </a:pPr>
+            <a:endParaRPr lang="es-ES" sz="1600" dirty="0"/>
+          </a:p>
+        </p:txBody>
+      </p:sp>
+      <p:pic>
+        <p:nvPicPr>
+          <p:cNvPr id="4" name="Imagen 3">
+            <a:extLst>
+              <a:ext uri="{FF2B5EF4-FFF2-40B4-BE49-F238E27FC236}">
+                <a16:creationId xmlns:a16="http://schemas.microsoft.com/office/drawing/2014/main" id="{03AA3C22-1249-219C-6946-7666B04DB336}"/>
+              </a:ext>
+            </a:extLst>
+          </p:cNvPr>
+          <p:cNvPicPr>
+            <a:picLocks noChangeAspect="1"/>
+          </p:cNvPicPr>
+          <p:nvPr/>
+        </p:nvPicPr>
+        <p:blipFill>
+          <a:blip r:embed="rId5"/>
+          <a:stretch>
+            <a:fillRect/>
+          </a:stretch>
+        </p:blipFill>
+        <p:spPr>
+          <a:xfrm>
+            <a:off x="945776" y="2540961"/>
+            <a:ext cx="4184648" cy="2188416"/>
+          </a:xfrm>
+          <a:prstGeom prst="rect">
+            <a:avLst/>
+          </a:prstGeom>
+        </p:spPr>
+      </p:pic>
+      <p:sp>
+        <p:nvSpPr>
+          <p:cNvPr id="3" name="Rectángulo 2">
+            <a:extLst>
+              <a:ext uri="{FF2B5EF4-FFF2-40B4-BE49-F238E27FC236}">
+                <a16:creationId xmlns:a16="http://schemas.microsoft.com/office/drawing/2014/main" id="{1FFD299A-862C-5DFB-E83F-60B6A78D874B}"/>
+              </a:ext>
+            </a:extLst>
+          </p:cNvPr>
+          <p:cNvSpPr/>
+          <p:nvPr>
+            <p:custDataLst>
+              <p:tags r:id="rId2"/>
+            </p:custDataLst>
+          </p:nvPr>
+        </p:nvSpPr>
+        <p:spPr>
+          <a:xfrm>
+            <a:off x="3979328" y="2892516"/>
+            <a:ext cx="986372" cy="464517"/>
+          </a:xfrm>
+          <a:prstGeom prst="rect">
+            <a:avLst/>
+          </a:prstGeom>
+          <a:noFill/>
+          <a:ln w="38100">
+            <a:solidFill>
+              <a:srgbClr val="FF0000"/>
+            </a:solidFill>
+          </a:ln>
+        </p:spPr>
+        <p:style>
+          <a:lnRef idx="2">
+            <a:schemeClr val="accent1">
+              <a:shade val="15000"/>
+            </a:schemeClr>
+          </a:lnRef>
+          <a:fillRef idx="1">
+            <a:schemeClr val="accent1"/>
+          </a:fillRef>
+          <a:effectRef idx="0">
+            <a:schemeClr val="accent1"/>
+          </a:effectRef>
+          <a:fontRef idx="minor">
+            <a:schemeClr val="lt1"/>
+          </a:fontRef>
+        </p:style>
+        <p:txBody>
+          <a:bodyPr rtlCol="0" anchor="ctr"/>
+          <a:lstStyle/>
+          <a:p>
+            <a:pPr algn="ctr"/>
+            <a:endParaRPr lang="es-ES"/>
+          </a:p>
+        </p:txBody>
+      </p:sp>
+      <p:sp>
+        <p:nvSpPr>
+          <p:cNvPr id="5" name="Rectángulo 4">
+            <a:extLst>
+              <a:ext uri="{FF2B5EF4-FFF2-40B4-BE49-F238E27FC236}">
+                <a16:creationId xmlns:a16="http://schemas.microsoft.com/office/drawing/2014/main" id="{658BD726-932C-1D9B-C2DA-1DF119953A72}"/>
+              </a:ext>
+            </a:extLst>
+          </p:cNvPr>
+          <p:cNvSpPr/>
+          <p:nvPr>
+            <p:custDataLst>
+              <p:tags r:id="rId3"/>
+            </p:custDataLst>
+          </p:nvPr>
+        </p:nvSpPr>
+        <p:spPr>
+          <a:xfrm>
+            <a:off x="4008961" y="3696847"/>
+            <a:ext cx="986372" cy="464517"/>
+          </a:xfrm>
+          <a:prstGeom prst="rect">
+            <a:avLst/>
+          </a:prstGeom>
+          <a:noFill/>
+          <a:ln w="38100">
+            <a:solidFill>
+              <a:srgbClr val="FF0000"/>
+            </a:solidFill>
+          </a:ln>
+        </p:spPr>
+        <p:style>
+          <a:lnRef idx="2">
+            <a:schemeClr val="accent1">
+              <a:shade val="15000"/>
+            </a:schemeClr>
+          </a:lnRef>
+          <a:fillRef idx="1">
+            <a:schemeClr val="accent1"/>
+          </a:fillRef>
+          <a:effectRef idx="0">
+            <a:schemeClr val="accent1"/>
+          </a:effectRef>
+          <a:fontRef idx="minor">
+            <a:schemeClr val="lt1"/>
+          </a:fontRef>
+        </p:style>
+        <p:txBody>
+          <a:bodyPr rtlCol="0" anchor="ctr"/>
+          <a:lstStyle/>
+          <a:p>
+            <a:pPr algn="ctr"/>
+            <a:endParaRPr lang="es-ES"/>
+          </a:p>
+        </p:txBody>
+      </p:sp>
+    </p:spTree>
+    <p:custDataLst>
+      <p:tags r:id="rId1"/>
+    </p:custDataLst>
+    <p:extLst>
+      <p:ext uri="{BB962C8B-B14F-4D97-AF65-F5344CB8AC3E}">
+        <p14:creationId xmlns:p14="http://schemas.microsoft.com/office/powerpoint/2010/main" val="3157416564"/>
+      </p:ext>
+    </p:extLst>
+  </p:cSld>
+  <p:clrMapOvr>
+    <a:masterClrMapping/>
+  </p:clrMapOvr>
+</p:sld>
+</file>
+
+<file path=ppt/slides/slide17.xml><?xml version="1.0" encoding="utf-8"?>
+<p:sld xmlns:a="http://schemas.openxmlformats.org/drawingml/2006/main" xmlns:r="http://schemas.openxmlformats.org/officeDocument/2006/relationships" xmlns:p="http://schemas.openxmlformats.org/presentationml/2006/main">
+  <p:cSld>
+    <p:spTree>
+      <p:nvGrpSpPr>
+        <p:cNvPr id="1" name=""/>
+        <p:cNvGrpSpPr/>
+        <p:nvPr/>
+      </p:nvGrpSpPr>
+      <p:grpSpPr>
+        <a:xfrm>
+          <a:off x="0" y="0"/>
+          <a:ext cx="0" cy="0"/>
+          <a:chOff x="0" y="0"/>
+          <a:chExt cx="0" cy="0"/>
+        </a:xfrm>
+      </p:grpSpPr>
+      <p:sp>
+        <p:nvSpPr>
+          <p:cNvPr id="2" name="Título 1">
+            <a:extLst>
+              <a:ext uri="{FF2B5EF4-FFF2-40B4-BE49-F238E27FC236}">
+                <a16:creationId xmlns:a16="http://schemas.microsoft.com/office/drawing/2014/main" id="{B9D5F321-955C-BEA9-FCA5-B4ADA991E959}"/>
+              </a:ext>
+            </a:extLst>
+          </p:cNvPr>
+          <p:cNvSpPr>
+            <a:spLocks noGrp="1"/>
+          </p:cNvSpPr>
+          <p:nvPr>
+            <p:ph type="title"/>
+          </p:nvPr>
+        </p:nvSpPr>
+        <p:spPr/>
+        <p:txBody>
+          <a:bodyPr/>
+          <a:lstStyle/>
+          <a:p>
+            <a:r>
+              <a:rPr lang="en-US" dirty="0"/>
+              <a:t>Experiments: Object Detection and Instance Segmentation</a:t>
+            </a:r>
+          </a:p>
+        </p:txBody>
+      </p:sp>
+      <p:sp>
+        <p:nvSpPr>
+          <p:cNvPr id="13" name="CuadroTexto 12">
+            <a:extLst>
+              <a:ext uri="{FF2B5EF4-FFF2-40B4-BE49-F238E27FC236}">
+                <a16:creationId xmlns:a16="http://schemas.microsoft.com/office/drawing/2014/main" id="{6953469F-0CD1-815A-551E-11A69F81311A}"/>
+              </a:ext>
+            </a:extLst>
+          </p:cNvPr>
+          <p:cNvSpPr txBox="1"/>
+          <p:nvPr/>
+        </p:nvSpPr>
+        <p:spPr>
+          <a:xfrm>
+            <a:off x="5397304" y="2540961"/>
+            <a:ext cx="7651376" cy="2800767"/>
+          </a:xfrm>
+          <a:prstGeom prst="rect">
+            <a:avLst/>
+          </a:prstGeom>
+          <a:noFill/>
+        </p:spPr>
+        <p:txBody>
+          <a:bodyPr wrap="square" rtlCol="0">
+            <a:spAutoFit/>
+          </a:bodyPr>
+          <a:lstStyle/>
+          <a:p>
+            <a:r>
+              <a:rPr lang="es-ES" sz="1600" b="1" dirty="0"/>
+              <a:t>COCO 2017</a:t>
+            </a:r>
+            <a:r>
+              <a:rPr lang="es-ES" sz="1600" dirty="0"/>
+              <a:t> </a:t>
+            </a:r>
+            <a:r>
+              <a:rPr lang="es-ES" sz="1600" dirty="0" err="1"/>
+              <a:t>Dataset</a:t>
+            </a:r>
+            <a:r>
+              <a:rPr lang="es-ES" sz="1600" dirty="0"/>
+              <a:t>:</a:t>
+            </a:r>
+          </a:p>
+          <a:p>
+            <a:r>
+              <a:rPr lang="es-ES" sz="1600" dirty="0"/>
+              <a:t>	- </a:t>
+            </a:r>
+            <a:r>
+              <a:rPr lang="es-ES" sz="1600" b="1" dirty="0"/>
+              <a:t>118K training</a:t>
+            </a:r>
+            <a:r>
+              <a:rPr lang="es-ES" sz="1600" dirty="0"/>
+              <a:t> </a:t>
+            </a:r>
+            <a:r>
+              <a:rPr lang="es-ES" sz="1600" dirty="0" err="1"/>
+              <a:t>images</a:t>
+            </a:r>
+            <a:endParaRPr lang="es-ES" sz="1600" dirty="0"/>
+          </a:p>
+          <a:p>
+            <a:r>
+              <a:rPr lang="es-ES" sz="1600" dirty="0"/>
+              <a:t>	- </a:t>
+            </a:r>
+            <a:r>
+              <a:rPr lang="es-ES" sz="1600" b="1" dirty="0"/>
+              <a:t>5K </a:t>
+            </a:r>
+            <a:r>
+              <a:rPr lang="es-ES" sz="1600" b="1" dirty="0" err="1"/>
+              <a:t>validation</a:t>
+            </a:r>
+            <a:r>
+              <a:rPr lang="es-ES" sz="1600" b="1" dirty="0"/>
+              <a:t> </a:t>
+            </a:r>
+            <a:r>
+              <a:rPr lang="es-ES" sz="1600" dirty="0" err="1"/>
+              <a:t>images</a:t>
+            </a:r>
+            <a:endParaRPr lang="es-ES" sz="1600" dirty="0"/>
+          </a:p>
+          <a:p>
+            <a:r>
+              <a:rPr lang="es-ES" sz="1600" dirty="0"/>
+              <a:t>	- Cascade </a:t>
+            </a:r>
+            <a:r>
+              <a:rPr lang="es-ES" sz="1600" dirty="0" err="1"/>
+              <a:t>Mask</a:t>
+            </a:r>
+            <a:r>
+              <a:rPr lang="es-ES" sz="1600" dirty="0"/>
+              <a:t> R-CNN base </a:t>
+            </a:r>
+            <a:r>
+              <a:rPr lang="es-ES" sz="1600" dirty="0" err="1"/>
+              <a:t>framework</a:t>
+            </a:r>
+            <a:endParaRPr lang="es-ES" sz="1600" dirty="0"/>
+          </a:p>
+          <a:p>
+            <a:endParaRPr lang="es-ES" sz="1600" dirty="0"/>
+          </a:p>
+          <a:p>
+            <a:r>
+              <a:rPr lang="es-ES" sz="1600" b="1" dirty="0" err="1"/>
+              <a:t>Results</a:t>
+            </a:r>
+            <a:r>
+              <a:rPr lang="es-ES" sz="1600" dirty="0"/>
+              <a:t>:</a:t>
+            </a:r>
+          </a:p>
+          <a:p>
+            <a:pPr marL="742950" lvl="1" indent="-285750">
+              <a:buFont typeface="Arial" panose="020B0604020202020204" pitchFamily="34" charset="0"/>
+              <a:buChar char="•"/>
+            </a:pPr>
+            <a:r>
+              <a:rPr lang="es-ES" sz="1600" dirty="0" err="1"/>
+              <a:t>Vim</a:t>
+            </a:r>
+            <a:r>
+              <a:rPr lang="es-ES" sz="1600" dirty="0"/>
+              <a:t>-Ti </a:t>
+            </a:r>
+            <a:r>
+              <a:rPr lang="es-ES" sz="1600" b="1" dirty="0" err="1"/>
+              <a:t>surpasses</a:t>
+            </a:r>
+            <a:r>
+              <a:rPr lang="es-ES" sz="1600" dirty="0"/>
+              <a:t> </a:t>
+            </a:r>
+            <a:r>
+              <a:rPr lang="es-ES" sz="1600" dirty="0" err="1"/>
+              <a:t>DeiT</a:t>
+            </a:r>
+            <a:r>
+              <a:rPr lang="es-ES" sz="1600" dirty="0"/>
+              <a:t>-Ti </a:t>
+            </a:r>
+            <a:r>
+              <a:rPr lang="es-ES" sz="1600" dirty="0" err="1"/>
+              <a:t>for</a:t>
+            </a:r>
+            <a:r>
+              <a:rPr lang="es-ES" sz="1600" dirty="0"/>
+              <a:t> </a:t>
+            </a:r>
+            <a:r>
+              <a:rPr lang="es-ES" sz="1600" b="1" dirty="0" err="1"/>
+              <a:t>medium-size</a:t>
+            </a:r>
+            <a:r>
+              <a:rPr lang="es-ES" sz="1600" dirty="0"/>
+              <a:t> and </a:t>
+            </a:r>
+            <a:r>
+              <a:rPr lang="es-ES" sz="1600" b="1" dirty="0" err="1"/>
+              <a:t>big</a:t>
+            </a:r>
+            <a:r>
+              <a:rPr lang="es-ES" sz="1600" dirty="0"/>
+              <a:t> </a:t>
+            </a:r>
+            <a:r>
+              <a:rPr lang="es-ES" sz="1600" dirty="0" err="1"/>
+              <a:t>objects</a:t>
+            </a:r>
+            <a:r>
+              <a:rPr lang="es-ES" sz="1600" dirty="0"/>
+              <a:t>, </a:t>
+            </a:r>
+          </a:p>
+          <a:p>
+            <a:pPr lvl="1"/>
+            <a:r>
+              <a:rPr lang="es-ES" sz="1600" dirty="0" err="1"/>
+              <a:t>demonstrating</a:t>
+            </a:r>
+            <a:r>
+              <a:rPr lang="es-ES" sz="1600" dirty="0"/>
+              <a:t> </a:t>
+            </a:r>
+            <a:r>
+              <a:rPr lang="es-ES" sz="1600" b="1" dirty="0" err="1"/>
+              <a:t>better</a:t>
+            </a:r>
+            <a:r>
+              <a:rPr lang="es-ES" sz="1600" b="1" dirty="0"/>
+              <a:t> </a:t>
+            </a:r>
+            <a:r>
+              <a:rPr lang="es-ES" sz="1600" b="1" dirty="0" err="1"/>
+              <a:t>long-range</a:t>
+            </a:r>
+            <a:r>
+              <a:rPr lang="es-ES" sz="1600" b="1" dirty="0"/>
+              <a:t> </a:t>
+            </a:r>
+            <a:r>
+              <a:rPr lang="es-ES" sz="1600" b="1" dirty="0" err="1"/>
+              <a:t>context</a:t>
+            </a:r>
+            <a:r>
+              <a:rPr lang="es-ES" sz="1600" b="1" dirty="0"/>
+              <a:t> </a:t>
+            </a:r>
+            <a:r>
+              <a:rPr lang="es-ES" sz="1600" b="1" dirty="0" err="1"/>
+              <a:t>learning</a:t>
+            </a:r>
+            <a:endParaRPr lang="es-ES" sz="1600" dirty="0"/>
+          </a:p>
+          <a:p>
+            <a:pPr marL="742950" lvl="1" indent="-285750">
+              <a:buFont typeface="Arial" panose="020B0604020202020204" pitchFamily="34" charset="0"/>
+              <a:buChar char="•"/>
+            </a:pPr>
+            <a:r>
+              <a:rPr lang="es-ES" sz="1600" dirty="0" err="1"/>
+              <a:t>Not</a:t>
+            </a:r>
+            <a:r>
+              <a:rPr lang="es-ES" sz="1600" dirty="0"/>
+              <a:t> </a:t>
+            </a:r>
+            <a:r>
+              <a:rPr lang="es-ES" sz="1600" dirty="0" err="1"/>
+              <a:t>necessary</a:t>
+            </a:r>
+            <a:r>
+              <a:rPr lang="es-ES" sz="1600" dirty="0"/>
+              <a:t> </a:t>
+            </a:r>
+            <a:r>
+              <a:rPr lang="es-ES" sz="1600" dirty="0" err="1"/>
+              <a:t>window</a:t>
+            </a:r>
+            <a:r>
+              <a:rPr lang="es-ES" sz="1600" dirty="0"/>
+              <a:t> </a:t>
+            </a:r>
+            <a:r>
+              <a:rPr lang="es-ES" sz="1600" dirty="0" err="1"/>
+              <a:t>attention</a:t>
+            </a:r>
+            <a:endParaRPr lang="es-ES" sz="1600" dirty="0"/>
+          </a:p>
+          <a:p>
+            <a:pPr marL="742950" lvl="1" indent="-285750">
+              <a:buFont typeface="Arial" panose="020B0604020202020204" pitchFamily="34" charset="0"/>
+              <a:buChar char="•"/>
+            </a:pPr>
+            <a:endParaRPr lang="es-ES" sz="1600" dirty="0"/>
+          </a:p>
+          <a:p>
+            <a:pPr marL="742950" lvl="1" indent="-285750">
+              <a:buFont typeface="Arial" panose="020B0604020202020204" pitchFamily="34" charset="0"/>
+              <a:buChar char="•"/>
+            </a:pPr>
+            <a:endParaRPr lang="es-ES" sz="1600" dirty="0"/>
+          </a:p>
+        </p:txBody>
+      </p:sp>
+      <p:pic>
+        <p:nvPicPr>
+          <p:cNvPr id="4" name="Imagen 3">
+            <a:extLst>
+              <a:ext uri="{FF2B5EF4-FFF2-40B4-BE49-F238E27FC236}">
+                <a16:creationId xmlns:a16="http://schemas.microsoft.com/office/drawing/2014/main" id="{03AA3C22-1249-219C-6946-7666B04DB336}"/>
+              </a:ext>
+            </a:extLst>
+          </p:cNvPr>
+          <p:cNvPicPr>
+            <a:picLocks noChangeAspect="1"/>
+          </p:cNvPicPr>
+          <p:nvPr/>
+        </p:nvPicPr>
+        <p:blipFill>
+          <a:blip r:embed="rId6"/>
+          <a:stretch>
+            <a:fillRect/>
+          </a:stretch>
+        </p:blipFill>
+        <p:spPr>
+          <a:xfrm>
+            <a:off x="945776" y="2540961"/>
+            <a:ext cx="4184648" cy="2188416"/>
+          </a:xfrm>
+          <a:prstGeom prst="rect">
+            <a:avLst/>
+          </a:prstGeom>
+        </p:spPr>
+      </p:pic>
+      <p:sp>
+        <p:nvSpPr>
+          <p:cNvPr id="3" name="Rectángulo 2">
+            <a:extLst>
+              <a:ext uri="{FF2B5EF4-FFF2-40B4-BE49-F238E27FC236}">
+                <a16:creationId xmlns:a16="http://schemas.microsoft.com/office/drawing/2014/main" id="{1FFD299A-862C-5DFB-E83F-60B6A78D874B}"/>
+              </a:ext>
+            </a:extLst>
+          </p:cNvPr>
+          <p:cNvSpPr/>
+          <p:nvPr>
+            <p:custDataLst>
+              <p:tags r:id="rId2"/>
+            </p:custDataLst>
+          </p:nvPr>
+        </p:nvSpPr>
+        <p:spPr>
+          <a:xfrm>
+            <a:off x="3979328" y="2892516"/>
+            <a:ext cx="986372" cy="464517"/>
+          </a:xfrm>
+          <a:prstGeom prst="rect">
+            <a:avLst/>
+          </a:prstGeom>
+          <a:noFill/>
+          <a:ln w="38100">
+            <a:solidFill>
+              <a:srgbClr val="FF0000"/>
+            </a:solidFill>
+          </a:ln>
+        </p:spPr>
+        <p:style>
+          <a:lnRef idx="2">
+            <a:schemeClr val="accent1">
+              <a:shade val="15000"/>
+            </a:schemeClr>
+          </a:lnRef>
+          <a:fillRef idx="1">
+            <a:schemeClr val="accent1"/>
+          </a:fillRef>
+          <a:effectRef idx="0">
+            <a:schemeClr val="accent1"/>
+          </a:effectRef>
+          <a:fontRef idx="minor">
+            <a:schemeClr val="lt1"/>
+          </a:fontRef>
+        </p:style>
+        <p:txBody>
+          <a:bodyPr rtlCol="0" anchor="ctr"/>
+          <a:lstStyle/>
+          <a:p>
+            <a:pPr algn="ctr"/>
+            <a:endParaRPr lang="es-ES"/>
+          </a:p>
+        </p:txBody>
+      </p:sp>
+      <p:sp>
+        <p:nvSpPr>
+          <p:cNvPr id="5" name="Rectángulo 4">
+            <a:extLst>
+              <a:ext uri="{FF2B5EF4-FFF2-40B4-BE49-F238E27FC236}">
+                <a16:creationId xmlns:a16="http://schemas.microsoft.com/office/drawing/2014/main" id="{658BD726-932C-1D9B-C2DA-1DF119953A72}"/>
+              </a:ext>
+            </a:extLst>
+          </p:cNvPr>
+          <p:cNvSpPr/>
+          <p:nvPr>
+            <p:custDataLst>
+              <p:tags r:id="rId3"/>
+            </p:custDataLst>
+          </p:nvPr>
+        </p:nvSpPr>
+        <p:spPr>
+          <a:xfrm>
+            <a:off x="4008961" y="3696847"/>
+            <a:ext cx="986372" cy="464517"/>
+          </a:xfrm>
+          <a:prstGeom prst="rect">
+            <a:avLst/>
+          </a:prstGeom>
+          <a:noFill/>
+          <a:ln w="38100">
+            <a:solidFill>
+              <a:srgbClr val="FF0000"/>
+            </a:solidFill>
+          </a:ln>
+        </p:spPr>
+        <p:style>
+          <a:lnRef idx="2">
+            <a:schemeClr val="accent1">
+              <a:shade val="15000"/>
+            </a:schemeClr>
+          </a:lnRef>
+          <a:fillRef idx="1">
+            <a:schemeClr val="accent1"/>
+          </a:fillRef>
+          <a:effectRef idx="0">
+            <a:schemeClr val="accent1"/>
+          </a:effectRef>
+          <a:fontRef idx="minor">
+            <a:schemeClr val="lt1"/>
+          </a:fontRef>
+        </p:style>
+        <p:txBody>
+          <a:bodyPr rtlCol="0" anchor="ctr"/>
+          <a:lstStyle/>
+          <a:p>
+            <a:pPr algn="ctr"/>
+            <a:endParaRPr lang="es-ES"/>
+          </a:p>
+        </p:txBody>
+      </p:sp>
+    </p:spTree>
+    <p:custDataLst>
+      <p:tags r:id="rId1"/>
+    </p:custDataLst>
+    <p:extLst>
+      <p:ext uri="{BB962C8B-B14F-4D97-AF65-F5344CB8AC3E}">
+        <p14:creationId xmlns:p14="http://schemas.microsoft.com/office/powerpoint/2010/main" val="3012918497"/>
+      </p:ext>
+    </p:extLst>
+  </p:cSld>
+  <p:clrMapOvr>
+    <a:masterClrMapping/>
+  </p:clrMapOvr>
+</p:sld>
+</file>
+
+<file path=ppt/slides/slide18.xml><?xml version="1.0" encoding="utf-8"?>
+<p:sld xmlns:a="http://schemas.openxmlformats.org/drawingml/2006/main" xmlns:r="http://schemas.openxmlformats.org/officeDocument/2006/relationships" xmlns:p="http://schemas.openxmlformats.org/presentationml/2006/main" show="0">
   <p:cSld>
     <p:spTree>
       <p:nvGrpSpPr>
@@ -9050,8 +11306,8 @@
 </p:sld>
 </file>
 
-<file path=ppt/slides/slide17.xml><?xml version="1.0" encoding="utf-8"?>
-<p:sld xmlns:a="http://schemas.openxmlformats.org/drawingml/2006/main" xmlns:r="http://schemas.openxmlformats.org/officeDocument/2006/relationships" xmlns:p="http://schemas.openxmlformats.org/presentationml/2006/main">
+<file path=ppt/slides/slide19.xml><?xml version="1.0" encoding="utf-8"?>
+<p:sld xmlns:a="http://schemas.openxmlformats.org/drawingml/2006/main" xmlns:r="http://schemas.openxmlformats.org/officeDocument/2006/relationships" xmlns:p="http://schemas.openxmlformats.org/presentationml/2006/main" show="0">
   <p:cSld>
     <p:spTree>
       <p:nvGrpSpPr>
@@ -9112,49 +11368,17 @@
             <p:ph idx="1"/>
           </p:nvPr>
         </p:nvSpPr>
-        <p:spPr/>
+        <p:spPr>
+          <a:xfrm>
+            <a:off x="838200" y="1646767"/>
+            <a:ext cx="10515600" cy="4530196"/>
+          </a:xfrm>
+        </p:spPr>
         <p:txBody>
-          <a:bodyPr/>
+          <a:bodyPr>
+            <a:normAutofit fontScale="92500" lnSpcReduction="20000"/>
+          </a:bodyPr>
           <a:lstStyle/>
-          <a:p>
-            <a:r>
-              <a:rPr lang="es-ES" dirty="0" err="1"/>
-              <a:t>Possible</a:t>
-            </a:r>
-            <a:r>
-              <a:rPr lang="es-ES" dirty="0"/>
-              <a:t> alternative </a:t>
-            </a:r>
-            <a:r>
-              <a:rPr lang="es-ES" dirty="0" err="1"/>
-              <a:t>to</a:t>
-            </a:r>
-            <a:r>
-              <a:rPr lang="es-ES" dirty="0"/>
-              <a:t> </a:t>
-            </a:r>
-            <a:r>
-              <a:rPr lang="es-ES" dirty="0" err="1"/>
-              <a:t>Transformer</a:t>
-            </a:r>
-            <a:r>
-              <a:rPr lang="es-ES" dirty="0"/>
-              <a:t> </a:t>
-            </a:r>
-            <a:r>
-              <a:rPr lang="es-ES" dirty="0" err="1"/>
-              <a:t>based</a:t>
-            </a:r>
-            <a:r>
-              <a:rPr lang="es-ES" dirty="0"/>
-              <a:t> </a:t>
-            </a:r>
-            <a:r>
-              <a:rPr lang="es-ES" dirty="0" err="1"/>
-              <a:t>backbones</a:t>
-            </a:r>
-            <a:endParaRPr lang="es-ES" dirty="0"/>
-          </a:p>
           <a:p>
             <a:r>
               <a:rPr lang="es-ES" b="1" dirty="0" err="1"/>
@@ -9335,6 +11559,273 @@
               <a:rPr lang="es-ES" dirty="0" err="1"/>
               <a:t>management</a:t>
             </a:r>
+            <a:endParaRPr lang="es-ES" dirty="0"/>
+          </a:p>
+          <a:p>
+            <a:r>
+              <a:rPr lang="es-ES" dirty="0" err="1"/>
+              <a:t>Possible</a:t>
+            </a:r>
+            <a:r>
+              <a:rPr lang="es-ES" dirty="0"/>
+              <a:t> </a:t>
+            </a:r>
+            <a:r>
+              <a:rPr lang="es-ES" b="1" dirty="0"/>
+              <a:t>alternative </a:t>
+            </a:r>
+            <a:r>
+              <a:rPr lang="es-ES" b="1" dirty="0" err="1"/>
+              <a:t>to</a:t>
+            </a:r>
+            <a:r>
+              <a:rPr lang="es-ES" b="1" dirty="0"/>
+              <a:t> </a:t>
+            </a:r>
+            <a:r>
+              <a:rPr lang="es-ES" b="1" dirty="0" err="1"/>
+              <a:t>Transformer</a:t>
+            </a:r>
+            <a:r>
+              <a:rPr lang="es-ES" dirty="0"/>
+              <a:t> </a:t>
+            </a:r>
+            <a:r>
+              <a:rPr lang="es-ES" dirty="0" err="1"/>
+              <a:t>based</a:t>
+            </a:r>
+            <a:r>
+              <a:rPr lang="es-ES" dirty="0"/>
+              <a:t> </a:t>
+            </a:r>
+            <a:r>
+              <a:rPr lang="es-ES" dirty="0" err="1"/>
+              <a:t>backbones</a:t>
+            </a:r>
+            <a:endParaRPr lang="es-ES" dirty="0"/>
+          </a:p>
+          <a:p>
+            <a:pPr marL="0" indent="0">
+              <a:buNone/>
+            </a:pPr>
+            <a:endParaRPr lang="es-ES" dirty="0"/>
+          </a:p>
+          <a:p>
+            <a:pPr marL="0" indent="0">
+              <a:buNone/>
+            </a:pPr>
+            <a:r>
+              <a:rPr lang="es-ES" b="1" dirty="0"/>
+              <a:t>Future </a:t>
+            </a:r>
+            <a:r>
+              <a:rPr lang="es-ES" b="1" dirty="0" err="1"/>
+              <a:t>Lines</a:t>
+            </a:r>
+            <a:r>
+              <a:rPr lang="es-ES" b="1" dirty="0"/>
+              <a:t>:</a:t>
+            </a:r>
+          </a:p>
+          <a:p>
+            <a:r>
+              <a:rPr lang="es-ES" dirty="0" err="1"/>
+              <a:t>Broader</a:t>
+            </a:r>
+            <a:r>
+              <a:rPr lang="es-ES" dirty="0"/>
+              <a:t> </a:t>
+            </a:r>
+            <a:r>
+              <a:rPr lang="es-ES" dirty="0" err="1"/>
+              <a:t>Exploration</a:t>
+            </a:r>
+            <a:r>
+              <a:rPr lang="es-ES" dirty="0"/>
+              <a:t>. Running </a:t>
+            </a:r>
+            <a:r>
+              <a:rPr lang="es-ES" dirty="0" err="1"/>
+              <a:t>on</a:t>
+            </a:r>
+            <a:r>
+              <a:rPr lang="es-ES" dirty="0"/>
+              <a:t> </a:t>
+            </a:r>
+            <a:r>
+              <a:rPr lang="es-ES" dirty="0" err="1"/>
+              <a:t>different</a:t>
+            </a:r>
+            <a:r>
+              <a:rPr lang="es-ES" dirty="0"/>
+              <a:t> </a:t>
+            </a:r>
+            <a:r>
+              <a:rPr lang="es-ES" dirty="0" err="1"/>
+              <a:t>Datasets</a:t>
+            </a:r>
+            <a:r>
+              <a:rPr lang="es-ES" dirty="0"/>
+              <a:t> and </a:t>
+            </a:r>
+            <a:r>
+              <a:rPr lang="es-ES" dirty="0" err="1"/>
+              <a:t>Frameworks</a:t>
+            </a:r>
+            <a:endParaRPr lang="es-ES" dirty="0"/>
+          </a:p>
+          <a:p>
+            <a:r>
+              <a:rPr lang="es-ES" dirty="0" err="1"/>
+              <a:t>Self-Supervised</a:t>
+            </a:r>
+            <a:r>
+              <a:rPr lang="es-ES" dirty="0"/>
+              <a:t> </a:t>
+            </a:r>
+            <a:r>
+              <a:rPr lang="es-ES" dirty="0" err="1"/>
+              <a:t>Learning</a:t>
+            </a:r>
+            <a:endParaRPr lang="es-ES" dirty="0"/>
+          </a:p>
+          <a:p>
+            <a:r>
+              <a:rPr lang="es-ES" dirty="0" err="1"/>
+              <a:t>Comparison</a:t>
+            </a:r>
+            <a:r>
+              <a:rPr lang="es-ES" dirty="0"/>
+              <a:t> </a:t>
+            </a:r>
+            <a:r>
+              <a:rPr lang="es-ES" dirty="0" err="1"/>
+              <a:t>of</a:t>
+            </a:r>
+            <a:r>
+              <a:rPr lang="es-ES" dirty="0"/>
+              <a:t> </a:t>
+            </a:r>
+            <a:r>
+              <a:rPr lang="es-ES" dirty="0" err="1"/>
+              <a:t>improvements</a:t>
+            </a:r>
+            <a:r>
+              <a:rPr lang="es-ES" dirty="0"/>
+              <a:t> </a:t>
+            </a:r>
+            <a:r>
+              <a:rPr lang="es-ES" dirty="0" err="1"/>
+              <a:t>for</a:t>
+            </a:r>
+            <a:r>
+              <a:rPr lang="es-ES" dirty="0"/>
+              <a:t> SOTA </a:t>
+            </a:r>
+            <a:r>
+              <a:rPr lang="es-ES" dirty="0" err="1"/>
+              <a:t>systems</a:t>
+            </a:r>
+            <a:r>
+              <a:rPr lang="es-ES" dirty="0"/>
+              <a:t> </a:t>
+            </a:r>
+            <a:r>
+              <a:rPr lang="es-ES" dirty="0" err="1"/>
+              <a:t>based</a:t>
+            </a:r>
+            <a:r>
+              <a:rPr lang="es-ES" dirty="0"/>
+              <a:t> </a:t>
+            </a:r>
+            <a:r>
+              <a:rPr lang="es-ES" dirty="0" err="1"/>
+              <a:t>on</a:t>
+            </a:r>
+            <a:r>
+              <a:rPr lang="es-ES" dirty="0"/>
+              <a:t> Transformers</a:t>
+            </a:r>
+          </a:p>
+          <a:p>
+            <a:r>
+              <a:rPr lang="es-ES" dirty="0"/>
+              <a:t>As </a:t>
+            </a:r>
+            <a:r>
+              <a:rPr lang="es-ES" dirty="0" err="1"/>
+              <a:t>with</a:t>
+            </a:r>
+            <a:r>
+              <a:rPr lang="es-ES" dirty="0"/>
+              <a:t> </a:t>
+            </a:r>
+            <a:r>
+              <a:rPr lang="es-ES" dirty="0" err="1"/>
+              <a:t>Transformer</a:t>
+            </a:r>
+            <a:r>
+              <a:rPr lang="es-ES" dirty="0"/>
+              <a:t> </a:t>
+            </a:r>
+            <a:r>
+              <a:rPr lang="es-ES" dirty="0" err="1"/>
+              <a:t>architecture</a:t>
+            </a:r>
+            <a:r>
+              <a:rPr lang="es-ES" dirty="0"/>
+              <a:t>, </a:t>
+            </a:r>
+            <a:r>
+              <a:rPr lang="es-ES" dirty="0" err="1"/>
+              <a:t>opening</a:t>
+            </a:r>
+            <a:r>
+              <a:rPr lang="es-ES" dirty="0"/>
+              <a:t> a </a:t>
+            </a:r>
+            <a:r>
+              <a:rPr lang="es-ES" dirty="0" err="1"/>
+              <a:t>path</a:t>
+            </a:r>
+            <a:r>
+              <a:rPr lang="es-ES" dirty="0"/>
+              <a:t> </a:t>
+            </a:r>
+            <a:r>
+              <a:rPr lang="es-ES" dirty="0" err="1"/>
+              <a:t>to</a:t>
+            </a:r>
+            <a:r>
+              <a:rPr lang="es-ES" dirty="0"/>
+              <a:t> explore </a:t>
+            </a:r>
+            <a:r>
+              <a:rPr lang="es-ES" dirty="0" err="1"/>
+              <a:t>nexxt-generation</a:t>
+            </a:r>
+            <a:r>
+              <a:rPr lang="es-ES" dirty="0"/>
+              <a:t> AI </a:t>
+            </a:r>
+            <a:r>
+              <a:rPr lang="es-ES" dirty="0" err="1"/>
+              <a:t>based</a:t>
+            </a:r>
+            <a:r>
+              <a:rPr lang="es-ES" dirty="0"/>
+              <a:t> </a:t>
+            </a:r>
+            <a:r>
+              <a:rPr lang="es-ES" dirty="0" err="1"/>
+              <a:t>applications</a:t>
+            </a:r>
+            <a:r>
+              <a:rPr lang="es-ES" dirty="0"/>
+              <a:t>.</a:t>
+            </a:r>
+          </a:p>
+          <a:p>
             <a:endParaRPr lang="es-ES" dirty="0"/>
           </a:p>
           <a:p>
@@ -9356,1173 +11847,6 @@
     <p:extLst>
       <p:ext uri="{BB962C8B-B14F-4D97-AF65-F5344CB8AC3E}">
         <p14:creationId xmlns:p14="http://schemas.microsoft.com/office/powerpoint/2010/main" val="1865375573"/>
-      </p:ext>
-    </p:extLst>
-  </p:cSld>
-  <p:clrMapOvr>
-    <a:masterClrMapping/>
-  </p:clrMapOvr>
-</p:sld>
-</file>
-
-<file path=ppt/slides/slide18.xml><?xml version="1.0" encoding="utf-8"?>
-<p:sld xmlns:a="http://schemas.openxmlformats.org/drawingml/2006/main" xmlns:r="http://schemas.openxmlformats.org/officeDocument/2006/relationships" xmlns:p="http://schemas.openxmlformats.org/presentationml/2006/main">
-  <p:cSld>
-    <p:spTree>
-      <p:nvGrpSpPr>
-        <p:cNvPr id="1" name=""/>
-        <p:cNvGrpSpPr/>
-        <p:nvPr/>
-      </p:nvGrpSpPr>
-      <p:grpSpPr>
-        <a:xfrm>
-          <a:off x="0" y="0"/>
-          <a:ext cx="0" cy="0"/>
-          <a:chOff x="0" y="0"/>
-          <a:chExt cx="0" cy="0"/>
-        </a:xfrm>
-      </p:grpSpPr>
-      <p:sp>
-        <p:nvSpPr>
-          <p:cNvPr id="2" name="Título 1">
-            <a:extLst>
-              <a:ext uri="{FF2B5EF4-FFF2-40B4-BE49-F238E27FC236}">
-                <a16:creationId xmlns:a16="http://schemas.microsoft.com/office/drawing/2014/main" id="{9D0E1D67-4E0D-C526-C314-2F86DE0AD452}"/>
-              </a:ext>
-            </a:extLst>
-          </p:cNvPr>
-          <p:cNvSpPr>
-            <a:spLocks noGrp="1"/>
-          </p:cNvSpPr>
-          <p:nvPr>
-            <p:ph type="title"/>
-          </p:nvPr>
-        </p:nvSpPr>
-        <p:spPr/>
-        <p:txBody>
-          <a:bodyPr/>
-          <a:lstStyle/>
-          <a:p>
-            <a:r>
-              <a:rPr lang="es-ES" dirty="0" err="1"/>
-              <a:t>Possible</a:t>
-            </a:r>
-            <a:r>
-              <a:rPr lang="es-ES" dirty="0"/>
-              <a:t> </a:t>
-            </a:r>
-            <a:r>
-              <a:rPr lang="es-ES" dirty="0" err="1"/>
-              <a:t>Improvements</a:t>
-            </a:r>
-            <a:r>
-              <a:rPr lang="es-ES" dirty="0"/>
-              <a:t> and Future </a:t>
-            </a:r>
-            <a:r>
-              <a:rPr lang="es-ES" dirty="0" err="1"/>
-              <a:t>Work</a:t>
-            </a:r>
-            <a:endParaRPr lang="es-ES" dirty="0"/>
-          </a:p>
-        </p:txBody>
-      </p:sp>
-      <p:sp>
-        <p:nvSpPr>
-          <p:cNvPr id="3" name="Marcador de contenido 2">
-            <a:extLst>
-              <a:ext uri="{FF2B5EF4-FFF2-40B4-BE49-F238E27FC236}">
-                <a16:creationId xmlns:a16="http://schemas.microsoft.com/office/drawing/2014/main" id="{2E131C5B-70D7-AB81-443C-C484EED6A420}"/>
-              </a:ext>
-            </a:extLst>
-          </p:cNvPr>
-          <p:cNvSpPr>
-            <a:spLocks noGrp="1"/>
-          </p:cNvSpPr>
-          <p:nvPr>
-            <p:ph idx="1"/>
-          </p:nvPr>
-        </p:nvSpPr>
-        <p:spPr/>
-        <p:txBody>
-          <a:bodyPr>
-            <a:normAutofit/>
-          </a:bodyPr>
-          <a:lstStyle/>
-          <a:p>
-            <a:r>
-              <a:rPr lang="es-ES" b="1" dirty="0" err="1"/>
-              <a:t>Different</a:t>
-            </a:r>
-            <a:r>
-              <a:rPr lang="es-ES" b="1" dirty="0"/>
-              <a:t> </a:t>
-            </a:r>
-            <a:r>
-              <a:rPr lang="es-ES" b="1" dirty="0" err="1"/>
-              <a:t>Datasets</a:t>
-            </a:r>
-            <a:r>
-              <a:rPr lang="es-ES" b="1" dirty="0"/>
-              <a:t> </a:t>
-            </a:r>
-            <a:r>
-              <a:rPr lang="es-ES" dirty="0"/>
-              <a:t>and </a:t>
-            </a:r>
-            <a:r>
-              <a:rPr lang="es-ES" dirty="0" err="1"/>
-              <a:t>Frameworks</a:t>
-            </a:r>
-            <a:endParaRPr lang="es-ES" dirty="0"/>
-          </a:p>
-          <a:p>
-            <a:r>
-              <a:rPr lang="es-ES" dirty="0" err="1"/>
-              <a:t>Ablation</a:t>
-            </a:r>
-            <a:r>
-              <a:rPr lang="es-ES" dirty="0"/>
-              <a:t> </a:t>
-            </a:r>
-            <a:r>
-              <a:rPr lang="es-ES" dirty="0" err="1"/>
-              <a:t>study</a:t>
-            </a:r>
-            <a:r>
-              <a:rPr lang="es-ES" dirty="0"/>
-              <a:t> </a:t>
-            </a:r>
-            <a:r>
-              <a:rPr lang="es-ES" dirty="0" err="1"/>
-              <a:t>on</a:t>
-            </a:r>
-            <a:r>
-              <a:rPr lang="es-ES" dirty="0"/>
-              <a:t> </a:t>
-            </a:r>
-            <a:r>
-              <a:rPr lang="es-ES" b="1" dirty="0" err="1"/>
-              <a:t>Hyperparameters</a:t>
-            </a:r>
-            <a:r>
-              <a:rPr lang="es-ES" dirty="0"/>
-              <a:t> </a:t>
-            </a:r>
-          </a:p>
-          <a:p>
-            <a:r>
-              <a:rPr lang="es-ES" b="1" dirty="0" err="1"/>
-              <a:t>Self-Supervised</a:t>
-            </a:r>
-            <a:r>
-              <a:rPr lang="es-ES" b="1" dirty="0"/>
-              <a:t> </a:t>
-            </a:r>
-            <a:r>
-              <a:rPr lang="es-ES" b="1" dirty="0" err="1"/>
-              <a:t>Learning</a:t>
-            </a:r>
-            <a:endParaRPr lang="es-ES" b="1" dirty="0"/>
-          </a:p>
-          <a:p>
-            <a:r>
-              <a:rPr lang="es-ES" dirty="0" err="1"/>
-              <a:t>Comparison</a:t>
-            </a:r>
-            <a:r>
-              <a:rPr lang="es-ES" dirty="0"/>
-              <a:t> </a:t>
-            </a:r>
-            <a:r>
-              <a:rPr lang="es-ES" dirty="0" err="1"/>
-              <a:t>of</a:t>
-            </a:r>
-            <a:r>
-              <a:rPr lang="es-ES" dirty="0"/>
-              <a:t> </a:t>
-            </a:r>
-            <a:r>
-              <a:rPr lang="es-ES" dirty="0" err="1"/>
-              <a:t>improvements</a:t>
-            </a:r>
-            <a:r>
-              <a:rPr lang="es-ES" dirty="0"/>
-              <a:t> </a:t>
-            </a:r>
-            <a:r>
-              <a:rPr lang="es-ES" dirty="0" err="1"/>
-              <a:t>for</a:t>
-            </a:r>
-            <a:r>
-              <a:rPr lang="es-ES" dirty="0"/>
-              <a:t> SOTA </a:t>
-            </a:r>
-            <a:r>
-              <a:rPr lang="es-ES" dirty="0" err="1"/>
-              <a:t>systems</a:t>
-            </a:r>
-            <a:r>
-              <a:rPr lang="es-ES" dirty="0"/>
-              <a:t> </a:t>
-            </a:r>
-            <a:r>
-              <a:rPr lang="es-ES" dirty="0" err="1"/>
-              <a:t>based</a:t>
-            </a:r>
-            <a:r>
-              <a:rPr lang="es-ES" dirty="0"/>
-              <a:t> </a:t>
-            </a:r>
-            <a:r>
-              <a:rPr lang="es-ES" dirty="0" err="1"/>
-              <a:t>on</a:t>
-            </a:r>
-            <a:r>
-              <a:rPr lang="es-ES" dirty="0"/>
-              <a:t> Transformers</a:t>
-            </a:r>
-          </a:p>
-        </p:txBody>
-      </p:sp>
-    </p:spTree>
-    <p:custDataLst>
-      <p:tags r:id="rId1"/>
-    </p:custDataLst>
-    <p:extLst>
-      <p:ext uri="{BB962C8B-B14F-4D97-AF65-F5344CB8AC3E}">
-        <p14:creationId xmlns:p14="http://schemas.microsoft.com/office/powerpoint/2010/main" val="1877155441"/>
-      </p:ext>
-    </p:extLst>
-  </p:cSld>
-  <p:clrMapOvr>
-    <a:masterClrMapping/>
-  </p:clrMapOvr>
-</p:sld>
-</file>
-
-<file path=ppt/slides/slide19.xml><?xml version="1.0" encoding="utf-8"?>
-<p:sld xmlns:a="http://schemas.openxmlformats.org/drawingml/2006/main" xmlns:r="http://schemas.openxmlformats.org/officeDocument/2006/relationships" xmlns:p="http://schemas.openxmlformats.org/presentationml/2006/main">
-  <p:cSld>
-    <p:spTree>
-      <p:nvGrpSpPr>
-        <p:cNvPr id="1" name=""/>
-        <p:cNvGrpSpPr/>
-        <p:nvPr/>
-      </p:nvGrpSpPr>
-      <p:grpSpPr>
-        <a:xfrm>
-          <a:off x="0" y="0"/>
-          <a:ext cx="0" cy="0"/>
-          <a:chOff x="0" y="0"/>
-          <a:chExt cx="0" cy="0"/>
-        </a:xfrm>
-      </p:grpSpPr>
-      <p:sp>
-        <p:nvSpPr>
-          <p:cNvPr id="2" name="Título 1">
-            <a:extLst>
-              <a:ext uri="{FF2B5EF4-FFF2-40B4-BE49-F238E27FC236}">
-                <a16:creationId xmlns:a16="http://schemas.microsoft.com/office/drawing/2014/main" id="{9D0E1D67-4E0D-C526-C314-2F86DE0AD452}"/>
-              </a:ext>
-            </a:extLst>
-          </p:cNvPr>
-          <p:cNvSpPr>
-            <a:spLocks noGrp="1"/>
-          </p:cNvSpPr>
-          <p:nvPr>
-            <p:ph type="title"/>
-          </p:nvPr>
-        </p:nvSpPr>
-        <p:spPr/>
-        <p:txBody>
-          <a:bodyPr/>
-          <a:lstStyle/>
-          <a:p>
-            <a:r>
-              <a:rPr lang="es-ES" dirty="0" err="1"/>
-              <a:t>References</a:t>
-            </a:r>
-            <a:endParaRPr lang="es-ES" dirty="0"/>
-          </a:p>
-        </p:txBody>
-      </p:sp>
-      <p:sp>
-        <p:nvSpPr>
-          <p:cNvPr id="3" name="Marcador de contenido 2">
-            <a:extLst>
-              <a:ext uri="{FF2B5EF4-FFF2-40B4-BE49-F238E27FC236}">
-                <a16:creationId xmlns:a16="http://schemas.microsoft.com/office/drawing/2014/main" id="{2E131C5B-70D7-AB81-443C-C484EED6A420}"/>
-              </a:ext>
-            </a:extLst>
-          </p:cNvPr>
-          <p:cNvSpPr>
-            <a:spLocks noGrp="1"/>
-          </p:cNvSpPr>
-          <p:nvPr>
-            <p:ph idx="1"/>
-          </p:nvPr>
-        </p:nvSpPr>
-        <p:spPr/>
-        <p:txBody>
-          <a:bodyPr>
-            <a:normAutofit fontScale="85000" lnSpcReduction="20000"/>
-          </a:bodyPr>
-          <a:lstStyle/>
-          <a:p>
-            <a:pPr marL="0" indent="0">
-              <a:buNone/>
-            </a:pPr>
-            <a:r>
-              <a:rPr lang="es-ES" b="0" i="0" dirty="0">
-                <a:solidFill>
-                  <a:srgbClr val="0D0D0D"/>
-                </a:solidFill>
-                <a:effectLst/>
-                <a:highlight>
-                  <a:srgbClr val="FFFFFF"/>
-                </a:highlight>
-                <a:latin typeface="Söhne"/>
-              </a:rPr>
-              <a:t>Zhu, L., </a:t>
-            </a:r>
-            <a:r>
-              <a:rPr lang="es-ES" b="0" i="0" dirty="0" err="1">
-                <a:solidFill>
-                  <a:srgbClr val="0D0D0D"/>
-                </a:solidFill>
-                <a:effectLst/>
-                <a:highlight>
-                  <a:srgbClr val="FFFFFF"/>
-                </a:highlight>
-                <a:latin typeface="Söhne"/>
-              </a:rPr>
-              <a:t>Liao</a:t>
-            </a:r>
-            <a:r>
-              <a:rPr lang="es-ES" b="0" i="0" dirty="0">
-                <a:solidFill>
-                  <a:srgbClr val="0D0D0D"/>
-                </a:solidFill>
-                <a:effectLst/>
-                <a:highlight>
-                  <a:srgbClr val="FFFFFF"/>
-                </a:highlight>
-                <a:latin typeface="Söhne"/>
-              </a:rPr>
-              <a:t>, B., Zhang, Q., Wang, X., Liu, W., &amp; Wang, X. (2024). </a:t>
-            </a:r>
-            <a:r>
-              <a:rPr lang="es-ES" b="1" i="0" dirty="0" err="1">
-                <a:solidFill>
-                  <a:srgbClr val="0D0D0D"/>
-                </a:solidFill>
-                <a:effectLst/>
-                <a:highlight>
-                  <a:srgbClr val="FFFFFF"/>
-                </a:highlight>
-                <a:latin typeface="Söhne"/>
-              </a:rPr>
-              <a:t>Vision</a:t>
-            </a:r>
-            <a:r>
-              <a:rPr lang="es-ES" b="1" i="0" dirty="0">
-                <a:solidFill>
-                  <a:srgbClr val="0D0D0D"/>
-                </a:solidFill>
-                <a:effectLst/>
-                <a:highlight>
-                  <a:srgbClr val="FFFFFF"/>
-                </a:highlight>
-                <a:latin typeface="Söhne"/>
-              </a:rPr>
-              <a:t> Mamba: </a:t>
-            </a:r>
-            <a:r>
-              <a:rPr lang="es-ES" b="1" i="0" dirty="0" err="1">
-                <a:solidFill>
-                  <a:srgbClr val="0D0D0D"/>
-                </a:solidFill>
-                <a:effectLst/>
-                <a:highlight>
-                  <a:srgbClr val="FFFFFF"/>
-                </a:highlight>
-                <a:latin typeface="Söhne"/>
-              </a:rPr>
-              <a:t>Efficient</a:t>
-            </a:r>
-            <a:r>
-              <a:rPr lang="es-ES" b="1" i="0" dirty="0">
-                <a:solidFill>
-                  <a:srgbClr val="0D0D0D"/>
-                </a:solidFill>
-                <a:effectLst/>
-                <a:highlight>
-                  <a:srgbClr val="FFFFFF"/>
-                </a:highlight>
-                <a:latin typeface="Söhne"/>
-              </a:rPr>
-              <a:t> Visual </a:t>
-            </a:r>
-            <a:r>
-              <a:rPr lang="es-ES" b="1" i="0" dirty="0" err="1">
-                <a:solidFill>
-                  <a:srgbClr val="0D0D0D"/>
-                </a:solidFill>
-                <a:effectLst/>
-                <a:highlight>
-                  <a:srgbClr val="FFFFFF"/>
-                </a:highlight>
-                <a:latin typeface="Söhne"/>
-              </a:rPr>
-              <a:t>Representation</a:t>
-            </a:r>
-            <a:r>
-              <a:rPr lang="es-ES" b="1" i="0" dirty="0">
-                <a:solidFill>
-                  <a:srgbClr val="0D0D0D"/>
-                </a:solidFill>
-                <a:effectLst/>
-                <a:highlight>
-                  <a:srgbClr val="FFFFFF"/>
-                </a:highlight>
-                <a:latin typeface="Söhne"/>
-              </a:rPr>
-              <a:t> </a:t>
-            </a:r>
-            <a:r>
-              <a:rPr lang="es-ES" b="1" i="0" dirty="0" err="1">
-                <a:solidFill>
-                  <a:srgbClr val="0D0D0D"/>
-                </a:solidFill>
-                <a:effectLst/>
-                <a:highlight>
-                  <a:srgbClr val="FFFFFF"/>
-                </a:highlight>
-                <a:latin typeface="Söhne"/>
-              </a:rPr>
-              <a:t>Learning</a:t>
-            </a:r>
-            <a:r>
-              <a:rPr lang="es-ES" b="1" i="0" dirty="0">
-                <a:solidFill>
-                  <a:srgbClr val="0D0D0D"/>
-                </a:solidFill>
-                <a:effectLst/>
-                <a:highlight>
-                  <a:srgbClr val="FFFFFF"/>
-                </a:highlight>
-                <a:latin typeface="Söhne"/>
-              </a:rPr>
-              <a:t> </a:t>
-            </a:r>
-            <a:r>
-              <a:rPr lang="es-ES" b="1" i="0" dirty="0" err="1">
-                <a:solidFill>
-                  <a:srgbClr val="0D0D0D"/>
-                </a:solidFill>
-                <a:effectLst/>
-                <a:highlight>
-                  <a:srgbClr val="FFFFFF"/>
-                </a:highlight>
-                <a:latin typeface="Söhne"/>
-              </a:rPr>
-              <a:t>with</a:t>
-            </a:r>
-            <a:r>
-              <a:rPr lang="es-ES" b="1" i="0" dirty="0">
-                <a:solidFill>
-                  <a:srgbClr val="0D0D0D"/>
-                </a:solidFill>
-                <a:effectLst/>
-                <a:highlight>
-                  <a:srgbClr val="FFFFFF"/>
-                </a:highlight>
-                <a:latin typeface="Söhne"/>
-              </a:rPr>
-              <a:t> </a:t>
-            </a:r>
-            <a:r>
-              <a:rPr lang="es-ES" b="1" i="0" dirty="0" err="1">
-                <a:solidFill>
-                  <a:srgbClr val="0D0D0D"/>
-                </a:solidFill>
-                <a:effectLst/>
-                <a:highlight>
-                  <a:srgbClr val="FFFFFF"/>
-                </a:highlight>
-                <a:latin typeface="Söhne"/>
-              </a:rPr>
-              <a:t>Bidirectional</a:t>
-            </a:r>
-            <a:r>
-              <a:rPr lang="es-ES" b="1" i="0" dirty="0">
-                <a:solidFill>
-                  <a:srgbClr val="0D0D0D"/>
-                </a:solidFill>
-                <a:effectLst/>
-                <a:highlight>
-                  <a:srgbClr val="FFFFFF"/>
-                </a:highlight>
-                <a:latin typeface="Söhne"/>
-              </a:rPr>
-              <a:t> </a:t>
-            </a:r>
-            <a:r>
-              <a:rPr lang="es-ES" b="1" i="0" dirty="0" err="1">
-                <a:solidFill>
-                  <a:srgbClr val="0D0D0D"/>
-                </a:solidFill>
-                <a:effectLst/>
-                <a:highlight>
-                  <a:srgbClr val="FFFFFF"/>
-                </a:highlight>
-                <a:latin typeface="Söhne"/>
-              </a:rPr>
-              <a:t>State</a:t>
-            </a:r>
-            <a:r>
-              <a:rPr lang="es-ES" b="1" i="0" dirty="0">
-                <a:solidFill>
-                  <a:srgbClr val="0D0D0D"/>
-                </a:solidFill>
-                <a:effectLst/>
-                <a:highlight>
-                  <a:srgbClr val="FFFFFF"/>
-                </a:highlight>
-                <a:latin typeface="Söhne"/>
-              </a:rPr>
-              <a:t> </a:t>
-            </a:r>
-            <a:r>
-              <a:rPr lang="es-ES" b="1" i="0" dirty="0" err="1">
-                <a:solidFill>
-                  <a:srgbClr val="0D0D0D"/>
-                </a:solidFill>
-                <a:effectLst/>
-                <a:highlight>
-                  <a:srgbClr val="FFFFFF"/>
-                </a:highlight>
-                <a:latin typeface="Söhne"/>
-              </a:rPr>
-              <a:t>Space</a:t>
-            </a:r>
-            <a:r>
-              <a:rPr lang="es-ES" b="1" i="0" dirty="0">
-                <a:solidFill>
-                  <a:srgbClr val="0D0D0D"/>
-                </a:solidFill>
-                <a:effectLst/>
-                <a:highlight>
-                  <a:srgbClr val="FFFFFF"/>
-                </a:highlight>
-                <a:latin typeface="Söhne"/>
-              </a:rPr>
-              <a:t> </a:t>
-            </a:r>
-            <a:r>
-              <a:rPr lang="es-ES" b="1" i="0" dirty="0" err="1">
-                <a:solidFill>
-                  <a:srgbClr val="0D0D0D"/>
-                </a:solidFill>
-                <a:effectLst/>
-                <a:highlight>
-                  <a:srgbClr val="FFFFFF"/>
-                </a:highlight>
-                <a:latin typeface="Söhne"/>
-              </a:rPr>
-              <a:t>Model</a:t>
-            </a:r>
-            <a:r>
-              <a:rPr lang="es-ES" b="0" i="0" dirty="0">
-                <a:solidFill>
-                  <a:srgbClr val="0D0D0D"/>
-                </a:solidFill>
-                <a:effectLst/>
-                <a:highlight>
-                  <a:srgbClr val="FFFFFF"/>
-                </a:highlight>
-                <a:latin typeface="Söhne"/>
-              </a:rPr>
-              <a:t>. </a:t>
-            </a:r>
-            <a:r>
-              <a:rPr lang="es-ES" b="0" i="0" dirty="0" err="1">
-                <a:solidFill>
-                  <a:srgbClr val="0D0D0D"/>
-                </a:solidFill>
-                <a:effectLst/>
-                <a:highlight>
-                  <a:srgbClr val="FFFFFF"/>
-                </a:highlight>
-                <a:latin typeface="Söhne"/>
-              </a:rPr>
-              <a:t>arXiv</a:t>
-            </a:r>
-            <a:r>
-              <a:rPr lang="es-ES" b="0" i="0" dirty="0">
-                <a:solidFill>
-                  <a:srgbClr val="0D0D0D"/>
-                </a:solidFill>
-                <a:effectLst/>
-                <a:highlight>
-                  <a:srgbClr val="FFFFFF"/>
-                </a:highlight>
-                <a:latin typeface="Söhne"/>
-              </a:rPr>
-              <a:t> </a:t>
-            </a:r>
-            <a:r>
-              <a:rPr lang="es-ES" b="0" i="0" dirty="0" err="1">
-                <a:solidFill>
-                  <a:srgbClr val="0D0D0D"/>
-                </a:solidFill>
-                <a:effectLst/>
-                <a:highlight>
-                  <a:srgbClr val="FFFFFF"/>
-                </a:highlight>
-                <a:latin typeface="Söhne"/>
-              </a:rPr>
-              <a:t>preprint</a:t>
-            </a:r>
-            <a:r>
-              <a:rPr lang="es-ES" b="0" i="0" dirty="0">
-                <a:solidFill>
-                  <a:srgbClr val="0D0D0D"/>
-                </a:solidFill>
-                <a:effectLst/>
-                <a:highlight>
-                  <a:srgbClr val="FFFFFF"/>
-                </a:highlight>
-                <a:latin typeface="Söhne"/>
-              </a:rPr>
-              <a:t> arXiv:2401.09417 [cs.CV].</a:t>
-            </a:r>
-          </a:p>
-          <a:p>
-            <a:pPr marL="0" indent="0">
-              <a:buNone/>
-            </a:pPr>
-            <a:endParaRPr lang="es-ES" dirty="0">
-              <a:solidFill>
-                <a:srgbClr val="0D0D0D"/>
-              </a:solidFill>
-              <a:highlight>
-                <a:srgbClr val="FFFFFF"/>
-              </a:highlight>
-              <a:latin typeface="Söhne"/>
-            </a:endParaRPr>
-          </a:p>
-          <a:p>
-            <a:pPr marL="0" indent="0">
-              <a:buNone/>
-            </a:pPr>
-            <a:r>
-              <a:rPr lang="en-US" b="0" i="0" dirty="0">
-                <a:solidFill>
-                  <a:srgbClr val="0D0D0D"/>
-                </a:solidFill>
-                <a:effectLst/>
-                <a:highlight>
-                  <a:srgbClr val="FFFFFF"/>
-                </a:highlight>
-                <a:latin typeface="Söhne"/>
-              </a:rPr>
-              <a:t>Gu, A., &amp; Dao, T. (2023). </a:t>
-            </a:r>
-            <a:r>
-              <a:rPr lang="en-US" b="1" i="0" dirty="0">
-                <a:solidFill>
-                  <a:srgbClr val="0D0D0D"/>
-                </a:solidFill>
-                <a:effectLst/>
-                <a:highlight>
-                  <a:srgbClr val="FFFFFF"/>
-                </a:highlight>
-                <a:latin typeface="Söhne"/>
-              </a:rPr>
-              <a:t>Mamba: Linear-Time Sequence Modeling with Selective State Spaces</a:t>
-            </a:r>
-            <a:r>
-              <a:rPr lang="en-US" b="0" i="0" dirty="0">
-                <a:solidFill>
-                  <a:srgbClr val="0D0D0D"/>
-                </a:solidFill>
-                <a:effectLst/>
-                <a:highlight>
-                  <a:srgbClr val="FFFFFF"/>
-                </a:highlight>
-                <a:latin typeface="Söhne"/>
-              </a:rPr>
-              <a:t>. </a:t>
-            </a:r>
-            <a:r>
-              <a:rPr lang="en-US" b="0" i="0" dirty="0" err="1">
-                <a:solidFill>
-                  <a:srgbClr val="0D0D0D"/>
-                </a:solidFill>
-                <a:effectLst/>
-                <a:highlight>
-                  <a:srgbClr val="FFFFFF"/>
-                </a:highlight>
-                <a:latin typeface="Söhne"/>
-              </a:rPr>
-              <a:t>arXiv</a:t>
-            </a:r>
-            <a:r>
-              <a:rPr lang="en-US" b="0" i="0" dirty="0">
-                <a:solidFill>
-                  <a:srgbClr val="0D0D0D"/>
-                </a:solidFill>
-                <a:effectLst/>
-                <a:highlight>
-                  <a:srgbClr val="FFFFFF"/>
-                </a:highlight>
-                <a:latin typeface="Söhne"/>
-              </a:rPr>
-              <a:t> preprint arXiv:2312.00752 [</a:t>
-            </a:r>
-            <a:r>
-              <a:rPr lang="en-US" b="0" i="0" dirty="0" err="1">
-                <a:solidFill>
-                  <a:srgbClr val="0D0D0D"/>
-                </a:solidFill>
-                <a:effectLst/>
-                <a:highlight>
-                  <a:srgbClr val="FFFFFF"/>
-                </a:highlight>
-                <a:latin typeface="Söhne"/>
-              </a:rPr>
-              <a:t>cs.LG</a:t>
-            </a:r>
-            <a:r>
-              <a:rPr lang="en-US" b="0" i="0" dirty="0">
-                <a:solidFill>
-                  <a:srgbClr val="0D0D0D"/>
-                </a:solidFill>
-                <a:effectLst/>
-                <a:highlight>
-                  <a:srgbClr val="FFFFFF"/>
-                </a:highlight>
-                <a:latin typeface="Söhne"/>
-              </a:rPr>
-              <a:t>].</a:t>
-            </a:r>
-            <a:endParaRPr lang="es-ES" b="0" i="0" dirty="0">
-              <a:solidFill>
-                <a:srgbClr val="0D0D0D"/>
-              </a:solidFill>
-              <a:effectLst/>
-              <a:highlight>
-                <a:srgbClr val="FFFFFF"/>
-              </a:highlight>
-              <a:latin typeface="Söhne"/>
-            </a:endParaRPr>
-          </a:p>
-          <a:p>
-            <a:pPr marL="0" indent="0">
-              <a:buNone/>
-            </a:pPr>
-            <a:endParaRPr lang="es-ES" dirty="0">
-              <a:solidFill>
-                <a:srgbClr val="0D0D0D"/>
-              </a:solidFill>
-              <a:highlight>
-                <a:srgbClr val="FFFFFF"/>
-              </a:highlight>
-              <a:latin typeface="Söhne"/>
-            </a:endParaRPr>
-          </a:p>
-          <a:p>
-            <a:pPr marL="0" indent="0">
-              <a:buNone/>
-            </a:pPr>
-            <a:r>
-              <a:rPr lang="es-ES" b="0" i="0" dirty="0">
-                <a:solidFill>
-                  <a:srgbClr val="0D0D0D"/>
-                </a:solidFill>
-                <a:effectLst/>
-                <a:highlight>
-                  <a:srgbClr val="FFFFFF"/>
-                </a:highlight>
-                <a:latin typeface="Söhne"/>
-              </a:rPr>
-              <a:t>Li, K., Li, X., Wang, Y., He, Y., Wang, Y., Wang, L., &amp; </a:t>
-            </a:r>
-            <a:r>
-              <a:rPr lang="es-ES" b="0" i="0" dirty="0" err="1">
-                <a:solidFill>
-                  <a:srgbClr val="0D0D0D"/>
-                </a:solidFill>
-                <a:effectLst/>
-                <a:highlight>
-                  <a:srgbClr val="FFFFFF"/>
-                </a:highlight>
-                <a:latin typeface="Söhne"/>
-              </a:rPr>
-              <a:t>Qiao</a:t>
-            </a:r>
-            <a:r>
-              <a:rPr lang="es-ES" b="0" i="0" dirty="0">
-                <a:solidFill>
-                  <a:srgbClr val="0D0D0D"/>
-                </a:solidFill>
-                <a:effectLst/>
-                <a:highlight>
-                  <a:srgbClr val="FFFFFF"/>
-                </a:highlight>
-                <a:latin typeface="Söhne"/>
-              </a:rPr>
-              <a:t>, Y. (</a:t>
-            </a:r>
-            <a:r>
-              <a:rPr lang="es-ES" b="0" i="0" dirty="0" err="1">
-                <a:solidFill>
-                  <a:srgbClr val="0D0D0D"/>
-                </a:solidFill>
-                <a:effectLst/>
-                <a:highlight>
-                  <a:srgbClr val="FFFFFF"/>
-                </a:highlight>
-                <a:latin typeface="Söhne"/>
-              </a:rPr>
-              <a:t>Year</a:t>
-            </a:r>
-            <a:r>
-              <a:rPr lang="es-ES" b="0" i="0" dirty="0">
-                <a:solidFill>
-                  <a:srgbClr val="0D0D0D"/>
-                </a:solidFill>
-                <a:effectLst/>
-                <a:highlight>
-                  <a:srgbClr val="FFFFFF"/>
-                </a:highlight>
-                <a:latin typeface="Söhne"/>
-              </a:rPr>
-              <a:t>). </a:t>
-            </a:r>
-            <a:r>
-              <a:rPr lang="es-ES" b="1" i="0" dirty="0" err="1">
-                <a:solidFill>
-                  <a:srgbClr val="0D0D0D"/>
-                </a:solidFill>
-                <a:effectLst/>
-                <a:highlight>
-                  <a:srgbClr val="FFFFFF"/>
-                </a:highlight>
-                <a:latin typeface="Söhne"/>
-              </a:rPr>
-              <a:t>VideoMamba</a:t>
-            </a:r>
-            <a:r>
-              <a:rPr lang="es-ES" b="1" i="0" dirty="0">
-                <a:solidFill>
-                  <a:srgbClr val="0D0D0D"/>
-                </a:solidFill>
-                <a:effectLst/>
-                <a:highlight>
-                  <a:srgbClr val="FFFFFF"/>
-                </a:highlight>
-                <a:latin typeface="Söhne"/>
-              </a:rPr>
-              <a:t>: </a:t>
-            </a:r>
-            <a:r>
-              <a:rPr lang="es-ES" b="1" i="0" dirty="0" err="1">
-                <a:solidFill>
-                  <a:srgbClr val="0D0D0D"/>
-                </a:solidFill>
-                <a:effectLst/>
-                <a:highlight>
-                  <a:srgbClr val="FFFFFF"/>
-                </a:highlight>
-                <a:latin typeface="Söhne"/>
-              </a:rPr>
-              <a:t>State</a:t>
-            </a:r>
-            <a:r>
-              <a:rPr lang="es-ES" b="1" i="0" dirty="0">
-                <a:solidFill>
-                  <a:srgbClr val="0D0D0D"/>
-                </a:solidFill>
-                <a:effectLst/>
-                <a:highlight>
-                  <a:srgbClr val="FFFFFF"/>
-                </a:highlight>
-                <a:latin typeface="Söhne"/>
-              </a:rPr>
-              <a:t> </a:t>
-            </a:r>
-            <a:r>
-              <a:rPr lang="es-ES" b="1" i="0" dirty="0" err="1">
-                <a:solidFill>
-                  <a:srgbClr val="0D0D0D"/>
-                </a:solidFill>
-                <a:effectLst/>
-                <a:highlight>
-                  <a:srgbClr val="FFFFFF"/>
-                </a:highlight>
-                <a:latin typeface="Söhne"/>
-              </a:rPr>
-              <a:t>Space</a:t>
-            </a:r>
-            <a:r>
-              <a:rPr lang="es-ES" b="1" i="0" dirty="0">
-                <a:solidFill>
-                  <a:srgbClr val="0D0D0D"/>
-                </a:solidFill>
-                <a:effectLst/>
-                <a:highlight>
-                  <a:srgbClr val="FFFFFF"/>
-                </a:highlight>
-                <a:latin typeface="Söhne"/>
-              </a:rPr>
-              <a:t> </a:t>
-            </a:r>
-            <a:r>
-              <a:rPr lang="es-ES" b="1" i="0" dirty="0" err="1">
-                <a:solidFill>
-                  <a:srgbClr val="0D0D0D"/>
-                </a:solidFill>
-                <a:effectLst/>
-                <a:highlight>
-                  <a:srgbClr val="FFFFFF"/>
-                </a:highlight>
-                <a:latin typeface="Söhne"/>
-              </a:rPr>
-              <a:t>Model</a:t>
-            </a:r>
-            <a:r>
-              <a:rPr lang="es-ES" b="1" i="0" dirty="0">
-                <a:solidFill>
-                  <a:srgbClr val="0D0D0D"/>
-                </a:solidFill>
-                <a:effectLst/>
-                <a:highlight>
-                  <a:srgbClr val="FFFFFF"/>
-                </a:highlight>
-                <a:latin typeface="Söhne"/>
-              </a:rPr>
-              <a:t> </a:t>
-            </a:r>
-            <a:r>
-              <a:rPr lang="es-ES" b="1" i="0" dirty="0" err="1">
-                <a:solidFill>
-                  <a:srgbClr val="0D0D0D"/>
-                </a:solidFill>
-                <a:effectLst/>
-                <a:highlight>
-                  <a:srgbClr val="FFFFFF"/>
-                </a:highlight>
-                <a:latin typeface="Söhne"/>
-              </a:rPr>
-              <a:t>for</a:t>
-            </a:r>
-            <a:r>
-              <a:rPr lang="es-ES" b="1" i="0" dirty="0">
-                <a:solidFill>
-                  <a:srgbClr val="0D0D0D"/>
-                </a:solidFill>
-                <a:effectLst/>
-                <a:highlight>
-                  <a:srgbClr val="FFFFFF"/>
-                </a:highlight>
-                <a:latin typeface="Söhne"/>
-              </a:rPr>
-              <a:t> </a:t>
-            </a:r>
-            <a:r>
-              <a:rPr lang="es-ES" b="1" i="0" dirty="0" err="1">
-                <a:solidFill>
-                  <a:srgbClr val="0D0D0D"/>
-                </a:solidFill>
-                <a:effectLst/>
-                <a:highlight>
-                  <a:srgbClr val="FFFFFF"/>
-                </a:highlight>
-                <a:latin typeface="Söhne"/>
-              </a:rPr>
-              <a:t>Efficient</a:t>
-            </a:r>
-            <a:r>
-              <a:rPr lang="es-ES" b="1" i="0" dirty="0">
-                <a:solidFill>
-                  <a:srgbClr val="0D0D0D"/>
-                </a:solidFill>
-                <a:effectLst/>
-                <a:highlight>
-                  <a:srgbClr val="FFFFFF"/>
-                </a:highlight>
-                <a:latin typeface="Söhne"/>
-              </a:rPr>
-              <a:t> Video </a:t>
-            </a:r>
-            <a:r>
-              <a:rPr lang="es-ES" b="1" i="0" dirty="0" err="1">
-                <a:solidFill>
-                  <a:srgbClr val="0D0D0D"/>
-                </a:solidFill>
-                <a:effectLst/>
-                <a:highlight>
-                  <a:srgbClr val="FFFFFF"/>
-                </a:highlight>
-                <a:latin typeface="Söhne"/>
-              </a:rPr>
-              <a:t>Understanding</a:t>
-            </a:r>
-            <a:r>
-              <a:rPr lang="es-ES" b="0" i="0" dirty="0">
-                <a:solidFill>
-                  <a:srgbClr val="0D0D0D"/>
-                </a:solidFill>
-                <a:effectLst/>
-                <a:highlight>
-                  <a:srgbClr val="FFFFFF"/>
-                </a:highlight>
-                <a:latin typeface="Söhne"/>
-              </a:rPr>
-              <a:t>. </a:t>
-            </a:r>
-            <a:r>
-              <a:rPr lang="es-ES" b="0" i="0" dirty="0" err="1">
-                <a:solidFill>
-                  <a:srgbClr val="0D0D0D"/>
-                </a:solidFill>
-                <a:effectLst/>
-                <a:highlight>
-                  <a:srgbClr val="FFFFFF"/>
-                </a:highlight>
-                <a:latin typeface="Söhne"/>
-              </a:rPr>
-              <a:t>arXiv</a:t>
-            </a:r>
-            <a:r>
-              <a:rPr lang="es-ES" b="0" i="0" dirty="0">
-                <a:solidFill>
-                  <a:srgbClr val="0D0D0D"/>
-                </a:solidFill>
-                <a:effectLst/>
-                <a:highlight>
-                  <a:srgbClr val="FFFFFF"/>
-                </a:highlight>
-                <a:latin typeface="Söhne"/>
-              </a:rPr>
-              <a:t> </a:t>
-            </a:r>
-            <a:r>
-              <a:rPr lang="es-ES" b="0" i="0" dirty="0" err="1">
-                <a:solidFill>
-                  <a:srgbClr val="0D0D0D"/>
-                </a:solidFill>
-                <a:effectLst/>
-                <a:highlight>
-                  <a:srgbClr val="FFFFFF"/>
-                </a:highlight>
-                <a:latin typeface="Söhne"/>
-              </a:rPr>
-              <a:t>preprint</a:t>
-            </a:r>
-            <a:r>
-              <a:rPr lang="es-ES" b="0" i="0" dirty="0">
-                <a:solidFill>
-                  <a:srgbClr val="0D0D0D"/>
-                </a:solidFill>
-                <a:effectLst/>
-                <a:highlight>
-                  <a:srgbClr val="FFFFFF"/>
-                </a:highlight>
-                <a:latin typeface="Söhne"/>
-              </a:rPr>
-              <a:t> arXiv:2403.06977 [cs.CV].</a:t>
-            </a:r>
-          </a:p>
-          <a:p>
-            <a:pPr marL="0" indent="0">
-              <a:buNone/>
-            </a:pPr>
-            <a:endParaRPr lang="es-ES" dirty="0">
-              <a:solidFill>
-                <a:srgbClr val="0D0D0D"/>
-              </a:solidFill>
-              <a:highlight>
-                <a:srgbClr val="FFFFFF"/>
-              </a:highlight>
-              <a:latin typeface="Söhne"/>
-            </a:endParaRPr>
-          </a:p>
-          <a:p>
-            <a:pPr marL="0" indent="0">
-              <a:buNone/>
-            </a:pPr>
-            <a:r>
-              <a:rPr lang="es-ES" sz="2800" dirty="0" err="1"/>
-              <a:t>AICoffeeBreak</a:t>
-            </a:r>
-            <a:r>
-              <a:rPr lang="en-US" sz="2800" b="0" i="0" dirty="0">
-                <a:solidFill>
-                  <a:srgbClr val="333333"/>
-                </a:solidFill>
-                <a:effectLst/>
-                <a:highlight>
-                  <a:srgbClr val="FFFFFF"/>
-                </a:highlight>
-                <a:latin typeface="Roboto" panose="02000000000000000000" pitchFamily="2" charset="0"/>
-              </a:rPr>
-              <a:t>, (2024, April 08). </a:t>
-            </a:r>
-            <a:r>
-              <a:rPr lang="en-US" sz="2800" b="1" i="1" dirty="0">
-                <a:solidFill>
-                  <a:srgbClr val="333333"/>
-                </a:solidFill>
-                <a:effectLst/>
-                <a:highlight>
-                  <a:srgbClr val="FFFFFF"/>
-                </a:highlight>
-                <a:latin typeface="Roboto" panose="02000000000000000000" pitchFamily="2" charset="0"/>
-              </a:rPr>
-              <a:t>MAMBA and State Space Models explained | SSM explained </a:t>
-            </a:r>
-            <a:r>
-              <a:rPr lang="en-US" sz="2800" b="0" i="0" dirty="0">
-                <a:solidFill>
-                  <a:srgbClr val="333333"/>
-                </a:solidFill>
-                <a:effectLst/>
-                <a:highlight>
-                  <a:srgbClr val="FFFFFF"/>
-                </a:highlight>
-                <a:latin typeface="Roboto" panose="02000000000000000000" pitchFamily="2" charset="0"/>
-              </a:rPr>
-              <a:t>[Video]. YouTube. URL: https://rb.gy/phwzer</a:t>
-            </a:r>
-            <a:endParaRPr lang="es-ES" dirty="0">
-              <a:solidFill>
-                <a:srgbClr val="0D0D0D"/>
-              </a:solidFill>
-              <a:highlight>
-                <a:srgbClr val="FFFFFF"/>
-              </a:highlight>
-              <a:latin typeface="Söhne"/>
-            </a:endParaRPr>
-          </a:p>
-          <a:p>
-            <a:pPr marL="0" indent="0">
-              <a:buNone/>
-            </a:pPr>
-            <a:endParaRPr lang="es-ES" dirty="0"/>
-          </a:p>
-        </p:txBody>
-      </p:sp>
-    </p:spTree>
-    <p:custDataLst>
-      <p:tags r:id="rId1"/>
-    </p:custDataLst>
-    <p:extLst>
-      <p:ext uri="{BB962C8B-B14F-4D97-AF65-F5344CB8AC3E}">
-        <p14:creationId xmlns:p14="http://schemas.microsoft.com/office/powerpoint/2010/main" val="985659010"/>
       </p:ext>
     </p:extLst>
   </p:cSld>
@@ -10791,7 +12115,7 @@
           <p:nvPr/>
         </p:nvPicPr>
         <p:blipFill>
-          <a:blip r:embed="rId3"/>
+          <a:blip r:embed="rId4"/>
           <a:stretch>
             <a:fillRect/>
           </a:stretch>
@@ -10813,6 +12137,937 @@
     <p:extLst>
       <p:ext uri="{BB962C8B-B14F-4D97-AF65-F5344CB8AC3E}">
         <p14:creationId xmlns:p14="http://schemas.microsoft.com/office/powerpoint/2010/main" val="3682051406"/>
+      </p:ext>
+    </p:extLst>
+  </p:cSld>
+  <p:clrMapOvr>
+    <a:masterClrMapping/>
+  </p:clrMapOvr>
+</p:sld>
+</file>
+
+<file path=ppt/slides/slide20.xml><?xml version="1.0" encoding="utf-8"?>
+<p:sld xmlns:a="http://schemas.openxmlformats.org/drawingml/2006/main" xmlns:r="http://schemas.openxmlformats.org/officeDocument/2006/relationships" xmlns:p="http://schemas.openxmlformats.org/presentationml/2006/main">
+  <p:cSld>
+    <p:spTree>
+      <p:nvGrpSpPr>
+        <p:cNvPr id="1" name=""/>
+        <p:cNvGrpSpPr/>
+        <p:nvPr/>
+      </p:nvGrpSpPr>
+      <p:grpSpPr>
+        <a:xfrm>
+          <a:off x="0" y="0"/>
+          <a:ext cx="0" cy="0"/>
+          <a:chOff x="0" y="0"/>
+          <a:chExt cx="0" cy="0"/>
+        </a:xfrm>
+      </p:grpSpPr>
+      <p:sp>
+        <p:nvSpPr>
+          <p:cNvPr id="2" name="Título 1">
+            <a:extLst>
+              <a:ext uri="{FF2B5EF4-FFF2-40B4-BE49-F238E27FC236}">
+                <a16:creationId xmlns:a16="http://schemas.microsoft.com/office/drawing/2014/main" id="{9D0E1D67-4E0D-C526-C314-2F86DE0AD452}"/>
+              </a:ext>
+            </a:extLst>
+          </p:cNvPr>
+          <p:cNvSpPr>
+            <a:spLocks noGrp="1"/>
+          </p:cNvSpPr>
+          <p:nvPr>
+            <p:ph type="title"/>
+          </p:nvPr>
+        </p:nvSpPr>
+        <p:spPr/>
+        <p:txBody>
+          <a:bodyPr/>
+          <a:lstStyle/>
+          <a:p>
+            <a:r>
+              <a:rPr lang="es-ES" dirty="0" err="1"/>
+              <a:t>References</a:t>
+            </a:r>
+            <a:endParaRPr lang="es-ES" dirty="0"/>
+          </a:p>
+        </p:txBody>
+      </p:sp>
+      <p:sp>
+        <p:nvSpPr>
+          <p:cNvPr id="3" name="Marcador de contenido 2">
+            <a:extLst>
+              <a:ext uri="{FF2B5EF4-FFF2-40B4-BE49-F238E27FC236}">
+                <a16:creationId xmlns:a16="http://schemas.microsoft.com/office/drawing/2014/main" id="{2E131C5B-70D7-AB81-443C-C484EED6A420}"/>
+              </a:ext>
+            </a:extLst>
+          </p:cNvPr>
+          <p:cNvSpPr>
+            <a:spLocks noGrp="1"/>
+          </p:cNvSpPr>
+          <p:nvPr>
+            <p:ph idx="1"/>
+          </p:nvPr>
+        </p:nvSpPr>
+        <p:spPr/>
+        <p:txBody>
+          <a:bodyPr>
+            <a:normAutofit fontScale="85000" lnSpcReduction="20000"/>
+          </a:bodyPr>
+          <a:lstStyle/>
+          <a:p>
+            <a:pPr marL="0" indent="0">
+              <a:buNone/>
+            </a:pPr>
+            <a:r>
+              <a:rPr lang="es-ES" b="0" i="0" dirty="0">
+                <a:solidFill>
+                  <a:srgbClr val="0D0D0D"/>
+                </a:solidFill>
+                <a:effectLst/>
+                <a:highlight>
+                  <a:srgbClr val="FFFFFF"/>
+                </a:highlight>
+                <a:latin typeface="Söhne"/>
+              </a:rPr>
+              <a:t>Zhu, L., </a:t>
+            </a:r>
+            <a:r>
+              <a:rPr lang="es-ES" b="0" i="0" dirty="0" err="1">
+                <a:solidFill>
+                  <a:srgbClr val="0D0D0D"/>
+                </a:solidFill>
+                <a:effectLst/>
+                <a:highlight>
+                  <a:srgbClr val="FFFFFF"/>
+                </a:highlight>
+                <a:latin typeface="Söhne"/>
+              </a:rPr>
+              <a:t>Liao</a:t>
+            </a:r>
+            <a:r>
+              <a:rPr lang="es-ES" b="0" i="0" dirty="0">
+                <a:solidFill>
+                  <a:srgbClr val="0D0D0D"/>
+                </a:solidFill>
+                <a:effectLst/>
+                <a:highlight>
+                  <a:srgbClr val="FFFFFF"/>
+                </a:highlight>
+                <a:latin typeface="Söhne"/>
+              </a:rPr>
+              <a:t>, B., Zhang, Q., Wang, X., Liu, W., &amp; Wang, X. (2024). </a:t>
+            </a:r>
+            <a:r>
+              <a:rPr lang="es-ES" b="1" i="0" dirty="0" err="1">
+                <a:solidFill>
+                  <a:srgbClr val="0D0D0D"/>
+                </a:solidFill>
+                <a:effectLst/>
+                <a:highlight>
+                  <a:srgbClr val="FFFFFF"/>
+                </a:highlight>
+                <a:latin typeface="Söhne"/>
+              </a:rPr>
+              <a:t>Vision</a:t>
+            </a:r>
+            <a:r>
+              <a:rPr lang="es-ES" b="1" i="0" dirty="0">
+                <a:solidFill>
+                  <a:srgbClr val="0D0D0D"/>
+                </a:solidFill>
+                <a:effectLst/>
+                <a:highlight>
+                  <a:srgbClr val="FFFFFF"/>
+                </a:highlight>
+                <a:latin typeface="Söhne"/>
+              </a:rPr>
+              <a:t> Mamba: </a:t>
+            </a:r>
+            <a:r>
+              <a:rPr lang="es-ES" b="1" i="0" dirty="0" err="1">
+                <a:solidFill>
+                  <a:srgbClr val="0D0D0D"/>
+                </a:solidFill>
+                <a:effectLst/>
+                <a:highlight>
+                  <a:srgbClr val="FFFFFF"/>
+                </a:highlight>
+                <a:latin typeface="Söhne"/>
+              </a:rPr>
+              <a:t>Efficient</a:t>
+            </a:r>
+            <a:r>
+              <a:rPr lang="es-ES" b="1" i="0" dirty="0">
+                <a:solidFill>
+                  <a:srgbClr val="0D0D0D"/>
+                </a:solidFill>
+                <a:effectLst/>
+                <a:highlight>
+                  <a:srgbClr val="FFFFFF"/>
+                </a:highlight>
+                <a:latin typeface="Söhne"/>
+              </a:rPr>
+              <a:t> Visual </a:t>
+            </a:r>
+            <a:r>
+              <a:rPr lang="es-ES" b="1" i="0" dirty="0" err="1">
+                <a:solidFill>
+                  <a:srgbClr val="0D0D0D"/>
+                </a:solidFill>
+                <a:effectLst/>
+                <a:highlight>
+                  <a:srgbClr val="FFFFFF"/>
+                </a:highlight>
+                <a:latin typeface="Söhne"/>
+              </a:rPr>
+              <a:t>Representation</a:t>
+            </a:r>
+            <a:r>
+              <a:rPr lang="es-ES" b="1" i="0" dirty="0">
+                <a:solidFill>
+                  <a:srgbClr val="0D0D0D"/>
+                </a:solidFill>
+                <a:effectLst/>
+                <a:highlight>
+                  <a:srgbClr val="FFFFFF"/>
+                </a:highlight>
+                <a:latin typeface="Söhne"/>
+              </a:rPr>
+              <a:t> </a:t>
+            </a:r>
+            <a:r>
+              <a:rPr lang="es-ES" b="1" i="0" dirty="0" err="1">
+                <a:solidFill>
+                  <a:srgbClr val="0D0D0D"/>
+                </a:solidFill>
+                <a:effectLst/>
+                <a:highlight>
+                  <a:srgbClr val="FFFFFF"/>
+                </a:highlight>
+                <a:latin typeface="Söhne"/>
+              </a:rPr>
+              <a:t>Learning</a:t>
+            </a:r>
+            <a:r>
+              <a:rPr lang="es-ES" b="1" i="0" dirty="0">
+                <a:solidFill>
+                  <a:srgbClr val="0D0D0D"/>
+                </a:solidFill>
+                <a:effectLst/>
+                <a:highlight>
+                  <a:srgbClr val="FFFFFF"/>
+                </a:highlight>
+                <a:latin typeface="Söhne"/>
+              </a:rPr>
+              <a:t> </a:t>
+            </a:r>
+            <a:r>
+              <a:rPr lang="es-ES" b="1" i="0" dirty="0" err="1">
+                <a:solidFill>
+                  <a:srgbClr val="0D0D0D"/>
+                </a:solidFill>
+                <a:effectLst/>
+                <a:highlight>
+                  <a:srgbClr val="FFFFFF"/>
+                </a:highlight>
+                <a:latin typeface="Söhne"/>
+              </a:rPr>
+              <a:t>with</a:t>
+            </a:r>
+            <a:r>
+              <a:rPr lang="es-ES" b="1" i="0" dirty="0">
+                <a:solidFill>
+                  <a:srgbClr val="0D0D0D"/>
+                </a:solidFill>
+                <a:effectLst/>
+                <a:highlight>
+                  <a:srgbClr val="FFFFFF"/>
+                </a:highlight>
+                <a:latin typeface="Söhne"/>
+              </a:rPr>
+              <a:t> </a:t>
+            </a:r>
+            <a:r>
+              <a:rPr lang="es-ES" b="1" i="0" dirty="0" err="1">
+                <a:solidFill>
+                  <a:srgbClr val="0D0D0D"/>
+                </a:solidFill>
+                <a:effectLst/>
+                <a:highlight>
+                  <a:srgbClr val="FFFFFF"/>
+                </a:highlight>
+                <a:latin typeface="Söhne"/>
+              </a:rPr>
+              <a:t>Bidirectional</a:t>
+            </a:r>
+            <a:r>
+              <a:rPr lang="es-ES" b="1" i="0" dirty="0">
+                <a:solidFill>
+                  <a:srgbClr val="0D0D0D"/>
+                </a:solidFill>
+                <a:effectLst/>
+                <a:highlight>
+                  <a:srgbClr val="FFFFFF"/>
+                </a:highlight>
+                <a:latin typeface="Söhne"/>
+              </a:rPr>
+              <a:t> </a:t>
+            </a:r>
+            <a:r>
+              <a:rPr lang="es-ES" b="1" i="0" dirty="0" err="1">
+                <a:solidFill>
+                  <a:srgbClr val="0D0D0D"/>
+                </a:solidFill>
+                <a:effectLst/>
+                <a:highlight>
+                  <a:srgbClr val="FFFFFF"/>
+                </a:highlight>
+                <a:latin typeface="Söhne"/>
+              </a:rPr>
+              <a:t>State</a:t>
+            </a:r>
+            <a:r>
+              <a:rPr lang="es-ES" b="1" i="0" dirty="0">
+                <a:solidFill>
+                  <a:srgbClr val="0D0D0D"/>
+                </a:solidFill>
+                <a:effectLst/>
+                <a:highlight>
+                  <a:srgbClr val="FFFFFF"/>
+                </a:highlight>
+                <a:latin typeface="Söhne"/>
+              </a:rPr>
+              <a:t> </a:t>
+            </a:r>
+            <a:r>
+              <a:rPr lang="es-ES" b="1" i="0" dirty="0" err="1">
+                <a:solidFill>
+                  <a:srgbClr val="0D0D0D"/>
+                </a:solidFill>
+                <a:effectLst/>
+                <a:highlight>
+                  <a:srgbClr val="FFFFFF"/>
+                </a:highlight>
+                <a:latin typeface="Söhne"/>
+              </a:rPr>
+              <a:t>Space</a:t>
+            </a:r>
+            <a:r>
+              <a:rPr lang="es-ES" b="1" i="0" dirty="0">
+                <a:solidFill>
+                  <a:srgbClr val="0D0D0D"/>
+                </a:solidFill>
+                <a:effectLst/>
+                <a:highlight>
+                  <a:srgbClr val="FFFFFF"/>
+                </a:highlight>
+                <a:latin typeface="Söhne"/>
+              </a:rPr>
+              <a:t> </a:t>
+            </a:r>
+            <a:r>
+              <a:rPr lang="es-ES" b="1" i="0" dirty="0" err="1">
+                <a:solidFill>
+                  <a:srgbClr val="0D0D0D"/>
+                </a:solidFill>
+                <a:effectLst/>
+                <a:highlight>
+                  <a:srgbClr val="FFFFFF"/>
+                </a:highlight>
+                <a:latin typeface="Söhne"/>
+              </a:rPr>
+              <a:t>Model</a:t>
+            </a:r>
+            <a:r>
+              <a:rPr lang="es-ES" b="0" i="0" dirty="0">
+                <a:solidFill>
+                  <a:srgbClr val="0D0D0D"/>
+                </a:solidFill>
+                <a:effectLst/>
+                <a:highlight>
+                  <a:srgbClr val="FFFFFF"/>
+                </a:highlight>
+                <a:latin typeface="Söhne"/>
+              </a:rPr>
+              <a:t>. </a:t>
+            </a:r>
+            <a:r>
+              <a:rPr lang="es-ES" b="0" i="0" dirty="0" err="1">
+                <a:solidFill>
+                  <a:srgbClr val="0D0D0D"/>
+                </a:solidFill>
+                <a:effectLst/>
+                <a:highlight>
+                  <a:srgbClr val="FFFFFF"/>
+                </a:highlight>
+                <a:latin typeface="Söhne"/>
+              </a:rPr>
+              <a:t>arXiv</a:t>
+            </a:r>
+            <a:r>
+              <a:rPr lang="es-ES" b="0" i="0" dirty="0">
+                <a:solidFill>
+                  <a:srgbClr val="0D0D0D"/>
+                </a:solidFill>
+                <a:effectLst/>
+                <a:highlight>
+                  <a:srgbClr val="FFFFFF"/>
+                </a:highlight>
+                <a:latin typeface="Söhne"/>
+              </a:rPr>
+              <a:t> </a:t>
+            </a:r>
+            <a:r>
+              <a:rPr lang="es-ES" b="0" i="0" dirty="0" err="1">
+                <a:solidFill>
+                  <a:srgbClr val="0D0D0D"/>
+                </a:solidFill>
+                <a:effectLst/>
+                <a:highlight>
+                  <a:srgbClr val="FFFFFF"/>
+                </a:highlight>
+                <a:latin typeface="Söhne"/>
+              </a:rPr>
+              <a:t>preprint</a:t>
+            </a:r>
+            <a:r>
+              <a:rPr lang="es-ES" b="0" i="0" dirty="0">
+                <a:solidFill>
+                  <a:srgbClr val="0D0D0D"/>
+                </a:solidFill>
+                <a:effectLst/>
+                <a:highlight>
+                  <a:srgbClr val="FFFFFF"/>
+                </a:highlight>
+                <a:latin typeface="Söhne"/>
+              </a:rPr>
+              <a:t> arXiv:2401.09417 [cs.CV].</a:t>
+            </a:r>
+          </a:p>
+          <a:p>
+            <a:pPr marL="0" indent="0">
+              <a:buNone/>
+            </a:pPr>
+            <a:endParaRPr lang="es-ES" dirty="0">
+              <a:solidFill>
+                <a:srgbClr val="0D0D0D"/>
+              </a:solidFill>
+              <a:highlight>
+                <a:srgbClr val="FFFFFF"/>
+              </a:highlight>
+              <a:latin typeface="Söhne"/>
+            </a:endParaRPr>
+          </a:p>
+          <a:p>
+            <a:pPr marL="0" indent="0">
+              <a:buNone/>
+            </a:pPr>
+            <a:r>
+              <a:rPr lang="en-US" b="0" i="0" dirty="0">
+                <a:solidFill>
+                  <a:srgbClr val="0D0D0D"/>
+                </a:solidFill>
+                <a:effectLst/>
+                <a:highlight>
+                  <a:srgbClr val="FFFFFF"/>
+                </a:highlight>
+                <a:latin typeface="Söhne"/>
+              </a:rPr>
+              <a:t>Gu, A., &amp; Dao, T. (2023). </a:t>
+            </a:r>
+            <a:r>
+              <a:rPr lang="en-US" b="1" i="0" dirty="0">
+                <a:solidFill>
+                  <a:srgbClr val="0D0D0D"/>
+                </a:solidFill>
+                <a:effectLst/>
+                <a:highlight>
+                  <a:srgbClr val="FFFFFF"/>
+                </a:highlight>
+                <a:latin typeface="Söhne"/>
+              </a:rPr>
+              <a:t>Mamba: Linear-Time Sequence Modeling with Selective State Spaces</a:t>
+            </a:r>
+            <a:r>
+              <a:rPr lang="en-US" b="0" i="0" dirty="0">
+                <a:solidFill>
+                  <a:srgbClr val="0D0D0D"/>
+                </a:solidFill>
+                <a:effectLst/>
+                <a:highlight>
+                  <a:srgbClr val="FFFFFF"/>
+                </a:highlight>
+                <a:latin typeface="Söhne"/>
+              </a:rPr>
+              <a:t>. </a:t>
+            </a:r>
+            <a:r>
+              <a:rPr lang="en-US" b="0" i="0" dirty="0" err="1">
+                <a:solidFill>
+                  <a:srgbClr val="0D0D0D"/>
+                </a:solidFill>
+                <a:effectLst/>
+                <a:highlight>
+                  <a:srgbClr val="FFFFFF"/>
+                </a:highlight>
+                <a:latin typeface="Söhne"/>
+              </a:rPr>
+              <a:t>arXiv</a:t>
+            </a:r>
+            <a:r>
+              <a:rPr lang="en-US" b="0" i="0" dirty="0">
+                <a:solidFill>
+                  <a:srgbClr val="0D0D0D"/>
+                </a:solidFill>
+                <a:effectLst/>
+                <a:highlight>
+                  <a:srgbClr val="FFFFFF"/>
+                </a:highlight>
+                <a:latin typeface="Söhne"/>
+              </a:rPr>
+              <a:t> preprint arXiv:2312.00752 [</a:t>
+            </a:r>
+            <a:r>
+              <a:rPr lang="en-US" b="0" i="0" dirty="0" err="1">
+                <a:solidFill>
+                  <a:srgbClr val="0D0D0D"/>
+                </a:solidFill>
+                <a:effectLst/>
+                <a:highlight>
+                  <a:srgbClr val="FFFFFF"/>
+                </a:highlight>
+                <a:latin typeface="Söhne"/>
+              </a:rPr>
+              <a:t>cs.LG</a:t>
+            </a:r>
+            <a:r>
+              <a:rPr lang="en-US" b="0" i="0" dirty="0">
+                <a:solidFill>
+                  <a:srgbClr val="0D0D0D"/>
+                </a:solidFill>
+                <a:effectLst/>
+                <a:highlight>
+                  <a:srgbClr val="FFFFFF"/>
+                </a:highlight>
+                <a:latin typeface="Söhne"/>
+              </a:rPr>
+              <a:t>].</a:t>
+            </a:r>
+            <a:endParaRPr lang="es-ES" b="0" i="0" dirty="0">
+              <a:solidFill>
+                <a:srgbClr val="0D0D0D"/>
+              </a:solidFill>
+              <a:effectLst/>
+              <a:highlight>
+                <a:srgbClr val="FFFFFF"/>
+              </a:highlight>
+              <a:latin typeface="Söhne"/>
+            </a:endParaRPr>
+          </a:p>
+          <a:p>
+            <a:pPr marL="0" indent="0">
+              <a:buNone/>
+            </a:pPr>
+            <a:endParaRPr lang="es-ES" dirty="0">
+              <a:solidFill>
+                <a:srgbClr val="0D0D0D"/>
+              </a:solidFill>
+              <a:highlight>
+                <a:srgbClr val="FFFFFF"/>
+              </a:highlight>
+              <a:latin typeface="Söhne"/>
+            </a:endParaRPr>
+          </a:p>
+          <a:p>
+            <a:pPr marL="0" indent="0">
+              <a:buNone/>
+            </a:pPr>
+            <a:r>
+              <a:rPr lang="es-ES" b="0" i="0" dirty="0">
+                <a:solidFill>
+                  <a:srgbClr val="0D0D0D"/>
+                </a:solidFill>
+                <a:effectLst/>
+                <a:highlight>
+                  <a:srgbClr val="FFFFFF"/>
+                </a:highlight>
+                <a:latin typeface="Söhne"/>
+              </a:rPr>
+              <a:t>Li, K., Li, X., Wang, Y., He, Y., Wang, Y., Wang, L., &amp; </a:t>
+            </a:r>
+            <a:r>
+              <a:rPr lang="es-ES" b="0" i="0" dirty="0" err="1">
+                <a:solidFill>
+                  <a:srgbClr val="0D0D0D"/>
+                </a:solidFill>
+                <a:effectLst/>
+                <a:highlight>
+                  <a:srgbClr val="FFFFFF"/>
+                </a:highlight>
+                <a:latin typeface="Söhne"/>
+              </a:rPr>
+              <a:t>Qiao</a:t>
+            </a:r>
+            <a:r>
+              <a:rPr lang="es-ES" b="0" i="0" dirty="0">
+                <a:solidFill>
+                  <a:srgbClr val="0D0D0D"/>
+                </a:solidFill>
+                <a:effectLst/>
+                <a:highlight>
+                  <a:srgbClr val="FFFFFF"/>
+                </a:highlight>
+                <a:latin typeface="Söhne"/>
+              </a:rPr>
+              <a:t>, Y. (</a:t>
+            </a:r>
+            <a:r>
+              <a:rPr lang="es-ES" b="0" i="0" dirty="0" err="1">
+                <a:solidFill>
+                  <a:srgbClr val="0D0D0D"/>
+                </a:solidFill>
+                <a:effectLst/>
+                <a:highlight>
+                  <a:srgbClr val="FFFFFF"/>
+                </a:highlight>
+                <a:latin typeface="Söhne"/>
+              </a:rPr>
+              <a:t>Year</a:t>
+            </a:r>
+            <a:r>
+              <a:rPr lang="es-ES" b="0" i="0" dirty="0">
+                <a:solidFill>
+                  <a:srgbClr val="0D0D0D"/>
+                </a:solidFill>
+                <a:effectLst/>
+                <a:highlight>
+                  <a:srgbClr val="FFFFFF"/>
+                </a:highlight>
+                <a:latin typeface="Söhne"/>
+              </a:rPr>
+              <a:t>). </a:t>
+            </a:r>
+            <a:r>
+              <a:rPr lang="es-ES" b="1" i="0" dirty="0" err="1">
+                <a:solidFill>
+                  <a:srgbClr val="0D0D0D"/>
+                </a:solidFill>
+                <a:effectLst/>
+                <a:highlight>
+                  <a:srgbClr val="FFFFFF"/>
+                </a:highlight>
+                <a:latin typeface="Söhne"/>
+              </a:rPr>
+              <a:t>VideoMamba</a:t>
+            </a:r>
+            <a:r>
+              <a:rPr lang="es-ES" b="1" i="0" dirty="0">
+                <a:solidFill>
+                  <a:srgbClr val="0D0D0D"/>
+                </a:solidFill>
+                <a:effectLst/>
+                <a:highlight>
+                  <a:srgbClr val="FFFFFF"/>
+                </a:highlight>
+                <a:latin typeface="Söhne"/>
+              </a:rPr>
+              <a:t>: </a:t>
+            </a:r>
+            <a:r>
+              <a:rPr lang="es-ES" b="1" i="0" dirty="0" err="1">
+                <a:solidFill>
+                  <a:srgbClr val="0D0D0D"/>
+                </a:solidFill>
+                <a:effectLst/>
+                <a:highlight>
+                  <a:srgbClr val="FFFFFF"/>
+                </a:highlight>
+                <a:latin typeface="Söhne"/>
+              </a:rPr>
+              <a:t>State</a:t>
+            </a:r>
+            <a:r>
+              <a:rPr lang="es-ES" b="1" i="0" dirty="0">
+                <a:solidFill>
+                  <a:srgbClr val="0D0D0D"/>
+                </a:solidFill>
+                <a:effectLst/>
+                <a:highlight>
+                  <a:srgbClr val="FFFFFF"/>
+                </a:highlight>
+                <a:latin typeface="Söhne"/>
+              </a:rPr>
+              <a:t> </a:t>
+            </a:r>
+            <a:r>
+              <a:rPr lang="es-ES" b="1" i="0" dirty="0" err="1">
+                <a:solidFill>
+                  <a:srgbClr val="0D0D0D"/>
+                </a:solidFill>
+                <a:effectLst/>
+                <a:highlight>
+                  <a:srgbClr val="FFFFFF"/>
+                </a:highlight>
+                <a:latin typeface="Söhne"/>
+              </a:rPr>
+              <a:t>Space</a:t>
+            </a:r>
+            <a:r>
+              <a:rPr lang="es-ES" b="1" i="0" dirty="0">
+                <a:solidFill>
+                  <a:srgbClr val="0D0D0D"/>
+                </a:solidFill>
+                <a:effectLst/>
+                <a:highlight>
+                  <a:srgbClr val="FFFFFF"/>
+                </a:highlight>
+                <a:latin typeface="Söhne"/>
+              </a:rPr>
+              <a:t> </a:t>
+            </a:r>
+            <a:r>
+              <a:rPr lang="es-ES" b="1" i="0" dirty="0" err="1">
+                <a:solidFill>
+                  <a:srgbClr val="0D0D0D"/>
+                </a:solidFill>
+                <a:effectLst/>
+                <a:highlight>
+                  <a:srgbClr val="FFFFFF"/>
+                </a:highlight>
+                <a:latin typeface="Söhne"/>
+              </a:rPr>
+              <a:t>Model</a:t>
+            </a:r>
+            <a:r>
+              <a:rPr lang="es-ES" b="1" i="0" dirty="0">
+                <a:solidFill>
+                  <a:srgbClr val="0D0D0D"/>
+                </a:solidFill>
+                <a:effectLst/>
+                <a:highlight>
+                  <a:srgbClr val="FFFFFF"/>
+                </a:highlight>
+                <a:latin typeface="Söhne"/>
+              </a:rPr>
+              <a:t> </a:t>
+            </a:r>
+            <a:r>
+              <a:rPr lang="es-ES" b="1" i="0" dirty="0" err="1">
+                <a:solidFill>
+                  <a:srgbClr val="0D0D0D"/>
+                </a:solidFill>
+                <a:effectLst/>
+                <a:highlight>
+                  <a:srgbClr val="FFFFFF"/>
+                </a:highlight>
+                <a:latin typeface="Söhne"/>
+              </a:rPr>
+              <a:t>for</a:t>
+            </a:r>
+            <a:r>
+              <a:rPr lang="es-ES" b="1" i="0" dirty="0">
+                <a:solidFill>
+                  <a:srgbClr val="0D0D0D"/>
+                </a:solidFill>
+                <a:effectLst/>
+                <a:highlight>
+                  <a:srgbClr val="FFFFFF"/>
+                </a:highlight>
+                <a:latin typeface="Söhne"/>
+              </a:rPr>
+              <a:t> </a:t>
+            </a:r>
+            <a:r>
+              <a:rPr lang="es-ES" b="1" i="0" dirty="0" err="1">
+                <a:solidFill>
+                  <a:srgbClr val="0D0D0D"/>
+                </a:solidFill>
+                <a:effectLst/>
+                <a:highlight>
+                  <a:srgbClr val="FFFFFF"/>
+                </a:highlight>
+                <a:latin typeface="Söhne"/>
+              </a:rPr>
+              <a:t>Efficient</a:t>
+            </a:r>
+            <a:r>
+              <a:rPr lang="es-ES" b="1" i="0" dirty="0">
+                <a:solidFill>
+                  <a:srgbClr val="0D0D0D"/>
+                </a:solidFill>
+                <a:effectLst/>
+                <a:highlight>
+                  <a:srgbClr val="FFFFFF"/>
+                </a:highlight>
+                <a:latin typeface="Söhne"/>
+              </a:rPr>
+              <a:t> Video </a:t>
+            </a:r>
+            <a:r>
+              <a:rPr lang="es-ES" b="1" i="0" dirty="0" err="1">
+                <a:solidFill>
+                  <a:srgbClr val="0D0D0D"/>
+                </a:solidFill>
+                <a:effectLst/>
+                <a:highlight>
+                  <a:srgbClr val="FFFFFF"/>
+                </a:highlight>
+                <a:latin typeface="Söhne"/>
+              </a:rPr>
+              <a:t>Understanding</a:t>
+            </a:r>
+            <a:r>
+              <a:rPr lang="es-ES" b="0" i="0" dirty="0">
+                <a:solidFill>
+                  <a:srgbClr val="0D0D0D"/>
+                </a:solidFill>
+                <a:effectLst/>
+                <a:highlight>
+                  <a:srgbClr val="FFFFFF"/>
+                </a:highlight>
+                <a:latin typeface="Söhne"/>
+              </a:rPr>
+              <a:t>. </a:t>
+            </a:r>
+            <a:r>
+              <a:rPr lang="es-ES" b="0" i="0" dirty="0" err="1">
+                <a:solidFill>
+                  <a:srgbClr val="0D0D0D"/>
+                </a:solidFill>
+                <a:effectLst/>
+                <a:highlight>
+                  <a:srgbClr val="FFFFFF"/>
+                </a:highlight>
+                <a:latin typeface="Söhne"/>
+              </a:rPr>
+              <a:t>arXiv</a:t>
+            </a:r>
+            <a:r>
+              <a:rPr lang="es-ES" b="0" i="0" dirty="0">
+                <a:solidFill>
+                  <a:srgbClr val="0D0D0D"/>
+                </a:solidFill>
+                <a:effectLst/>
+                <a:highlight>
+                  <a:srgbClr val="FFFFFF"/>
+                </a:highlight>
+                <a:latin typeface="Söhne"/>
+              </a:rPr>
+              <a:t> </a:t>
+            </a:r>
+            <a:r>
+              <a:rPr lang="es-ES" b="0" i="0" dirty="0" err="1">
+                <a:solidFill>
+                  <a:srgbClr val="0D0D0D"/>
+                </a:solidFill>
+                <a:effectLst/>
+                <a:highlight>
+                  <a:srgbClr val="FFFFFF"/>
+                </a:highlight>
+                <a:latin typeface="Söhne"/>
+              </a:rPr>
+              <a:t>preprint</a:t>
+            </a:r>
+            <a:r>
+              <a:rPr lang="es-ES" b="0" i="0" dirty="0">
+                <a:solidFill>
+                  <a:srgbClr val="0D0D0D"/>
+                </a:solidFill>
+                <a:effectLst/>
+                <a:highlight>
+                  <a:srgbClr val="FFFFFF"/>
+                </a:highlight>
+                <a:latin typeface="Söhne"/>
+              </a:rPr>
+              <a:t> arXiv:2403.06977 [cs.CV].</a:t>
+            </a:r>
+          </a:p>
+          <a:p>
+            <a:pPr marL="0" indent="0">
+              <a:buNone/>
+            </a:pPr>
+            <a:endParaRPr lang="es-ES" dirty="0">
+              <a:solidFill>
+                <a:srgbClr val="0D0D0D"/>
+              </a:solidFill>
+              <a:highlight>
+                <a:srgbClr val="FFFFFF"/>
+              </a:highlight>
+              <a:latin typeface="Söhne"/>
+            </a:endParaRPr>
+          </a:p>
+          <a:p>
+            <a:pPr marL="0" indent="0">
+              <a:buNone/>
+            </a:pPr>
+            <a:r>
+              <a:rPr lang="es-ES" sz="2800" dirty="0" err="1"/>
+              <a:t>AICoffeeBreak</a:t>
+            </a:r>
+            <a:r>
+              <a:rPr lang="en-US" sz="2800" b="0" i="0" dirty="0">
+                <a:solidFill>
+                  <a:srgbClr val="333333"/>
+                </a:solidFill>
+                <a:effectLst/>
+                <a:highlight>
+                  <a:srgbClr val="FFFFFF"/>
+                </a:highlight>
+                <a:latin typeface="Roboto" panose="02000000000000000000" pitchFamily="2" charset="0"/>
+              </a:rPr>
+              <a:t>, (2024, April 08). </a:t>
+            </a:r>
+            <a:r>
+              <a:rPr lang="en-US" sz="2800" b="1" i="1" dirty="0">
+                <a:solidFill>
+                  <a:srgbClr val="333333"/>
+                </a:solidFill>
+                <a:effectLst/>
+                <a:highlight>
+                  <a:srgbClr val="FFFFFF"/>
+                </a:highlight>
+                <a:latin typeface="Roboto" panose="02000000000000000000" pitchFamily="2" charset="0"/>
+              </a:rPr>
+              <a:t>MAMBA and State Space Models explained | SSM explained </a:t>
+            </a:r>
+            <a:r>
+              <a:rPr lang="en-US" sz="2800" b="0" i="0" dirty="0">
+                <a:solidFill>
+                  <a:srgbClr val="333333"/>
+                </a:solidFill>
+                <a:effectLst/>
+                <a:highlight>
+                  <a:srgbClr val="FFFFFF"/>
+                </a:highlight>
+                <a:latin typeface="Roboto" panose="02000000000000000000" pitchFamily="2" charset="0"/>
+              </a:rPr>
+              <a:t>[Video]. YouTube. URL: https://rb.gy/phwzer</a:t>
+            </a:r>
+            <a:endParaRPr lang="es-ES" dirty="0">
+              <a:solidFill>
+                <a:srgbClr val="0D0D0D"/>
+              </a:solidFill>
+              <a:highlight>
+                <a:srgbClr val="FFFFFF"/>
+              </a:highlight>
+              <a:latin typeface="Söhne"/>
+            </a:endParaRPr>
+          </a:p>
+          <a:p>
+            <a:pPr marL="0" indent="0">
+              <a:buNone/>
+            </a:pPr>
+            <a:endParaRPr lang="es-ES" dirty="0"/>
+          </a:p>
+        </p:txBody>
+      </p:sp>
+    </p:spTree>
+    <p:custDataLst>
+      <p:tags r:id="rId1"/>
+    </p:custDataLst>
+    <p:extLst>
+      <p:ext uri="{BB962C8B-B14F-4D97-AF65-F5344CB8AC3E}">
+        <p14:creationId xmlns:p14="http://schemas.microsoft.com/office/powerpoint/2010/main" val="985659010"/>
       </p:ext>
     </p:extLst>
   </p:cSld>
@@ -10883,10 +13138,15 @@
             <p:ph idx="1"/>
           </p:nvPr>
         </p:nvSpPr>
-        <p:spPr/>
+        <p:spPr>
+          <a:xfrm>
+            <a:off x="838200" y="1731970"/>
+            <a:ext cx="10515600" cy="4444993"/>
+          </a:xfrm>
+        </p:spPr>
         <p:txBody>
           <a:bodyPr>
-            <a:normAutofit fontScale="92500" lnSpcReduction="10000"/>
+            <a:normAutofit/>
           </a:bodyPr>
           <a:lstStyle/>
           <a:p>
@@ -10977,12 +13237,6 @@
             <a:pPr marL="0" indent="0">
               <a:buNone/>
             </a:pPr>
-            <a:endParaRPr lang="es-ES" i="1" dirty="0"/>
-          </a:p>
-          <a:p>
-            <a:pPr marL="0" indent="0">
-              <a:buNone/>
-            </a:pPr>
             <a:r>
               <a:rPr lang="es-ES" b="1" dirty="0" err="1"/>
               <a:t>Learnable</a:t>
@@ -11017,14 +13271,8 @@
             </a:r>
             <a:r>
               <a:rPr lang="es-ES" dirty="0"/>
-              <a:t>)</a:t>
-            </a:r>
-          </a:p>
-          <a:p>
-            <a:pPr marL="0" indent="0">
-              <a:buNone/>
-            </a:pPr>
-            <a:endParaRPr lang="es-ES" dirty="0"/>
+              <a:t>), B, C</a:t>
+            </a:r>
           </a:p>
           <a:p>
             <a:pPr marL="0" indent="0">
@@ -11259,8 +13507,142 @@
         </p:blipFill>
         <p:spPr>
           <a:xfrm>
-            <a:off x="7108997" y="4890492"/>
+            <a:off x="1374824" y="5191362"/>
             <a:ext cx="3847450" cy="999903"/>
+          </a:xfrm>
+          <a:prstGeom prst="rect">
+            <a:avLst/>
+          </a:prstGeom>
+        </p:spPr>
+      </p:pic>
+      <p:sp>
+        <p:nvSpPr>
+          <p:cNvPr id="7" name="CuadroTexto 6">
+            <a:extLst>
+              <a:ext uri="{FF2B5EF4-FFF2-40B4-BE49-F238E27FC236}">
+                <a16:creationId xmlns:a16="http://schemas.microsoft.com/office/drawing/2014/main" id="{F5121A0B-F6D0-4930-FBD0-16BEA7758A5B}"/>
+              </a:ext>
+            </a:extLst>
+          </p:cNvPr>
+          <p:cNvSpPr txBox="1"/>
+          <p:nvPr/>
+        </p:nvSpPr>
+        <p:spPr>
+          <a:xfrm>
+            <a:off x="424632" y="6262042"/>
+            <a:ext cx="11066929" cy="461665"/>
+          </a:xfrm>
+          <a:prstGeom prst="rect">
+            <a:avLst/>
+          </a:prstGeom>
+          <a:noFill/>
+        </p:spPr>
+        <p:txBody>
+          <a:bodyPr wrap="square" rtlCol="0">
+            <a:spAutoFit/>
+          </a:bodyPr>
+          <a:lstStyle/>
+          <a:p>
+            <a:pPr algn="just"/>
+            <a:r>
+              <a:rPr lang="es-ES" sz="1200" dirty="0"/>
+              <a:t>*</a:t>
+            </a:r>
+            <a:r>
+              <a:rPr lang="es-ES" sz="1200" dirty="0" err="1"/>
+              <a:t>Images</a:t>
+            </a:r>
+            <a:r>
+              <a:rPr lang="es-ES" sz="1200" dirty="0"/>
+              <a:t>: </a:t>
+            </a:r>
+            <a:r>
+              <a:rPr lang="es-ES" sz="1200" dirty="0" err="1"/>
+              <a:t>AICoffeeBreak</a:t>
+            </a:r>
+            <a:r>
+              <a:rPr lang="en-US" sz="1200" b="0" i="0" dirty="0">
+                <a:solidFill>
+                  <a:srgbClr val="333333"/>
+                </a:solidFill>
+                <a:effectLst/>
+                <a:highlight>
+                  <a:srgbClr val="FFFFFF"/>
+                </a:highlight>
+                <a:latin typeface="Roboto" panose="02000000000000000000" pitchFamily="2" charset="0"/>
+              </a:rPr>
+              <a:t>, (2024, April 08). </a:t>
+            </a:r>
+            <a:r>
+              <a:rPr lang="en-US" sz="1200" b="0" i="1" dirty="0">
+                <a:solidFill>
+                  <a:srgbClr val="333333"/>
+                </a:solidFill>
+                <a:effectLst/>
+                <a:highlight>
+                  <a:srgbClr val="FFFFFF"/>
+                </a:highlight>
+                <a:latin typeface="Roboto" panose="02000000000000000000" pitchFamily="2" charset="0"/>
+              </a:rPr>
+              <a:t>MAMBA and State Space Models explained | SSM explained </a:t>
+            </a:r>
+            <a:r>
+              <a:rPr lang="en-US" sz="1200" b="0" i="0" dirty="0">
+                <a:solidFill>
+                  <a:srgbClr val="333333"/>
+                </a:solidFill>
+                <a:effectLst/>
+                <a:highlight>
+                  <a:srgbClr val="FFFFFF"/>
+                </a:highlight>
+                <a:latin typeface="Roboto" panose="02000000000000000000" pitchFamily="2" charset="0"/>
+              </a:rPr>
+              <a:t>[Video].</a:t>
+            </a:r>
+          </a:p>
+          <a:p>
+            <a:pPr algn="just"/>
+            <a:r>
+              <a:rPr lang="en-US" sz="1200" b="0" i="0" dirty="0">
+                <a:solidFill>
+                  <a:srgbClr val="333333"/>
+                </a:solidFill>
+                <a:effectLst/>
+                <a:highlight>
+                  <a:srgbClr val="FFFFFF"/>
+                </a:highlight>
+                <a:latin typeface="Roboto" panose="02000000000000000000" pitchFamily="2" charset="0"/>
+              </a:rPr>
+              <a:t> YouTube. URL: https://www.youtube.com/watch?v=vrF3MtGwD0Y&amp;t=1s&amp;ab_channel=AICoffeeBreakwithLetitia</a:t>
+            </a:r>
+            <a:endParaRPr lang="es-ES" sz="1200" dirty="0"/>
+          </a:p>
+        </p:txBody>
+      </p:sp>
+      <p:pic>
+        <p:nvPicPr>
+          <p:cNvPr id="11" name="Imagen 10">
+            <a:extLst>
+              <a:ext uri="{FF2B5EF4-FFF2-40B4-BE49-F238E27FC236}">
+                <a16:creationId xmlns:a16="http://schemas.microsoft.com/office/drawing/2014/main" id="{CC07764E-8E00-EDDD-1E34-8498FBBE9EA7}"/>
+              </a:ext>
+            </a:extLst>
+          </p:cNvPr>
+          <p:cNvPicPr>
+            <a:picLocks noChangeAspect="1"/>
+          </p:cNvPicPr>
+          <p:nvPr/>
+        </p:nvPicPr>
+        <p:blipFill>
+          <a:blip r:embed="rId8"/>
+          <a:stretch>
+            <a:fillRect/>
+          </a:stretch>
+        </p:blipFill>
+        <p:spPr>
+          <a:xfrm>
+            <a:off x="8247951" y="3742448"/>
+            <a:ext cx="3519417" cy="2962706"/>
           </a:xfrm>
           <a:prstGeom prst="rect">
             <a:avLst/>
@@ -11362,7 +13744,7 @@
         </p:blipFill>
         <p:spPr>
           <a:xfrm>
-            <a:off x="751842" y="2428153"/>
+            <a:off x="838200" y="2415452"/>
             <a:ext cx="10423298" cy="2668494"/>
           </a:xfrm>
           <a:prstGeom prst="rect">
@@ -11634,7 +14016,7 @@
           <p:nvPr/>
         </p:nvPicPr>
         <p:blipFill>
-          <a:blip r:embed="rId3"/>
+          <a:blip r:embed="rId4"/>
           <a:stretch>
             <a:fillRect/>
           </a:stretch>
@@ -11664,7 +14046,7 @@
           <p:nvPr/>
         </p:nvPicPr>
         <p:blipFill>
-          <a:blip r:embed="rId4"/>
+          <a:blip r:embed="rId5"/>
           <a:stretch>
             <a:fillRect/>
           </a:stretch>
@@ -11694,7 +14076,7 @@
           <p:nvPr/>
         </p:nvPicPr>
         <p:blipFill>
-          <a:blip r:embed="rId5"/>
+          <a:blip r:embed="rId6"/>
           <a:stretch>
             <a:fillRect/>
           </a:stretch>
@@ -15706,25 +18088,56 @@
 <file path=ppt/tags/tag81.xml><?xml version="1.0" encoding="utf-8"?>
 <p:tagLst xmlns:a="http://schemas.openxmlformats.org/drawingml/2006/main" xmlns:r="http://schemas.openxmlformats.org/officeDocument/2006/relationships" xmlns:p="http://schemas.openxmlformats.org/presentationml/2006/main">
   <p:tag name="PPSPLIT_SPLIT" val="1"/>
+  <p:tag name="PPSPLIT_ORIGINALSLIDENUMBER" val="8"/>
+</p:tagLst>
+</file>
+
+<file path=ppt/tags/tag82.xml><?xml version="1.0" encoding="utf-8"?>
+<p:tagLst xmlns:a="http://schemas.openxmlformats.org/drawingml/2006/main" xmlns:r="http://schemas.openxmlformats.org/officeDocument/2006/relationships" xmlns:p="http://schemas.openxmlformats.org/presentationml/2006/main">
+  <p:tag name="PPSPLIT_ID" val=" 38"/>
+</p:tagLst>
+</file>
+
+<file path=ppt/tags/tag83.xml><?xml version="1.0" encoding="utf-8"?>
+<p:tagLst xmlns:a="http://schemas.openxmlformats.org/drawingml/2006/main" xmlns:r="http://schemas.openxmlformats.org/officeDocument/2006/relationships" xmlns:p="http://schemas.openxmlformats.org/presentationml/2006/main">
+  <p:tag name="PPSPLIT_ID" val=" 38"/>
+</p:tagLst>
+</file>
+
+<file path=ppt/tags/tag84.xml><?xml version="1.0" encoding="utf-8"?>
+<p:tagLst xmlns:a="http://schemas.openxmlformats.org/drawingml/2006/main" xmlns:r="http://schemas.openxmlformats.org/officeDocument/2006/relationships" xmlns:p="http://schemas.openxmlformats.org/presentationml/2006/main">
+  <p:tag name="PPSPLIT_SPLIT" val="1"/>
+  <p:tag name="PPSPLIT_ORIGINALSLIDENUMBER" val="8"/>
+</p:tagLst>
+</file>
+
+<file path=ppt/tags/tag85.xml><?xml version="1.0" encoding="utf-8"?>
+<p:tagLst xmlns:a="http://schemas.openxmlformats.org/drawingml/2006/main" xmlns:r="http://schemas.openxmlformats.org/officeDocument/2006/relationships" xmlns:p="http://schemas.openxmlformats.org/presentationml/2006/main">
+  <p:tag name="PPSPLIT_ID" val=" 38"/>
+</p:tagLst>
+</file>
+
+<file path=ppt/tags/tag86.xml><?xml version="1.0" encoding="utf-8"?>
+<p:tagLst xmlns:a="http://schemas.openxmlformats.org/drawingml/2006/main" xmlns:r="http://schemas.openxmlformats.org/officeDocument/2006/relationships" xmlns:p="http://schemas.openxmlformats.org/presentationml/2006/main">
+  <p:tag name="PPSPLIT_ID" val=" 38"/>
+</p:tagLst>
+</file>
+
+<file path=ppt/tags/tag87.xml><?xml version="1.0" encoding="utf-8"?>
+<p:tagLst xmlns:a="http://schemas.openxmlformats.org/drawingml/2006/main" xmlns:r="http://schemas.openxmlformats.org/officeDocument/2006/relationships" xmlns:p="http://schemas.openxmlformats.org/presentationml/2006/main">
+  <p:tag name="PPSPLIT_SPLIT" val="1"/>
   <p:tag name="PPSPLIT_ORIGINALSLIDENUMBER" val="9"/>
 </p:tagLst>
 </file>
 
-<file path=ppt/tags/tag82.xml><?xml version="1.0" encoding="utf-8"?>
+<file path=ppt/tags/tag88.xml><?xml version="1.0" encoding="utf-8"?>
 <p:tagLst xmlns:a="http://schemas.openxmlformats.org/drawingml/2006/main" xmlns:r="http://schemas.openxmlformats.org/officeDocument/2006/relationships" xmlns:p="http://schemas.openxmlformats.org/presentationml/2006/main">
   <p:tag name="PPSPLIT_SPLIT" val="1"/>
   <p:tag name="PPSPLIT_ORIGINALSLIDENUMBER" val="10"/>
 </p:tagLst>
 </file>
 
-<file path=ppt/tags/tag83.xml><?xml version="1.0" encoding="utf-8"?>
-<p:tagLst xmlns:a="http://schemas.openxmlformats.org/drawingml/2006/main" xmlns:r="http://schemas.openxmlformats.org/officeDocument/2006/relationships" xmlns:p="http://schemas.openxmlformats.org/presentationml/2006/main">
-  <p:tag name="PPSPLIT_SPLIT" val="1"/>
-  <p:tag name="PPSPLIT_ORIGINALSLIDENUMBER" val="11"/>
-</p:tagLst>
-</file>
-
-<file path=ppt/tags/tag84.xml><?xml version="1.0" encoding="utf-8"?>
+<file path=ppt/tags/tag89.xml><?xml version="1.0" encoding="utf-8"?>
 <p:tagLst xmlns:a="http://schemas.openxmlformats.org/drawingml/2006/main" xmlns:r="http://schemas.openxmlformats.org/officeDocument/2006/relationships" xmlns:p="http://schemas.openxmlformats.org/presentationml/2006/main">
   <p:tag name="PPSPLIT_SPLIT" val="1"/>
   <p:tag name="PPSPLIT_ORIGINALSLIDENUMBER" val="11"/>
